--- a/Online Immediate Commitment Job Scheduling A Machine Learning Approach.pptx
+++ b/Online Immediate Commitment Job Scheduling A Machine Learning Approach.pptx
@@ -5,10 +5,10 @@
     <p:sldMasterId id="2147483655" r:id="rId1"/>
   </p:sldMasterIdLst>
   <p:notesMasterIdLst>
-    <p:notesMasterId r:id="rId35"/>
+    <p:notesMasterId r:id="rId37"/>
   </p:notesMasterIdLst>
   <p:handoutMasterIdLst>
-    <p:handoutMasterId r:id="rId36"/>
+    <p:handoutMasterId r:id="rId38"/>
   </p:handoutMasterIdLst>
   <p:sldIdLst>
     <p:sldId id="256" r:id="rId2"/>
@@ -16,34 +16,36 @@
     <p:sldId id="258" r:id="rId4"/>
     <p:sldId id="261" r:id="rId5"/>
     <p:sldId id="260" r:id="rId6"/>
-    <p:sldId id="259" r:id="rId7"/>
-    <p:sldId id="262" r:id="rId8"/>
-    <p:sldId id="263" r:id="rId9"/>
-    <p:sldId id="264" r:id="rId10"/>
-    <p:sldId id="265" r:id="rId11"/>
-    <p:sldId id="266" r:id="rId12"/>
-    <p:sldId id="267" r:id="rId13"/>
-    <p:sldId id="272" r:id="rId14"/>
-    <p:sldId id="273" r:id="rId15"/>
-    <p:sldId id="274" r:id="rId16"/>
-    <p:sldId id="275" r:id="rId17"/>
-    <p:sldId id="268" r:id="rId18"/>
-    <p:sldId id="269" r:id="rId19"/>
-    <p:sldId id="271" r:id="rId20"/>
-    <p:sldId id="270" r:id="rId21"/>
-    <p:sldId id="276" r:id="rId22"/>
-    <p:sldId id="277" r:id="rId23"/>
-    <p:sldId id="278" r:id="rId24"/>
-    <p:sldId id="279" r:id="rId25"/>
+    <p:sldId id="289" r:id="rId7"/>
+    <p:sldId id="259" r:id="rId8"/>
+    <p:sldId id="290" r:id="rId9"/>
+    <p:sldId id="262" r:id="rId10"/>
+    <p:sldId id="263" r:id="rId11"/>
+    <p:sldId id="265" r:id="rId12"/>
+    <p:sldId id="266" r:id="rId13"/>
+    <p:sldId id="267" r:id="rId14"/>
+    <p:sldId id="272" r:id="rId15"/>
+    <p:sldId id="273" r:id="rId16"/>
+    <p:sldId id="274" r:id="rId17"/>
+    <p:sldId id="275" r:id="rId18"/>
+    <p:sldId id="268" r:id="rId19"/>
+    <p:sldId id="269" r:id="rId20"/>
+    <p:sldId id="271" r:id="rId21"/>
+    <p:sldId id="270" r:id="rId22"/>
+    <p:sldId id="276" r:id="rId23"/>
+    <p:sldId id="277" r:id="rId24"/>
+    <p:sldId id="278" r:id="rId25"/>
     <p:sldId id="280" r:id="rId26"/>
-    <p:sldId id="281" r:id="rId27"/>
-    <p:sldId id="282" r:id="rId28"/>
-    <p:sldId id="283" r:id="rId29"/>
-    <p:sldId id="284" r:id="rId30"/>
-    <p:sldId id="285" r:id="rId31"/>
-    <p:sldId id="286" r:id="rId32"/>
-    <p:sldId id="287" r:id="rId33"/>
-    <p:sldId id="288" r:id="rId34"/>
+    <p:sldId id="291" r:id="rId27"/>
+    <p:sldId id="292" r:id="rId28"/>
+    <p:sldId id="293" r:id="rId29"/>
+    <p:sldId id="282" r:id="rId30"/>
+    <p:sldId id="283" r:id="rId31"/>
+    <p:sldId id="284" r:id="rId32"/>
+    <p:sldId id="285" r:id="rId33"/>
+    <p:sldId id="286" r:id="rId34"/>
+    <p:sldId id="287" r:id="rId35"/>
+    <p:sldId id="288" r:id="rId36"/>
   </p:sldIdLst>
   <p:sldSz cx="9144000" cy="6858000" type="screen4x3"/>
   <p:notesSz cx="6858000" cy="9144000"/>
@@ -4105,6 +4107,11 @@
         </p:txBody>
       </p:sp>
     </p:spTree>
+    <p:extLst>
+      <p:ext uri="{BB962C8B-B14F-4D97-AF65-F5344CB8AC3E}">
+        <p14:creationId xmlns:p14="http://schemas.microsoft.com/office/powerpoint/2010/main" val="1"/>
+      </p:ext>
+    </p:extLst>
   </p:cSld>
   <p:clrMap bg1="lt1" tx1="dk1" bg2="lt2" tx2="dk2" accent1="accent1" accent2="accent2" accent3="accent3" accent4="accent4" accent5="accent5" accent6="accent6" hlink="hlink" folHlink="folHlink"/>
 </p:handoutMaster>
@@ -4299,7 +4306,7 @@
             </a:extLst>
           </p:cNvPr>
           <p:cNvSpPr>
-            <a:spLocks noRot="1" noChangeArrowheads="1" noTextEdit="1"/>
+            <a:spLocks noGrp="1" noRot="1" noChangeAspect="1" noChangeArrowheads="1" noTextEdit="1"/>
           </p:cNvSpPr>
           <p:nvPr>
             <p:ph type="sldImg" idx="2"/>
@@ -4794,7 +4801,7 @@
             <a:fld id="{A0BA2BE2-3F90-4D98-B039-66D3C7A83CF0}" type="slidenum">
               <a:rPr lang="de-DE" altLang="en-US" smtClean="0"/>
               <a:pPr/>
-              <a:t>8</a:t>
+              <a:t>10</a:t>
             </a:fld>
             <a:endParaRPr lang="de-DE" altLang="en-US"/>
           </a:p>
@@ -4804,6 +4811,91 @@
     <p:extLst>
       <p:ext uri="{BB962C8B-B14F-4D97-AF65-F5344CB8AC3E}">
         <p14:creationId xmlns:p14="http://schemas.microsoft.com/office/powerpoint/2010/main" val="3258972201"/>
+      </p:ext>
+    </p:extLst>
+  </p:cSld>
+  <p:clrMapOvr>
+    <a:masterClrMapping/>
+  </p:clrMapOvr>
+</p:notes>
+</file>
+
+<file path=ppt/notesSlides/notesSlide2.xml><?xml version="1.0" encoding="utf-8"?>
+<p:notes xmlns:a="http://schemas.openxmlformats.org/drawingml/2006/main" xmlns:r="http://schemas.openxmlformats.org/officeDocument/2006/relationships" xmlns:p="http://schemas.openxmlformats.org/presentationml/2006/main">
+  <p:cSld>
+    <p:spTree>
+      <p:nvGrpSpPr>
+        <p:cNvPr id="1" name=""/>
+        <p:cNvGrpSpPr/>
+        <p:nvPr/>
+      </p:nvGrpSpPr>
+      <p:grpSpPr>
+        <a:xfrm>
+          <a:off x="0" y="0"/>
+          <a:ext cx="0" cy="0"/>
+          <a:chOff x="0" y="0"/>
+          <a:chExt cx="0" cy="0"/>
+        </a:xfrm>
+      </p:grpSpPr>
+      <p:sp>
+        <p:nvSpPr>
+          <p:cNvPr id="2" name="Slide Image Placeholder 1"/>
+          <p:cNvSpPr>
+            <a:spLocks noGrp="1" noRot="1" noChangeAspect="1"/>
+          </p:cNvSpPr>
+          <p:nvPr>
+            <p:ph type="sldImg"/>
+          </p:nvPr>
+        </p:nvSpPr>
+        <p:spPr/>
+      </p:sp>
+      <p:sp>
+        <p:nvSpPr>
+          <p:cNvPr id="3" name="Notes Placeholder 2"/>
+          <p:cNvSpPr>
+            <a:spLocks noGrp="1"/>
+          </p:cNvSpPr>
+          <p:nvPr>
+            <p:ph type="body" idx="1"/>
+          </p:nvPr>
+        </p:nvSpPr>
+        <p:spPr/>
+        <p:txBody>
+          <a:bodyPr/>
+          <a:lstStyle/>
+          <a:p>
+            <a:endParaRPr lang="en-IN" dirty="0"/>
+          </a:p>
+        </p:txBody>
+      </p:sp>
+      <p:sp>
+        <p:nvSpPr>
+          <p:cNvPr id="4" name="Slide Number Placeholder 3"/>
+          <p:cNvSpPr>
+            <a:spLocks noGrp="1"/>
+          </p:cNvSpPr>
+          <p:nvPr>
+            <p:ph type="sldNum" sz="quarter" idx="5"/>
+          </p:nvPr>
+        </p:nvSpPr>
+        <p:spPr/>
+        <p:txBody>
+          <a:bodyPr/>
+          <a:lstStyle/>
+          <a:p>
+            <a:fld id="{A0BA2BE2-3F90-4D98-B039-66D3C7A83CF0}" type="slidenum">
+              <a:rPr lang="de-DE" altLang="en-US" smtClean="0"/>
+              <a:pPr/>
+              <a:t>35</a:t>
+            </a:fld>
+            <a:endParaRPr lang="de-DE" altLang="en-US"/>
+          </a:p>
+        </p:txBody>
+      </p:sp>
+    </p:spTree>
+    <p:extLst>
+      <p:ext uri="{BB962C8B-B14F-4D97-AF65-F5344CB8AC3E}">
+        <p14:creationId xmlns:p14="http://schemas.microsoft.com/office/powerpoint/2010/main" val="1432866828"/>
       </p:ext>
     </p:extLst>
   </p:cSld>
@@ -8430,7 +8522,7 @@
                   <a:spcPct val="0"/>
                 </a:spcBef>
               </a:pPr>
-              <a:t>30.04.2022</a:t>
+              <a:t>02.05.2022</a:t>
             </a:fld>
             <a:endParaRPr lang="de-DE" altLang="en-US" sz="1000" b="0" i="0" dirty="0">
               <a:solidFill>
@@ -9036,7 +9128,14 @@
           <a:p>
             <a:r>
               <a:rPr lang="en-US" altLang="en-US" dirty="0"/>
-              <a:t>Online Immediate Commitment Job Scheduling A Machine Learning Approach</a:t>
+              <a:t>Online Immediate Commitment Job Scheduling </a:t>
+            </a:r>
+            <a:br>
+              <a:rPr lang="en-US" altLang="en-US" dirty="0"/>
+            </a:br>
+            <a:r>
+              <a:rPr lang="en-US" altLang="en-US" dirty="0"/>
+              <a:t>A Machine Learning Approach</a:t>
             </a:r>
             <a:endParaRPr lang="en-GB" altLang="en-US" dirty="0"/>
           </a:p>
@@ -9115,7 +9214,7 @@
           <p:cNvPr id="2" name="Title 1">
             <a:extLst>
               <a:ext uri="{FF2B5EF4-FFF2-40B4-BE49-F238E27FC236}">
-                <a16:creationId xmlns:a16="http://schemas.microsoft.com/office/drawing/2014/main" id="{4085115D-4318-2D79-6FA6-B44B1FE234C2}"/>
+                <a16:creationId xmlns:a16="http://schemas.microsoft.com/office/drawing/2014/main" id="{E9658D6A-150C-9563-8349-340742CB436F}"/>
               </a:ext>
             </a:extLst>
           </p:cNvPr>
@@ -9133,7 +9232,7 @@
           <a:p>
             <a:r>
               <a:rPr lang="en-IN" dirty="0"/>
-              <a:t>Determining Quality Of Incoming Job</a:t>
+              <a:t>Prior Knowledge</a:t>
             </a:r>
           </a:p>
         </p:txBody>
@@ -9143,7 +9242,7 @@
           <p:cNvPr id="3" name="Content Placeholder 2">
             <a:extLst>
               <a:ext uri="{FF2B5EF4-FFF2-40B4-BE49-F238E27FC236}">
-                <a16:creationId xmlns:a16="http://schemas.microsoft.com/office/drawing/2014/main" id="{EAE749B3-B2D4-57E8-103E-42522B9DBB0F}"/>
+                <a16:creationId xmlns:a16="http://schemas.microsoft.com/office/drawing/2014/main" id="{E85EB35E-E2A7-94C8-59C9-D6491A6F31FA}"/>
               </a:ext>
             </a:extLst>
           </p:cNvPr>
@@ -9161,23 +9260,64 @@
           <a:p>
             <a:pPr algn="just"/>
             <a:r>
-              <a:rPr lang="en-IN" dirty="0"/>
-              <a:t>Since the aim is to maximize machine utilization, we should always try to get higher processing time jobs to be scheduled on the machine. Hence, non-profitable jobs need to be rejected to make room for higher processing time jobs.</a:t>
+              <a:rPr lang="en-US" dirty="0"/>
+              <a:t>This paper teaches us that the jobs need to be judged based on a rejection criterion even if it is legal to accept it. </a:t>
+            </a:r>
+            <a:r>
+              <a:rPr lang="en-IN" sz="1400" i="1" dirty="0"/>
+              <a:t>S. </a:t>
+            </a:r>
+            <a:r>
+              <a:rPr lang="en-IN" sz="1400" i="1" dirty="0" err="1"/>
+              <a:t>Jamalabadi</a:t>
+            </a:r>
+            <a:r>
+              <a:rPr lang="en-IN" sz="1400" i="1" dirty="0"/>
+              <a:t>, C. </a:t>
+            </a:r>
+            <a:r>
+              <a:rPr lang="en-IN" sz="1400" i="1" dirty="0" err="1"/>
+              <a:t>Schwiegelshohn</a:t>
+            </a:r>
+            <a:r>
+              <a:rPr lang="en-IN" sz="1400" i="1" dirty="0"/>
+              <a:t>, and U. </a:t>
+            </a:r>
+            <a:r>
+              <a:rPr lang="en-IN" sz="1400" i="1" dirty="0" err="1"/>
+              <a:t>Schwiegelshohn</a:t>
+            </a:r>
+            <a:r>
+              <a:rPr lang="en-IN" sz="1400" i="1" dirty="0"/>
+              <a:t>, “Commitment and slack for online load maximization,” in Proceedings of the 32nd ACM Symposium on Parallelism in Algorithms and Architectures, 2020, pp. 339–348.</a:t>
             </a:r>
           </a:p>
           <a:p>
             <a:pPr algn="just"/>
             <a:r>
-              <a:rPr lang="en-IN" dirty="0"/>
-              <a:t>Profitability: a simple logical method to determine profitability of accepting a job to a system.</a:t>
-            </a:r>
+              <a:rPr lang="en-US" dirty="0"/>
+              <a:t>The majority of methods in  Reinforcement Learning rely on well-known benchmarks from the </a:t>
+            </a:r>
+            <a:r>
+              <a:rPr lang="en-US" dirty="0" err="1"/>
+              <a:t>OpenAI</a:t>
+            </a:r>
+            <a:r>
+              <a:rPr lang="en-US" dirty="0"/>
+              <a:t> gym library.</a:t>
+            </a:r>
+            <a:endParaRPr lang="en-IN" dirty="0"/>
+          </a:p>
+          <a:p>
+            <a:pPr algn="just"/>
+            <a:endParaRPr lang="en-IN" dirty="0"/>
           </a:p>
         </p:txBody>
       </p:sp>
     </p:spTree>
     <p:extLst>
       <p:ext uri="{BB962C8B-B14F-4D97-AF65-F5344CB8AC3E}">
-        <p14:creationId xmlns:p14="http://schemas.microsoft.com/office/powerpoint/2010/main" val="2573091892"/>
+        <p14:creationId xmlns:p14="http://schemas.microsoft.com/office/powerpoint/2010/main" val="2459933310"/>
       </p:ext>
     </p:extLst>
   </p:cSld>
@@ -9209,7 +9349,7 @@
           <p:cNvPr id="2" name="Title 1">
             <a:extLst>
               <a:ext uri="{FF2B5EF4-FFF2-40B4-BE49-F238E27FC236}">
-                <a16:creationId xmlns:a16="http://schemas.microsoft.com/office/drawing/2014/main" id="{39C63EBA-C0E9-D2A7-F25D-C5431DB67126}"/>
+                <a16:creationId xmlns:a16="http://schemas.microsoft.com/office/drawing/2014/main" id="{4085115D-4318-2D79-6FA6-B44B1FE234C2}"/>
               </a:ext>
             </a:extLst>
           </p:cNvPr>
@@ -9227,7 +9367,7 @@
           <a:p>
             <a:r>
               <a:rPr lang="en-IN" dirty="0"/>
-              <a:t>Steps To Determine Profitability</a:t>
+              <a:t>Determining Quality Of Incoming Job</a:t>
             </a:r>
           </a:p>
         </p:txBody>
@@ -9237,7 +9377,7 @@
           <p:cNvPr id="3" name="Content Placeholder 2">
             <a:extLst>
               <a:ext uri="{FF2B5EF4-FFF2-40B4-BE49-F238E27FC236}">
-                <a16:creationId xmlns:a16="http://schemas.microsoft.com/office/drawing/2014/main" id="{FFF1330E-E064-AD2B-5AB2-63926C81CE31}"/>
+                <a16:creationId xmlns:a16="http://schemas.microsoft.com/office/drawing/2014/main" id="{EAE749B3-B2D4-57E8-103E-42522B9DBB0F}"/>
               </a:ext>
             </a:extLst>
           </p:cNvPr>
@@ -9253,180 +9393,68 @@
           <a:bodyPr/>
           <a:lstStyle/>
           <a:p>
-            <a:pPr marL="457200" indent="-457200" algn="just">
-              <a:buFont typeface="+mj-lt"/>
-              <a:buAutoNum type="arabicPeriod"/>
-            </a:pPr>
+            <a:pPr algn="just"/>
             <a:r>
               <a:rPr lang="en-IN" dirty="0"/>
-              <a:t>Update machine states with current remaining load and arrange in descending order.</a:t>
-            </a:r>
-          </a:p>
-          <a:p>
-            <a:pPr marL="457200" indent="-457200" algn="just">
-              <a:buFont typeface="+mj-lt"/>
-              <a:buAutoNum type="arabicPeriod"/>
-            </a:pPr>
+              <a:t>Aim: maximize machine utilization.</a:t>
+            </a:r>
+          </a:p>
+          <a:p>
+            <a:pPr lvl="1" algn="just"/>
             <a:r>
               <a:rPr lang="en-IN" dirty="0"/>
-              <a:t>Calculate mean of the current remaining load (</a:t>
-            </a:r>
-            <a:r>
-              <a:rPr lang="en-IN" i="1" dirty="0" err="1"/>
-              <a:t>mean_load</a:t>
+              <a:t>Anticipate higher </a:t>
+            </a:r>
+            <a:r>
+              <a:rPr lang="en-IN" dirty="0" err="1"/>
+              <a:t>pj</a:t>
             </a:r>
             <a:r>
               <a:rPr lang="en-IN" dirty="0"/>
-              <a:t>)</a:t>
-            </a:r>
-          </a:p>
-          <a:p>
-            <a:pPr marL="457200" indent="-457200" algn="just">
-              <a:buFont typeface="+mj-lt"/>
-              <a:buAutoNum type="arabicPeriod"/>
-            </a:pPr>
-            <a:r>
-              <a:rPr lang="en-IN" i="1" dirty="0" err="1"/>
-              <a:t>pos_mean</a:t>
-            </a:r>
-            <a:r>
-              <a:rPr lang="en-IN" i="1" dirty="0"/>
-              <a:t> </a:t>
-            </a:r>
+              <a:t> jobs</a:t>
+            </a:r>
+          </a:p>
+          <a:p>
+            <a:pPr lvl="1" algn="just"/>
             <a:r>
               <a:rPr lang="en-IN" dirty="0"/>
-              <a:t>= position of first machine with current remaining load less than </a:t>
-            </a:r>
-            <a:r>
-              <a:rPr lang="en-IN" i="1" dirty="0" err="1"/>
-              <a:t>mean_load</a:t>
+              <a:t>Leave room for higher </a:t>
+            </a:r>
+            <a:r>
+              <a:rPr lang="en-IN" dirty="0" err="1"/>
+              <a:t>pj</a:t>
             </a:r>
             <a:r>
               <a:rPr lang="en-IN" dirty="0"/>
-              <a:t>.</a:t>
-            </a:r>
-          </a:p>
-          <a:p>
-            <a:pPr marL="457200" indent="-457200" algn="just">
-              <a:buFont typeface="+mj-lt"/>
-              <a:buAutoNum type="arabicPeriod"/>
-            </a:pPr>
+              <a:t> jobs. </a:t>
+            </a:r>
+          </a:p>
+          <a:p>
+            <a:pPr lvl="1" algn="just"/>
             <a:r>
               <a:rPr lang="en-IN" dirty="0"/>
-              <a:t>Consider least loaded machine </a:t>
-            </a:r>
-            <a:r>
-              <a:rPr lang="en-IN" i="1" dirty="0"/>
-              <a:t>m’ </a:t>
-            </a:r>
+              <a:t>Non-profitable jobs rejected.</a:t>
+            </a:r>
+          </a:p>
+          <a:p>
+            <a:pPr algn="just"/>
             <a:r>
               <a:rPr lang="en-IN" dirty="0"/>
-              <a:t>to accept the incoming job </a:t>
-            </a:r>
-            <a:r>
-              <a:rPr lang="en-IN" i="1" dirty="0"/>
-              <a:t>J.</a:t>
-            </a:r>
-          </a:p>
-          <a:p>
-            <a:pPr marL="457200" indent="-457200" algn="just">
-              <a:buFont typeface="+mj-lt"/>
-              <a:buAutoNum type="arabicPeriod"/>
-            </a:pPr>
+              <a:t>Profitability: </a:t>
+            </a:r>
+          </a:p>
+          <a:p>
+            <a:pPr lvl="1" algn="just"/>
             <a:r>
               <a:rPr lang="en-IN" dirty="0"/>
-              <a:t>Rearrange the machine states list in descending order.</a:t>
-            </a:r>
-          </a:p>
-          <a:p>
-            <a:pPr marL="457200" indent="-457200" algn="just">
-              <a:buFont typeface="+mj-lt"/>
-              <a:buAutoNum type="arabicPeriod"/>
-            </a:pPr>
-            <a:r>
-              <a:rPr lang="en-IN" i="1" dirty="0" err="1"/>
-              <a:t>leap_pos</a:t>
-            </a:r>
-            <a:r>
-              <a:rPr lang="en-IN" i="1" dirty="0"/>
-              <a:t> </a:t>
-            </a:r>
+              <a:t>a simple logical method.</a:t>
+            </a:r>
+          </a:p>
+          <a:p>
+            <a:pPr lvl="1" algn="just"/>
             <a:r>
               <a:rPr lang="en-IN" dirty="0"/>
-              <a:t>= new position of the machine </a:t>
-            </a:r>
-            <a:r>
-              <a:rPr lang="en-IN" i="1" dirty="0"/>
-              <a:t>m’</a:t>
-            </a:r>
-            <a:r>
-              <a:rPr lang="en-IN" dirty="0"/>
-              <a:t> in the machine states list.</a:t>
-            </a:r>
-          </a:p>
-          <a:p>
-            <a:pPr marL="457200" indent="-457200" algn="just">
-              <a:buFont typeface="+mj-lt"/>
-              <a:buAutoNum type="arabicPeriod"/>
-            </a:pPr>
-            <a:r>
-              <a:rPr lang="en-IN" i="1" dirty="0"/>
-              <a:t>threshold </a:t>
-            </a:r>
-            <a:r>
-              <a:rPr lang="en-IN" dirty="0"/>
-              <a:t>= </a:t>
-            </a:r>
-            <a:r>
-              <a:rPr lang="en-IN" i="1" dirty="0"/>
-              <a:t>number of machines </a:t>
-            </a:r>
-            <a:r>
-              <a:rPr lang="en-IN" dirty="0"/>
-              <a:t>– </a:t>
-            </a:r>
-            <a:r>
-              <a:rPr lang="en-IN" i="1" dirty="0" err="1"/>
-              <a:t>pos_mean</a:t>
-            </a:r>
-            <a:r>
-              <a:rPr lang="en-IN" i="1" dirty="0"/>
-              <a:t>. </a:t>
-            </a:r>
-            <a:r>
-              <a:rPr lang="en-IN" dirty="0"/>
-              <a:t>(from rear end)</a:t>
-            </a:r>
-            <a:endParaRPr lang="en-IN" i="1" dirty="0"/>
-          </a:p>
-          <a:p>
-            <a:pPr marL="457200" indent="-457200" algn="just">
-              <a:buFont typeface="+mj-lt"/>
-              <a:buAutoNum type="arabicPeriod"/>
-            </a:pPr>
-            <a:r>
-              <a:rPr lang="en-IN" i="1" dirty="0"/>
-              <a:t>Profitable </a:t>
-            </a:r>
-            <a:r>
-              <a:rPr lang="en-IN" dirty="0"/>
-              <a:t>= If</a:t>
-            </a:r>
-            <a:r>
-              <a:rPr lang="en-IN" i="1" dirty="0"/>
-              <a:t> </a:t>
-            </a:r>
-            <a:r>
-              <a:rPr lang="en-IN" i="1" dirty="0" err="1"/>
-              <a:t>leap_pos</a:t>
-            </a:r>
-            <a:r>
-              <a:rPr lang="en-IN" i="1" dirty="0"/>
-              <a:t> &lt; threshold: </a:t>
-            </a:r>
-            <a:r>
-              <a:rPr lang="en-IN" dirty="0"/>
-              <a:t>TRUE else: FALSE</a:t>
+              <a:t> Determine quality of action taken.</a:t>
             </a:r>
           </a:p>
         </p:txBody>
@@ -9434,7 +9462,7 @@
     </p:spTree>
     <p:extLst>
       <p:ext uri="{BB962C8B-B14F-4D97-AF65-F5344CB8AC3E}">
-        <p14:creationId xmlns:p14="http://schemas.microsoft.com/office/powerpoint/2010/main" val="2589291743"/>
+        <p14:creationId xmlns:p14="http://schemas.microsoft.com/office/powerpoint/2010/main" val="2573091892"/>
       </p:ext>
     </p:extLst>
   </p:cSld>
@@ -9461,12 +9489,390 @@
           <a:chExt cx="0" cy="0"/>
         </a:xfrm>
       </p:grpSpPr>
+      <p:sp>
+        <p:nvSpPr>
+          <p:cNvPr id="2" name="Title 1">
+            <a:extLst>
+              <a:ext uri="{FF2B5EF4-FFF2-40B4-BE49-F238E27FC236}">
+                <a16:creationId xmlns:a16="http://schemas.microsoft.com/office/drawing/2014/main" id="{39C63EBA-C0E9-D2A7-F25D-C5431DB67126}"/>
+              </a:ext>
+            </a:extLst>
+          </p:cNvPr>
+          <p:cNvSpPr>
+            <a:spLocks noGrp="1"/>
+          </p:cNvSpPr>
+          <p:nvPr>
+            <p:ph type="title"/>
+          </p:nvPr>
+        </p:nvSpPr>
+        <p:spPr/>
+        <p:txBody>
+          <a:bodyPr/>
+          <a:lstStyle/>
+          <a:p>
+            <a:r>
+              <a:rPr lang="en-IN" dirty="0"/>
+              <a:t>Steps To Determine Profitability</a:t>
+            </a:r>
+          </a:p>
+        </p:txBody>
+      </p:sp>
+      <mc:AlternateContent xmlns:mc="http://schemas.openxmlformats.org/markup-compatibility/2006">
+        <mc:Choice xmlns:a14="http://schemas.microsoft.com/office/drawing/2010/main" Requires="a14">
+          <p:sp>
+            <p:nvSpPr>
+              <p:cNvPr id="3" name="Content Placeholder 2">
+                <a:extLst>
+                  <a:ext uri="{FF2B5EF4-FFF2-40B4-BE49-F238E27FC236}">
+                    <a16:creationId xmlns:a16="http://schemas.microsoft.com/office/drawing/2014/main" id="{FFF1330E-E064-AD2B-5AB2-63926C81CE31}"/>
+                  </a:ext>
+                </a:extLst>
+              </p:cNvPr>
+              <p:cNvSpPr>
+                <a:spLocks noGrp="1"/>
+              </p:cNvSpPr>
+              <p:nvPr>
+                <p:ph idx="1"/>
+              </p:nvPr>
+            </p:nvSpPr>
+            <p:spPr>
+              <a:xfrm>
+                <a:off x="466724" y="2029522"/>
+                <a:ext cx="8132763" cy="3962400"/>
+              </a:xfrm>
+            </p:spPr>
+            <p:txBody>
+              <a:bodyPr/>
+              <a:lstStyle/>
+              <a:p>
+                <a:pPr marL="0" indent="0" algn="just">
+                  <a:buNone/>
+                </a:pPr>
+                <a:r>
+                  <a:rPr lang="en-IN" dirty="0"/>
+                  <a:t>INPUT : Updated (current remaining load) list of machines, job j.</a:t>
+                </a:r>
+                <a:endParaRPr lang="en-IN" i="1" dirty="0"/>
+              </a:p>
+              <a:p>
+                <a:pPr marL="457200" indent="-457200" algn="just">
+                  <a:buFont typeface="+mj-lt"/>
+                  <a:buAutoNum type="arabicPeriod"/>
+                </a:pPr>
+                <a:r>
+                  <a:rPr lang="en-IN" i="1" dirty="0"/>
+                  <a:t>mean_load = </a:t>
+                </a:r>
+                <a14:m>
+                  <m:oMath xmlns:m="http://schemas.openxmlformats.org/officeDocument/2006/math">
+                    <m:f>
+                      <m:fPr>
+                        <m:ctrlPr>
+                          <a:rPr lang="en-IN" b="0" i="1" smtClean="0"/>
+                        </m:ctrlPr>
+                      </m:fPr>
+                      <m:num>
+                        <m:r>
+                          <a:rPr lang="en-IN" b="0" i="1" smtClean="0"/>
+                          <m:t>𝑠𝑢𝑚</m:t>
+                        </m:r>
+                        <m:d>
+                          <m:dPr>
+                            <m:ctrlPr>
+                              <a:rPr lang="en-IN" b="0" i="1" smtClean="0"/>
+                            </m:ctrlPr>
+                          </m:dPr>
+                          <m:e>
+                            <m:r>
+                              <a:rPr lang="en-IN" b="0" i="1" smtClean="0"/>
+                              <m:t>𝑟𝑒𝑚𝑎𝑖𝑛𝑖𝑛𝑔</m:t>
+                            </m:r>
+                            <m:r>
+                              <a:rPr lang="en-IN" b="0" i="1" smtClean="0"/>
+                              <m:t> </m:t>
+                            </m:r>
+                            <m:r>
+                              <a:rPr lang="en-IN" b="0" i="1" smtClean="0"/>
+                              <m:t>𝑙𝑜𝑎𝑑</m:t>
+                            </m:r>
+                          </m:e>
+                        </m:d>
+                      </m:num>
+                      <m:den>
+                        <m:r>
+                          <a:rPr lang="en-IN" b="0" i="1" smtClean="0"/>
+                          <m:t>𝑙𝑒𝑛𝑔𝑡h</m:t>
+                        </m:r>
+                        <m:r>
+                          <a:rPr lang="en-IN" b="0" i="1" smtClean="0"/>
+                          <m:t>(</m:t>
+                        </m:r>
+                        <m:r>
+                          <a:rPr lang="en-IN" b="0" i="1" smtClean="0"/>
+                          <m:t>𝑙𝑖𝑠𝑡</m:t>
+                        </m:r>
+                        <m:r>
+                          <a:rPr lang="en-IN" b="0" i="1" smtClean="0"/>
+                          <m:t> </m:t>
+                        </m:r>
+                        <m:r>
+                          <a:rPr lang="en-IN" b="0" i="1" smtClean="0"/>
+                          <m:t>𝑜𝑓</m:t>
+                        </m:r>
+                        <m:r>
+                          <a:rPr lang="en-IN" b="0" i="1" smtClean="0"/>
+                          <m:t> </m:t>
+                        </m:r>
+                        <m:r>
+                          <a:rPr lang="en-IN" b="0" i="1" smtClean="0"/>
+                          <m:t>𝑚𝑎𝑐h𝑖𝑛𝑒𝑠</m:t>
+                        </m:r>
+                        <m:r>
+                          <a:rPr lang="en-IN" b="0" i="1" smtClean="0"/>
+                          <m:t>)</m:t>
+                        </m:r>
+                      </m:den>
+                    </m:f>
+                  </m:oMath>
+                </a14:m>
+                <a:endParaRPr lang="en-IN" dirty="0"/>
+              </a:p>
+              <a:p>
+                <a:pPr marL="457200" indent="-457200" algn="just">
+                  <a:buFont typeface="+mj-lt"/>
+                  <a:buAutoNum type="arabicPeriod"/>
+                </a:pPr>
+                <a:r>
+                  <a:rPr lang="en-IN" i="1" dirty="0" err="1"/>
+                  <a:t>pos_mean</a:t>
+                </a:r>
+                <a:r>
+                  <a:rPr lang="en-IN" i="1" dirty="0"/>
+                  <a:t> </a:t>
+                </a:r>
+                <a:r>
+                  <a:rPr lang="en-IN" dirty="0"/>
+                  <a:t>= position of first machine with current remaining load less than </a:t>
+                </a:r>
+                <a:r>
+                  <a:rPr lang="en-IN" i="1" dirty="0" err="1"/>
+                  <a:t>mean_load</a:t>
+                </a:r>
+                <a:r>
+                  <a:rPr lang="en-IN" dirty="0"/>
+                  <a:t>.</a:t>
+                </a:r>
+              </a:p>
+              <a:p>
+                <a:pPr marL="457200" indent="-457200" algn="just">
+                  <a:buFont typeface="+mj-lt"/>
+                  <a:buAutoNum type="arabicPeriod"/>
+                </a:pPr>
+                <a:r>
+                  <a:rPr lang="en-IN" dirty="0"/>
+                  <a:t>Consider least loaded machine </a:t>
+                </a:r>
+                <a:r>
+                  <a:rPr lang="en-IN" i="1" dirty="0"/>
+                  <a:t>m’ </a:t>
+                </a:r>
+                <a:r>
+                  <a:rPr lang="en-IN" dirty="0"/>
+                  <a:t>to accept the incoming job </a:t>
+                </a:r>
+                <a:r>
+                  <a:rPr lang="en-IN" i="1" dirty="0"/>
+                  <a:t>J.</a:t>
+                </a:r>
+              </a:p>
+              <a:p>
+                <a:pPr marL="457200" indent="-457200" algn="just">
+                  <a:buFont typeface="+mj-lt"/>
+                  <a:buAutoNum type="arabicPeriod"/>
+                </a:pPr>
+                <a:r>
+                  <a:rPr lang="en-IN" dirty="0"/>
+                  <a:t>Rearrange the machine states list in descending order.</a:t>
+                </a:r>
+              </a:p>
+              <a:p>
+                <a:pPr marL="457200" indent="-457200" algn="just">
+                  <a:buFont typeface="+mj-lt"/>
+                  <a:buAutoNum type="arabicPeriod"/>
+                </a:pPr>
+                <a:r>
+                  <a:rPr lang="en-IN" i="1" dirty="0" err="1"/>
+                  <a:t>leap_pos</a:t>
+                </a:r>
+                <a:r>
+                  <a:rPr lang="en-IN" i="1" dirty="0"/>
+                  <a:t> </a:t>
+                </a:r>
+                <a:r>
+                  <a:rPr lang="en-IN" dirty="0"/>
+                  <a:t>= new position of the machine </a:t>
+                </a:r>
+                <a:r>
+                  <a:rPr lang="en-IN" i="1" dirty="0"/>
+                  <a:t>m’</a:t>
+                </a:r>
+                <a:r>
+                  <a:rPr lang="en-IN" dirty="0"/>
+                  <a:t> in the machine states list.</a:t>
+                </a:r>
+              </a:p>
+              <a:p>
+                <a:pPr marL="457200" indent="-457200" algn="just">
+                  <a:buFont typeface="+mj-lt"/>
+                  <a:buAutoNum type="arabicPeriod"/>
+                </a:pPr>
+                <a:r>
+                  <a:rPr lang="en-IN" i="1" dirty="0"/>
+                  <a:t>threshold </a:t>
+                </a:r>
+                <a:r>
+                  <a:rPr lang="en-IN" dirty="0"/>
+                  <a:t>= </a:t>
+                </a:r>
+                <a:r>
+                  <a:rPr lang="en-IN" i="1" dirty="0"/>
+                  <a:t>number of machines </a:t>
+                </a:r>
+                <a:r>
+                  <a:rPr lang="en-IN" dirty="0"/>
+                  <a:t>– </a:t>
+                </a:r>
+                <a:r>
+                  <a:rPr lang="en-IN" i="1" dirty="0" err="1"/>
+                  <a:t>pos_mean</a:t>
+                </a:r>
+                <a:r>
+                  <a:rPr lang="en-IN" i="1" dirty="0"/>
+                  <a:t>. </a:t>
+                </a:r>
+              </a:p>
+              <a:p>
+                <a:pPr marL="457200" indent="-457200" algn="just">
+                  <a:buFont typeface="+mj-lt"/>
+                  <a:buAutoNum type="arabicPeriod"/>
+                </a:pPr>
+                <a:r>
+                  <a:rPr lang="en-IN" i="1" dirty="0"/>
+                  <a:t>Profitable </a:t>
+                </a:r>
+                <a:r>
+                  <a:rPr lang="en-IN" dirty="0"/>
+                  <a:t>= If</a:t>
+                </a:r>
+                <a:r>
+                  <a:rPr lang="en-IN" i="1" dirty="0"/>
+                  <a:t> </a:t>
+                </a:r>
+                <a:r>
+                  <a:rPr lang="en-IN" i="1" dirty="0" err="1"/>
+                  <a:t>leap_pos</a:t>
+                </a:r>
+                <a:r>
+                  <a:rPr lang="en-IN" i="1" dirty="0"/>
+                  <a:t> &lt; threshold: </a:t>
+                </a:r>
+                <a:r>
+                  <a:rPr lang="en-IN" dirty="0"/>
+                  <a:t>TRUE else: FALSE</a:t>
+                </a:r>
+              </a:p>
+              <a:p>
+                <a:pPr marL="0" indent="0" algn="just">
+                  <a:buNone/>
+                </a:pPr>
+                <a:r>
+                  <a:rPr lang="en-IN" dirty="0"/>
+                  <a:t>OUTPUT : Profitable</a:t>
+                </a:r>
+              </a:p>
+            </p:txBody>
+          </p:sp>
+        </mc:Choice>
+        <mc:Fallback>
+          <p:sp>
+            <p:nvSpPr>
+              <p:cNvPr id="3" name="Content Placeholder 2">
+                <a:extLst>
+                  <a:ext uri="{FF2B5EF4-FFF2-40B4-BE49-F238E27FC236}">
+                    <a16:creationId xmlns:a16="http://schemas.microsoft.com/office/drawing/2014/main" id="{FFF1330E-E064-AD2B-5AB2-63926C81CE31}"/>
+                  </a:ext>
+                </a:extLst>
+              </p:cNvPr>
+              <p:cNvSpPr>
+                <a:spLocks noGrp="1" noRot="1" noChangeAspect="1" noMove="1" noResize="1" noEditPoints="1" noAdjustHandles="1" noChangeArrowheads="1" noChangeShapeType="1" noTextEdit="1"/>
+              </p:cNvSpPr>
+              <p:nvPr>
+                <p:ph idx="1"/>
+              </p:nvPr>
+            </p:nvSpPr>
+            <p:spPr>
+              <a:xfrm>
+                <a:off x="466724" y="2029522"/>
+                <a:ext cx="8132763" cy="3962400"/>
+              </a:xfrm>
+              <a:blipFill>
+                <a:blip r:embed="rId2"/>
+                <a:stretch>
+                  <a:fillRect l="-825" t="-769" r="-750" b="-7846"/>
+                </a:stretch>
+              </a:blipFill>
+            </p:spPr>
+            <p:txBody>
+              <a:bodyPr/>
+              <a:lstStyle/>
+              <a:p>
+                <a:r>
+                  <a:rPr lang="en-IN">
+                    <a:noFill/>
+                  </a:rPr>
+                  <a:t> </a:t>
+                </a:r>
+              </a:p>
+            </p:txBody>
+          </p:sp>
+        </mc:Fallback>
+      </mc:AlternateContent>
+    </p:spTree>
+    <p:extLst>
+      <p:ext uri="{BB962C8B-B14F-4D97-AF65-F5344CB8AC3E}">
+        <p14:creationId xmlns:p14="http://schemas.microsoft.com/office/powerpoint/2010/main" val="2589291743"/>
+      </p:ext>
+    </p:extLst>
+  </p:cSld>
+  <p:clrMapOvr>
+    <a:masterClrMapping/>
+  </p:clrMapOvr>
+</p:sld>
+</file>
+
+<file path=ppt/slides/slide13.xml><?xml version="1.0" encoding="utf-8"?>
+<p:sld xmlns:a="http://schemas.openxmlformats.org/drawingml/2006/main" xmlns:r="http://schemas.openxmlformats.org/officeDocument/2006/relationships" xmlns:p="http://schemas.openxmlformats.org/presentationml/2006/main">
+  <p:cSld>
+    <p:spTree>
+      <p:nvGrpSpPr>
+        <p:cNvPr id="1" name=""/>
+        <p:cNvGrpSpPr/>
+        <p:nvPr/>
+      </p:nvGrpSpPr>
+      <p:grpSpPr>
+        <a:xfrm>
+          <a:off x="0" y="0"/>
+          <a:ext cx="0" cy="0"/>
+          <a:chOff x="0" y="0"/>
+          <a:chExt cx="0" cy="0"/>
+        </a:xfrm>
+      </p:grpSpPr>
       <p:pic>
         <p:nvPicPr>
-          <p:cNvPr id="5" name="Content Placeholder 4">
+          <p:cNvPr id="4" name="Content Placeholder 3">
             <a:extLst>
               <a:ext uri="{FF2B5EF4-FFF2-40B4-BE49-F238E27FC236}">
-                <a16:creationId xmlns:a16="http://schemas.microsoft.com/office/drawing/2014/main" id="{C4AC1238-A5F8-B59D-44D3-CD95DAB2097B}"/>
+                <a16:creationId xmlns:a16="http://schemas.microsoft.com/office/drawing/2014/main" id="{E929DF72-D8EC-508B-240A-ADA2B8444F33}"/>
               </a:ext>
             </a:extLst>
           </p:cNvPr>
@@ -9491,8 +9897,8 @@
         </p:blipFill>
         <p:spPr>
           <a:xfrm>
-            <a:off x="1511660" y="1134554"/>
-            <a:ext cx="6120680" cy="4588891"/>
+            <a:off x="1929468" y="1447800"/>
+            <a:ext cx="5285064" cy="3962400"/>
           </a:xfrm>
         </p:spPr>
       </p:pic>
@@ -9509,7 +9915,7 @@
 </p:sld>
 </file>
 
-<file path=ppt/slides/slide13.xml><?xml version="1.0" encoding="utf-8"?>
+<file path=ppt/slides/slide14.xml><?xml version="1.0" encoding="utf-8"?>
 <p:sld xmlns:a="http://schemas.openxmlformats.org/drawingml/2006/main" xmlns:r="http://schemas.openxmlformats.org/officeDocument/2006/relationships" xmlns:p="http://schemas.openxmlformats.org/presentationml/2006/main">
   <p:cSld>
     <p:spTree>
@@ -9651,7 +10057,7 @@
 </p:sld>
 </file>
 
-<file path=ppt/slides/slide14.xml><?xml version="1.0" encoding="utf-8"?>
+<file path=ppt/slides/slide15.xml><?xml version="1.0" encoding="utf-8"?>
 <p:sld xmlns:a="http://schemas.openxmlformats.org/drawingml/2006/main" xmlns:r="http://schemas.openxmlformats.org/officeDocument/2006/relationships" xmlns:p="http://schemas.openxmlformats.org/presentationml/2006/main">
   <p:cSld>
     <p:spTree>
@@ -9754,7 +10160,7 @@
 </p:sld>
 </file>
 
-<file path=ppt/slides/slide15.xml><?xml version="1.0" encoding="utf-8"?>
+<file path=ppt/slides/slide16.xml><?xml version="1.0" encoding="utf-8"?>
 <p:sld xmlns:a="http://schemas.openxmlformats.org/drawingml/2006/main" xmlns:r="http://schemas.openxmlformats.org/officeDocument/2006/relationships" xmlns:p="http://schemas.openxmlformats.org/presentationml/2006/main">
   <p:cSld>
     <p:spTree>
@@ -10030,7 +10436,7 @@
 </p:sld>
 </file>
 
-<file path=ppt/slides/slide16.xml><?xml version="1.0" encoding="utf-8"?>
+<file path=ppt/slides/slide17.xml><?xml version="1.0" encoding="utf-8"?>
 <p:sld xmlns:a="http://schemas.openxmlformats.org/drawingml/2006/main" xmlns:r="http://schemas.openxmlformats.org/officeDocument/2006/relationships" xmlns:p="http://schemas.openxmlformats.org/presentationml/2006/main">
   <p:cSld>
     <p:spTree>
@@ -10170,7 +10576,7 @@
 </p:sld>
 </file>
 
-<file path=ppt/slides/slide17.xml><?xml version="1.0" encoding="utf-8"?>
+<file path=ppt/slides/slide18.xml><?xml version="1.0" encoding="utf-8"?>
 <p:sld xmlns:a="http://schemas.openxmlformats.org/drawingml/2006/main" xmlns:r="http://schemas.openxmlformats.org/officeDocument/2006/relationships" xmlns:p="http://schemas.openxmlformats.org/presentationml/2006/main">
   <p:cSld>
     <p:spTree>
@@ -10293,7 +10699,7 @@
 </p:sld>
 </file>
 
-<file path=ppt/slides/slide18.xml><?xml version="1.0" encoding="utf-8"?>
+<file path=ppt/slides/slide19.xml><?xml version="1.0" encoding="utf-8"?>
 <p:sld xmlns:a="http://schemas.openxmlformats.org/drawingml/2006/main" xmlns:r="http://schemas.openxmlformats.org/officeDocument/2006/relationships" xmlns:p="http://schemas.openxmlformats.org/presentationml/2006/main">
   <p:cSld>
     <p:spTree>
@@ -10412,71 +10818,6 @@
     <p:extLst>
       <p:ext uri="{BB962C8B-B14F-4D97-AF65-F5344CB8AC3E}">
         <p14:creationId xmlns:p14="http://schemas.microsoft.com/office/powerpoint/2010/main" val="2533934714"/>
-      </p:ext>
-    </p:extLst>
-  </p:cSld>
-  <p:clrMapOvr>
-    <a:masterClrMapping/>
-  </p:clrMapOvr>
-</p:sld>
-</file>
-
-<file path=ppt/slides/slide19.xml><?xml version="1.0" encoding="utf-8"?>
-<p:sld xmlns:a="http://schemas.openxmlformats.org/drawingml/2006/main" xmlns:r="http://schemas.openxmlformats.org/officeDocument/2006/relationships" xmlns:p="http://schemas.openxmlformats.org/presentationml/2006/main">
-  <p:cSld>
-    <p:spTree>
-      <p:nvGrpSpPr>
-        <p:cNvPr id="1" name=""/>
-        <p:cNvGrpSpPr/>
-        <p:nvPr/>
-      </p:nvGrpSpPr>
-      <p:grpSpPr>
-        <a:xfrm>
-          <a:off x="0" y="0"/>
-          <a:ext cx="0" cy="0"/>
-          <a:chOff x="0" y="0"/>
-          <a:chExt cx="0" cy="0"/>
-        </a:xfrm>
-      </p:grpSpPr>
-      <p:pic>
-        <p:nvPicPr>
-          <p:cNvPr id="5" name="Content Placeholder 4">
-            <a:extLst>
-              <a:ext uri="{FF2B5EF4-FFF2-40B4-BE49-F238E27FC236}">
-                <a16:creationId xmlns:a16="http://schemas.microsoft.com/office/drawing/2014/main" id="{9E27B101-ACE7-BF3E-932D-A96FC4A328B1}"/>
-              </a:ext>
-            </a:extLst>
-          </p:cNvPr>
-          <p:cNvPicPr>
-            <a:picLocks noGrp="1" noChangeAspect="1"/>
-          </p:cNvPicPr>
-          <p:nvPr>
-            <p:ph idx="1"/>
-          </p:nvPr>
-        </p:nvPicPr>
-        <p:blipFill>
-          <a:blip r:embed="rId2">
-            <a:extLst>
-              <a:ext uri="{28A0092B-C50C-407E-A947-70E740481C1C}">
-                <a14:useLocalDpi xmlns:a14="http://schemas.microsoft.com/office/drawing/2010/main" val="0"/>
-              </a:ext>
-            </a:extLst>
-          </a:blip>
-          <a:stretch>
-            <a:fillRect/>
-          </a:stretch>
-        </p:blipFill>
-        <p:spPr>
-          <a:xfrm>
-            <a:off x="1314449" y="1447800"/>
-            <a:ext cx="6515101" cy="3962400"/>
-          </a:xfrm>
-        </p:spPr>
-      </p:pic>
-    </p:spTree>
-    <p:extLst>
-      <p:ext uri="{BB962C8B-B14F-4D97-AF65-F5344CB8AC3E}">
-        <p14:creationId xmlns:p14="http://schemas.microsoft.com/office/powerpoint/2010/main" val="998613969"/>
       </p:ext>
     </p:extLst>
   </p:cSld>
@@ -10549,8 +10890,8 @@
         </p:nvSpPr>
         <p:spPr>
           <a:xfrm>
-            <a:off x="466725" y="2056656"/>
-            <a:ext cx="4681339" cy="3959696"/>
+            <a:off x="466726" y="2056656"/>
+            <a:ext cx="4249290" cy="3959696"/>
           </a:xfrm>
         </p:spPr>
         <p:txBody>
@@ -10560,16 +10901,58 @@
             <a:pPr algn="just"/>
             <a:r>
               <a:rPr lang="en-US" altLang="en-US" dirty="0"/>
-              <a:t>Simply put, cloud computing is the delivery of computing services—including servers, storage, databases, networking, software, analytics, and intelligence—over the Internet (“the cloud”) to offer faster innovation, flexible resources, and economies of scale.</a:t>
+              <a:t>What is cloud computing?</a:t>
+            </a:r>
+          </a:p>
+          <a:p>
+            <a:pPr lvl="1" algn="just"/>
+            <a:r>
+              <a:rPr lang="en-US" altLang="en-US" dirty="0"/>
+              <a:t>computing services including servers, over the Internet.</a:t>
+            </a:r>
+          </a:p>
+          <a:p>
+            <a:pPr lvl="1" algn="just"/>
+            <a:r>
+              <a:rPr lang="en-US" altLang="en-US" dirty="0"/>
+              <a:t>Servers, storage, databases, networking.</a:t>
+            </a:r>
+          </a:p>
+          <a:p>
+            <a:pPr lvl="1" algn="just"/>
+            <a:r>
+              <a:rPr lang="en-US" altLang="en-US" dirty="0"/>
+              <a:t>SaaS, PaaS, IaaS.</a:t>
             </a:r>
           </a:p>
           <a:p>
             <a:pPr algn="just"/>
             <a:r>
               <a:rPr lang="en-US" altLang="en-US" dirty="0"/>
-              <a:t>Infrastructure as a service (IaaS) is a type of cloud computing service that offers essential compute, storage, and networking resources on demand, on a pay-as-you-go basis.</a:t>
-            </a:r>
-            <a:endParaRPr lang="en-GB" altLang="en-US" dirty="0"/>
+              <a:t>What is IaaS?</a:t>
+            </a:r>
+          </a:p>
+          <a:p>
+            <a:pPr lvl="1" algn="just"/>
+            <a:r>
+              <a:rPr lang="en-US" altLang="en-US" dirty="0"/>
+              <a:t>Compute, storage, networking.</a:t>
+            </a:r>
+          </a:p>
+          <a:p>
+            <a:pPr lvl="1" algn="just"/>
+            <a:r>
+              <a:rPr lang="en-US" altLang="en-US" dirty="0"/>
+              <a:t>On a pay as you go basis.</a:t>
+            </a:r>
+          </a:p>
+          <a:p>
+            <a:pPr lvl="1" algn="just"/>
+            <a:r>
+              <a:rPr lang="en-US" dirty="0"/>
+              <a:t>Usually but not exclusively computing power</a:t>
+            </a:r>
+            <a:endParaRPr lang="en-US" altLang="en-US" dirty="0"/>
           </a:p>
         </p:txBody>
       </p:sp>
@@ -10601,8 +10984,8 @@
         </p:blipFill>
         <p:spPr>
           <a:xfrm>
-            <a:off x="5165509" y="2240868"/>
-            <a:ext cx="3613902" cy="2376264"/>
+            <a:off x="4499994" y="1959495"/>
+            <a:ext cx="4469745" cy="2939010"/>
           </a:xfrm>
           <a:prstGeom prst="rect">
             <a:avLst/>
@@ -10634,6 +11017,71 @@
           <a:chExt cx="0" cy="0"/>
         </a:xfrm>
       </p:grpSpPr>
+      <p:pic>
+        <p:nvPicPr>
+          <p:cNvPr id="5" name="Content Placeholder 4">
+            <a:extLst>
+              <a:ext uri="{FF2B5EF4-FFF2-40B4-BE49-F238E27FC236}">
+                <a16:creationId xmlns:a16="http://schemas.microsoft.com/office/drawing/2014/main" id="{9E27B101-ACE7-BF3E-932D-A96FC4A328B1}"/>
+              </a:ext>
+            </a:extLst>
+          </p:cNvPr>
+          <p:cNvPicPr>
+            <a:picLocks noGrp="1" noChangeAspect="1"/>
+          </p:cNvPicPr>
+          <p:nvPr>
+            <p:ph idx="1"/>
+          </p:nvPr>
+        </p:nvPicPr>
+        <p:blipFill>
+          <a:blip r:embed="rId2">
+            <a:extLst>
+              <a:ext uri="{28A0092B-C50C-407E-A947-70E740481C1C}">
+                <a14:useLocalDpi xmlns:a14="http://schemas.microsoft.com/office/drawing/2010/main" val="0"/>
+              </a:ext>
+            </a:extLst>
+          </a:blip>
+          <a:stretch>
+            <a:fillRect/>
+          </a:stretch>
+        </p:blipFill>
+        <p:spPr>
+          <a:xfrm>
+            <a:off x="1314449" y="1447800"/>
+            <a:ext cx="6515101" cy="3962400"/>
+          </a:xfrm>
+        </p:spPr>
+      </p:pic>
+    </p:spTree>
+    <p:extLst>
+      <p:ext uri="{BB962C8B-B14F-4D97-AF65-F5344CB8AC3E}">
+        <p14:creationId xmlns:p14="http://schemas.microsoft.com/office/powerpoint/2010/main" val="998613969"/>
+      </p:ext>
+    </p:extLst>
+  </p:cSld>
+  <p:clrMapOvr>
+    <a:masterClrMapping/>
+  </p:clrMapOvr>
+</p:sld>
+</file>
+
+<file path=ppt/slides/slide21.xml><?xml version="1.0" encoding="utf-8"?>
+<p:sld xmlns:a="http://schemas.openxmlformats.org/drawingml/2006/main" xmlns:r="http://schemas.openxmlformats.org/officeDocument/2006/relationships" xmlns:p="http://schemas.openxmlformats.org/presentationml/2006/main">
+  <p:cSld>
+    <p:spTree>
+      <p:nvGrpSpPr>
+        <p:cNvPr id="1" name=""/>
+        <p:cNvGrpSpPr/>
+        <p:nvPr/>
+      </p:nvGrpSpPr>
+      <p:grpSpPr>
+        <a:xfrm>
+          <a:off x="0" y="0"/>
+          <a:ext cx="0" cy="0"/>
+          <a:chOff x="0" y="0"/>
+          <a:chExt cx="0" cy="0"/>
+        </a:xfrm>
+      </p:grpSpPr>
       <p:sp>
         <p:nvSpPr>
           <p:cNvPr id="3" name="Content Placeholder 2">
@@ -10717,7 +11165,7 @@
 </p:sld>
 </file>
 
-<file path=ppt/slides/slide21.xml><?xml version="1.0" encoding="utf-8"?>
+<file path=ppt/slides/slide22.xml><?xml version="1.0" encoding="utf-8"?>
 <p:sld xmlns:a="http://schemas.openxmlformats.org/drawingml/2006/main" xmlns:r="http://schemas.openxmlformats.org/officeDocument/2006/relationships" xmlns:p="http://schemas.openxmlformats.org/presentationml/2006/main">
   <p:cSld>
     <p:spTree>
@@ -10818,146 +11266,6 @@
     <p:extLst>
       <p:ext uri="{BB962C8B-B14F-4D97-AF65-F5344CB8AC3E}">
         <p14:creationId xmlns:p14="http://schemas.microsoft.com/office/powerpoint/2010/main" val="950469375"/>
-      </p:ext>
-    </p:extLst>
-  </p:cSld>
-  <p:clrMapOvr>
-    <a:masterClrMapping/>
-  </p:clrMapOvr>
-</p:sld>
-</file>
-
-<file path=ppt/slides/slide22.xml><?xml version="1.0" encoding="utf-8"?>
-<p:sld xmlns:a="http://schemas.openxmlformats.org/drawingml/2006/main" xmlns:r="http://schemas.openxmlformats.org/officeDocument/2006/relationships" xmlns:p="http://schemas.openxmlformats.org/presentationml/2006/main">
-  <p:cSld>
-    <p:spTree>
-      <p:nvGrpSpPr>
-        <p:cNvPr id="1" name=""/>
-        <p:cNvGrpSpPr/>
-        <p:nvPr/>
-      </p:nvGrpSpPr>
-      <p:grpSpPr>
-        <a:xfrm>
-          <a:off x="0" y="0"/>
-          <a:ext cx="0" cy="0"/>
-          <a:chOff x="0" y="0"/>
-          <a:chExt cx="0" cy="0"/>
-        </a:xfrm>
-      </p:grpSpPr>
-      <p:sp>
-        <p:nvSpPr>
-          <p:cNvPr id="3" name="Content Placeholder 2">
-            <a:extLst>
-              <a:ext uri="{FF2B5EF4-FFF2-40B4-BE49-F238E27FC236}">
-                <a16:creationId xmlns:a16="http://schemas.microsoft.com/office/drawing/2014/main" id="{0C57B989-6FBF-9A42-F57F-735F63EC6CFE}"/>
-              </a:ext>
-            </a:extLst>
-          </p:cNvPr>
-          <p:cNvSpPr>
-            <a:spLocks noGrp="1"/>
-          </p:cNvSpPr>
-          <p:nvPr>
-            <p:ph idx="1"/>
-          </p:nvPr>
-        </p:nvSpPr>
-        <p:spPr>
-          <a:xfrm>
-            <a:off x="505617" y="1447800"/>
-            <a:ext cx="8132763" cy="1117104"/>
-          </a:xfrm>
-        </p:spPr>
-        <p:txBody>
-          <a:bodyPr/>
-          <a:lstStyle/>
-          <a:p>
-            <a:pPr algn="just"/>
-            <a:r>
-              <a:rPr lang="en-IN" dirty="0"/>
-              <a:t> </a:t>
-            </a:r>
-            <a:r>
-              <a:rPr lang="en-US" dirty="0"/>
-              <a:t>The peak reward was obtained at the 13.53 millionth timestep and hence we shall regard the model generated at 14 millionth timestep to be the optimal model obtained from the training.</a:t>
-            </a:r>
-            <a:endParaRPr lang="en-IN" dirty="0"/>
-          </a:p>
-        </p:txBody>
-      </p:sp>
-      <p:pic>
-        <p:nvPicPr>
-          <p:cNvPr id="7" name="Picture 6">
-            <a:extLst>
-              <a:ext uri="{FF2B5EF4-FFF2-40B4-BE49-F238E27FC236}">
-                <a16:creationId xmlns:a16="http://schemas.microsoft.com/office/drawing/2014/main" id="{FFF98070-91BE-0E9E-05E8-D33C9D84BD6B}"/>
-              </a:ext>
-            </a:extLst>
-          </p:cNvPr>
-          <p:cNvPicPr>
-            <a:picLocks noChangeAspect="1"/>
-          </p:cNvPicPr>
-          <p:nvPr/>
-        </p:nvPicPr>
-        <p:blipFill>
-          <a:blip r:embed="rId2">
-            <a:extLst>
-              <a:ext uri="{28A0092B-C50C-407E-A947-70E740481C1C}">
-                <a14:useLocalDpi xmlns:a14="http://schemas.microsoft.com/office/drawing/2010/main" val="0"/>
-              </a:ext>
-            </a:extLst>
-          </a:blip>
-          <a:stretch>
-            <a:fillRect/>
-          </a:stretch>
-        </p:blipFill>
-        <p:spPr>
-          <a:xfrm>
-            <a:off x="293942" y="2850165"/>
-            <a:ext cx="8556116" cy="2516174"/>
-          </a:xfrm>
-          <a:prstGeom prst="rect">
-            <a:avLst/>
-          </a:prstGeom>
-        </p:spPr>
-      </p:pic>
-      <p:sp>
-        <p:nvSpPr>
-          <p:cNvPr id="8" name="TextBox 7">
-            <a:extLst>
-              <a:ext uri="{FF2B5EF4-FFF2-40B4-BE49-F238E27FC236}">
-                <a16:creationId xmlns:a16="http://schemas.microsoft.com/office/drawing/2014/main" id="{BF5BCAF4-37D1-222A-41F1-6958A06B9EA0}"/>
-              </a:ext>
-            </a:extLst>
-          </p:cNvPr>
-          <p:cNvSpPr txBox="1"/>
-          <p:nvPr/>
-        </p:nvSpPr>
-        <p:spPr>
-          <a:xfrm>
-            <a:off x="1907702" y="5661248"/>
-            <a:ext cx="5328592" cy="307777"/>
-          </a:xfrm>
-          <a:prstGeom prst="rect">
-            <a:avLst/>
-          </a:prstGeom>
-          <a:noFill/>
-        </p:spPr>
-        <p:txBody>
-          <a:bodyPr wrap="square" rtlCol="0">
-            <a:spAutoFit/>
-          </a:bodyPr>
-          <a:lstStyle/>
-          <a:p>
-            <a:r>
-              <a:rPr lang="en-IN" b="0" i="0" dirty="0"/>
-              <a:t>Training reward mean </a:t>
-            </a:r>
-          </a:p>
-        </p:txBody>
-      </p:sp>
-    </p:spTree>
-    <p:extLst>
-      <p:ext uri="{BB962C8B-B14F-4D97-AF65-F5344CB8AC3E}">
-        <p14:creationId xmlns:p14="http://schemas.microsoft.com/office/powerpoint/2010/main" val="1887572672"/>
       </p:ext>
     </p:extLst>
   </p:cSld>
@@ -10986,38 +11294,10 @@
       </p:grpSpPr>
       <p:sp>
         <p:nvSpPr>
-          <p:cNvPr id="2" name="Title 1">
+          <p:cNvPr id="3" name="Content Placeholder 2">
             <a:extLst>
               <a:ext uri="{FF2B5EF4-FFF2-40B4-BE49-F238E27FC236}">
-                <a16:creationId xmlns:a16="http://schemas.microsoft.com/office/drawing/2014/main" id="{476437AE-1DA2-D780-1DF3-F3FAE251957B}"/>
-              </a:ext>
-            </a:extLst>
-          </p:cNvPr>
-          <p:cNvSpPr>
-            <a:spLocks noGrp="1"/>
-          </p:cNvSpPr>
-          <p:nvPr>
-            <p:ph type="title"/>
-          </p:nvPr>
-        </p:nvSpPr>
-        <p:spPr/>
-        <p:txBody>
-          <a:bodyPr/>
-          <a:lstStyle/>
-          <a:p>
-            <a:r>
-              <a:rPr lang="en-IN" dirty="0"/>
-              <a:t>Testing And Results</a:t>
-            </a:r>
-          </a:p>
-        </p:txBody>
-      </p:sp>
-      <p:sp>
-        <p:nvSpPr>
-          <p:cNvPr id="3" name="Content Placeholder 2">
-            <a:extLst>
-              <a:ext uri="{FF2B5EF4-FFF2-40B4-BE49-F238E27FC236}">
-                <a16:creationId xmlns:a16="http://schemas.microsoft.com/office/drawing/2014/main" id="{31A58514-2D3A-99AB-4A86-ADD6E9A2B1ED}"/>
+                <a16:creationId xmlns:a16="http://schemas.microsoft.com/office/drawing/2014/main" id="{0C57B989-6FBF-9A42-F57F-735F63EC6CFE}"/>
               </a:ext>
             </a:extLst>
           </p:cNvPr>
@@ -11028,55 +11308,104 @@
             <p:ph idx="1"/>
           </p:nvPr>
         </p:nvSpPr>
-        <p:spPr/>
+        <p:spPr>
+          <a:xfrm>
+            <a:off x="505617" y="1447800"/>
+            <a:ext cx="8132763" cy="1117104"/>
+          </a:xfrm>
+        </p:spPr>
         <p:txBody>
           <a:bodyPr/>
           <a:lstStyle/>
           <a:p>
             <a:pPr algn="just"/>
             <a:r>
+              <a:rPr lang="en-IN" dirty="0"/>
+              <a:t> </a:t>
+            </a:r>
+            <a:r>
               <a:rPr lang="en-US" dirty="0"/>
-              <a:t>With the saved model in “14000000” zip folder we have run the testing on the files of Day 11 for number of machines (10,20,30,..,200).</a:t>
-            </a:r>
-          </a:p>
-          <a:p>
-            <a:pPr algn="just"/>
-            <a:r>
-              <a:rPr lang="en-US" dirty="0"/>
-              <a:t>Parameters included in the test results are:</a:t>
-            </a:r>
-          </a:p>
-          <a:p>
-            <a:pPr lvl="1" algn="just"/>
-            <a:r>
-              <a:rPr lang="en-US" dirty="0"/>
-              <a:t>Accepted Load: It is the total sum of job processing times accepted by the system of machines.</a:t>
-            </a:r>
-          </a:p>
-          <a:p>
-            <a:pPr lvl="1" algn="just"/>
-            <a:r>
-              <a:rPr lang="en-US" dirty="0"/>
-              <a:t>Rejected Load: It is the total sum of job processing times rejected by the system of machines.</a:t>
-            </a:r>
-          </a:p>
-          <a:p>
-            <a:pPr lvl="1" algn="just"/>
-            <a:r>
-              <a:rPr lang="en-US" dirty="0"/>
-              <a:t>Available Resources: min(total submitted load (accepted load + rejected load) ,number-of-machines x latest-completion-time-of-a-job-in-any-of-the-machines)</a:t>
-            </a:r>
-          </a:p>
-          <a:p>
-            <a:pPr lvl="1" algn="just"/>
+              <a:t>The peak reward was obtained at the 13.53 millionth timestep and hence we shall regard the model generated at 14 millionth timestep to be the optimal model obtained from the training.</a:t>
+            </a:r>
             <a:endParaRPr lang="en-IN" dirty="0"/>
+          </a:p>
+        </p:txBody>
+      </p:sp>
+      <p:pic>
+        <p:nvPicPr>
+          <p:cNvPr id="7" name="Picture 6">
+            <a:extLst>
+              <a:ext uri="{FF2B5EF4-FFF2-40B4-BE49-F238E27FC236}">
+                <a16:creationId xmlns:a16="http://schemas.microsoft.com/office/drawing/2014/main" id="{FFF98070-91BE-0E9E-05E8-D33C9D84BD6B}"/>
+              </a:ext>
+            </a:extLst>
+          </p:cNvPr>
+          <p:cNvPicPr>
+            <a:picLocks noChangeAspect="1"/>
+          </p:cNvPicPr>
+          <p:nvPr/>
+        </p:nvPicPr>
+        <p:blipFill>
+          <a:blip r:embed="rId2">
+            <a:extLst>
+              <a:ext uri="{28A0092B-C50C-407E-A947-70E740481C1C}">
+                <a14:useLocalDpi xmlns:a14="http://schemas.microsoft.com/office/drawing/2010/main" val="0"/>
+              </a:ext>
+            </a:extLst>
+          </a:blip>
+          <a:stretch>
+            <a:fillRect/>
+          </a:stretch>
+        </p:blipFill>
+        <p:spPr>
+          <a:xfrm>
+            <a:off x="293942" y="2850165"/>
+            <a:ext cx="8556116" cy="2516174"/>
+          </a:xfrm>
+          <a:prstGeom prst="rect">
+            <a:avLst/>
+          </a:prstGeom>
+        </p:spPr>
+      </p:pic>
+      <p:sp>
+        <p:nvSpPr>
+          <p:cNvPr id="8" name="TextBox 7">
+            <a:extLst>
+              <a:ext uri="{FF2B5EF4-FFF2-40B4-BE49-F238E27FC236}">
+                <a16:creationId xmlns:a16="http://schemas.microsoft.com/office/drawing/2014/main" id="{BF5BCAF4-37D1-222A-41F1-6958A06B9EA0}"/>
+              </a:ext>
+            </a:extLst>
+          </p:cNvPr>
+          <p:cNvSpPr txBox="1"/>
+          <p:nvPr/>
+        </p:nvSpPr>
+        <p:spPr>
+          <a:xfrm>
+            <a:off x="1907702" y="5661248"/>
+            <a:ext cx="5328592" cy="307777"/>
+          </a:xfrm>
+          <a:prstGeom prst="rect">
+            <a:avLst/>
+          </a:prstGeom>
+          <a:noFill/>
+        </p:spPr>
+        <p:txBody>
+          <a:bodyPr wrap="square" rtlCol="0">
+            <a:spAutoFit/>
+          </a:bodyPr>
+          <a:lstStyle/>
+          <a:p>
+            <a:r>
+              <a:rPr lang="en-IN" b="0" i="0" dirty="0"/>
+              <a:t>Training reward mean </a:t>
+            </a:r>
           </a:p>
         </p:txBody>
       </p:sp>
     </p:spTree>
     <p:extLst>
       <p:ext uri="{BB962C8B-B14F-4D97-AF65-F5344CB8AC3E}">
-        <p14:creationId xmlns:p14="http://schemas.microsoft.com/office/powerpoint/2010/main" val="3070576049"/>
+        <p14:creationId xmlns:p14="http://schemas.microsoft.com/office/powerpoint/2010/main" val="1887572672"/>
       </p:ext>
     </p:extLst>
   </p:cSld>
@@ -11105,10 +11434,38 @@
       </p:grpSpPr>
       <p:sp>
         <p:nvSpPr>
+          <p:cNvPr id="2" name="Title 1">
+            <a:extLst>
+              <a:ext uri="{FF2B5EF4-FFF2-40B4-BE49-F238E27FC236}">
+                <a16:creationId xmlns:a16="http://schemas.microsoft.com/office/drawing/2014/main" id="{476437AE-1DA2-D780-1DF3-F3FAE251957B}"/>
+              </a:ext>
+            </a:extLst>
+          </p:cNvPr>
+          <p:cNvSpPr>
+            <a:spLocks noGrp="1"/>
+          </p:cNvSpPr>
+          <p:nvPr>
+            <p:ph type="title"/>
+          </p:nvPr>
+        </p:nvSpPr>
+        <p:spPr/>
+        <p:txBody>
+          <a:bodyPr/>
+          <a:lstStyle/>
+          <a:p>
+            <a:r>
+              <a:rPr lang="en-IN" dirty="0"/>
+              <a:t>Testing And Results</a:t>
+            </a:r>
+          </a:p>
+        </p:txBody>
+      </p:sp>
+      <p:sp>
+        <p:nvSpPr>
           <p:cNvPr id="3" name="Content Placeholder 2">
             <a:extLst>
               <a:ext uri="{FF2B5EF4-FFF2-40B4-BE49-F238E27FC236}">
-                <a16:creationId xmlns:a16="http://schemas.microsoft.com/office/drawing/2014/main" id="{10069E02-6C88-D07A-A703-B17AD9810E14}"/>
+                <a16:creationId xmlns:a16="http://schemas.microsoft.com/office/drawing/2014/main" id="{31A58514-2D3A-99AB-4A86-ADD6E9A2B1ED}"/>
               </a:ext>
             </a:extLst>
           </p:cNvPr>
@@ -11121,40 +11478,465 @@
         </p:nvSpPr>
         <p:spPr>
           <a:xfrm>
-            <a:off x="505618" y="1447800"/>
-            <a:ext cx="8132763" cy="1981200"/>
+            <a:off x="466725" y="2133600"/>
+            <a:ext cx="8132763" cy="791344"/>
           </a:xfrm>
         </p:spPr>
         <p:txBody>
           <a:bodyPr/>
           <a:lstStyle/>
           <a:p>
-            <a:pPr lvl="1" algn="just"/>
+            <a:pPr algn="just"/>
             <a:r>
               <a:rPr lang="en-US" dirty="0"/>
-              <a:t>Performance Ratio: Load processed in an optimal scenario / Load processed by our algorithm(Accepted load)</a:t>
-            </a:r>
-          </a:p>
-          <a:p>
-            <a:pPr lvl="1" algn="just"/>
+              <a:t>For files Days 11 – 14, number of machines (10,20,30,..,200).</a:t>
+            </a:r>
+          </a:p>
+          <a:p>
+            <a:pPr algn="just"/>
             <a:r>
               <a:rPr lang="en-US" dirty="0"/>
-              <a:t>Load Processed in an optimal scenario: max(Available Resources Greedy, Available Resources ML)</a:t>
-            </a:r>
-          </a:p>
-          <a:p>
-            <a:pPr algn="just"/>
-            <a:r>
-              <a:rPr lang="en-US" dirty="0"/>
-              <a:t>We should note that higher the Performance Ratio worse the performance of our algorithm.</a:t>
+              <a:t>Parameters included in the test results are:</a:t>
             </a:r>
           </a:p>
         </p:txBody>
       </p:sp>
+      <p:graphicFrame>
+        <p:nvGraphicFramePr>
+          <p:cNvPr id="4" name="Table 4">
+            <a:extLst>
+              <a:ext uri="{FF2B5EF4-FFF2-40B4-BE49-F238E27FC236}">
+                <a16:creationId xmlns:a16="http://schemas.microsoft.com/office/drawing/2014/main" id="{DBECDFDA-F819-A082-4606-3935B0B9C96D}"/>
+              </a:ext>
+            </a:extLst>
+          </p:cNvPr>
+          <p:cNvGraphicFramePr>
+            <a:graphicFrameLocks noGrp="1"/>
+          </p:cNvGraphicFramePr>
+          <p:nvPr>
+            <p:extLst>
+              <p:ext uri="{D42A27DB-BD31-4B8C-83A1-F6EECF244321}">
+                <p14:modId xmlns:p14="http://schemas.microsoft.com/office/powerpoint/2010/main" val="2143300207"/>
+              </p:ext>
+            </p:extLst>
+          </p:nvPr>
+        </p:nvGraphicFramePr>
+        <p:xfrm>
+          <a:off x="1451738" y="3140968"/>
+          <a:ext cx="6240524" cy="2865120"/>
+        </p:xfrm>
+        <a:graphic>
+          <a:graphicData uri="http://schemas.openxmlformats.org/drawingml/2006/table">
+            <a:tbl>
+              <a:tblPr firstRow="1" bandRow="1">
+                <a:tableStyleId>{5940675A-B579-460E-94D1-54222C63F5DA}</a:tableStyleId>
+              </a:tblPr>
+              <a:tblGrid>
+                <a:gridCol w="2856148">
+                  <a:extLst>
+                    <a:ext uri="{9D8B030D-6E8A-4147-A177-3AD203B41FA5}">
+                      <a16:colId xmlns:a16="http://schemas.microsoft.com/office/drawing/2014/main" val="2249891114"/>
+                    </a:ext>
+                  </a:extLst>
+                </a:gridCol>
+                <a:gridCol w="3384376">
+                  <a:extLst>
+                    <a:ext uri="{9D8B030D-6E8A-4147-A177-3AD203B41FA5}">
+                      <a16:colId xmlns:a16="http://schemas.microsoft.com/office/drawing/2014/main" val="3140237124"/>
+                    </a:ext>
+                  </a:extLst>
+                </a:gridCol>
+              </a:tblGrid>
+              <a:tr h="370840">
+                <a:tc>
+                  <a:txBody>
+                    <a:bodyPr/>
+                    <a:lstStyle/>
+                    <a:p>
+                      <a:r>
+                        <a:rPr lang="en-IN" dirty="0"/>
+                        <a:t>Accepted Load (</a:t>
+                      </a:r>
+                      <a:r>
+                        <a:rPr lang="en-IN" dirty="0" err="1"/>
+                        <a:t>L_a</a:t>
+                      </a:r>
+                      <a:r>
+                        <a:rPr lang="en-IN" dirty="0"/>
+                        <a:t>)</a:t>
+                      </a:r>
+                    </a:p>
+                  </a:txBody>
+                  <a:tcPr/>
+                </a:tc>
+                <a:tc>
+                  <a:txBody>
+                    <a:bodyPr/>
+                    <a:lstStyle/>
+                    <a:p>
+                      <a:r>
+                        <a:rPr lang="en-IN" dirty="0"/>
+                        <a:t>Sum of </a:t>
+                      </a:r>
+                      <a:r>
+                        <a:rPr lang="en-IN" dirty="0" err="1"/>
+                        <a:t>pj</a:t>
+                      </a:r>
+                      <a:r>
+                        <a:rPr lang="en-IN" dirty="0"/>
+                        <a:t> accepted to system</a:t>
+                      </a:r>
+                    </a:p>
+                  </a:txBody>
+                  <a:tcPr/>
+                </a:tc>
+                <a:extLst>
+                  <a:ext uri="{0D108BD9-81ED-4DB2-BD59-A6C34878D82A}">
+                    <a16:rowId xmlns:a16="http://schemas.microsoft.com/office/drawing/2014/main" val="821070818"/>
+                  </a:ext>
+                </a:extLst>
+              </a:tr>
+              <a:tr h="370840">
+                <a:tc>
+                  <a:txBody>
+                    <a:bodyPr/>
+                    <a:lstStyle/>
+                    <a:p>
+                      <a:r>
+                        <a:rPr lang="en-IN" dirty="0"/>
+                        <a:t>Rejected Load (</a:t>
+                      </a:r>
+                      <a:r>
+                        <a:rPr lang="en-IN" dirty="0" err="1"/>
+                        <a:t>L_r</a:t>
+                      </a:r>
+                      <a:r>
+                        <a:rPr lang="en-IN" dirty="0"/>
+                        <a:t>)</a:t>
+                      </a:r>
+                    </a:p>
+                  </a:txBody>
+                  <a:tcPr/>
+                </a:tc>
+                <a:tc>
+                  <a:txBody>
+                    <a:bodyPr/>
+                    <a:lstStyle/>
+                    <a:p>
+                      <a:pPr marL="0" marR="0" lvl="0" indent="0" algn="l" defTabSz="914400" rtl="0" eaLnBrk="1" fontAlgn="auto" latinLnBrk="0" hangingPunct="1">
+                        <a:lnSpc>
+                          <a:spcPct val="100000"/>
+                        </a:lnSpc>
+                        <a:spcBef>
+                          <a:spcPts val="0"/>
+                        </a:spcBef>
+                        <a:spcAft>
+                          <a:spcPts val="0"/>
+                        </a:spcAft>
+                        <a:buClrTx/>
+                        <a:buSzTx/>
+                        <a:buFontTx/>
+                        <a:buNone/>
+                        <a:tabLst/>
+                        <a:defRPr/>
+                      </a:pPr>
+                      <a:r>
+                        <a:rPr lang="en-IN" dirty="0"/>
+                        <a:t>Sum of </a:t>
+                      </a:r>
+                      <a:r>
+                        <a:rPr lang="en-IN" dirty="0" err="1"/>
+                        <a:t>pj</a:t>
+                      </a:r>
+                      <a:r>
+                        <a:rPr lang="en-IN" dirty="0"/>
+                        <a:t> rejected to system</a:t>
+                      </a:r>
+                    </a:p>
+                  </a:txBody>
+                  <a:tcPr/>
+                </a:tc>
+                <a:extLst>
+                  <a:ext uri="{0D108BD9-81ED-4DB2-BD59-A6C34878D82A}">
+                    <a16:rowId xmlns:a16="http://schemas.microsoft.com/office/drawing/2014/main" val="3704764843"/>
+                  </a:ext>
+                </a:extLst>
+              </a:tr>
+              <a:tr h="370840">
+                <a:tc>
+                  <a:txBody>
+                    <a:bodyPr/>
+                    <a:lstStyle/>
+                    <a:p>
+                      <a:r>
+                        <a:rPr lang="en-IN" dirty="0"/>
+                        <a:t>Total load (</a:t>
+                      </a:r>
+                      <a:r>
+                        <a:rPr lang="en-IN" dirty="0" err="1"/>
+                        <a:t>L_t</a:t>
+                      </a:r>
+                      <a:r>
+                        <a:rPr lang="en-IN" dirty="0"/>
+                        <a:t>)</a:t>
+                      </a:r>
+                    </a:p>
+                  </a:txBody>
+                  <a:tcPr/>
+                </a:tc>
+                <a:tc>
+                  <a:txBody>
+                    <a:bodyPr/>
+                    <a:lstStyle/>
+                    <a:p>
+                      <a:r>
+                        <a:rPr lang="en-IN" dirty="0" err="1"/>
+                        <a:t>L_a</a:t>
+                      </a:r>
+                      <a:r>
+                        <a:rPr lang="en-IN" dirty="0"/>
+                        <a:t> + </a:t>
+                      </a:r>
+                      <a:r>
+                        <a:rPr lang="en-IN" dirty="0" err="1"/>
+                        <a:t>L_r</a:t>
+                      </a:r>
+                      <a:endParaRPr lang="en-IN" dirty="0"/>
+                    </a:p>
+                  </a:txBody>
+                  <a:tcPr/>
+                </a:tc>
+                <a:extLst>
+                  <a:ext uri="{0D108BD9-81ED-4DB2-BD59-A6C34878D82A}">
+                    <a16:rowId xmlns:a16="http://schemas.microsoft.com/office/drawing/2014/main" val="3122972928"/>
+                  </a:ext>
+                </a:extLst>
+              </a:tr>
+              <a:tr h="370840">
+                <a:tc>
+                  <a:txBody>
+                    <a:bodyPr/>
+                    <a:lstStyle/>
+                    <a:p>
+                      <a:r>
+                        <a:rPr lang="en-IN" dirty="0" err="1"/>
+                        <a:t>Makespan</a:t>
+                      </a:r>
+                      <a:r>
+                        <a:rPr lang="en-IN" dirty="0"/>
+                        <a:t> (</a:t>
+                      </a:r>
+                      <a:r>
+                        <a:rPr lang="en-IN" dirty="0" err="1"/>
+                        <a:t>C_max</a:t>
+                      </a:r>
+                      <a:r>
+                        <a:rPr lang="en-IN" dirty="0"/>
+                        <a:t>)</a:t>
+                      </a:r>
+                    </a:p>
+                  </a:txBody>
+                  <a:tcPr/>
+                </a:tc>
+                <a:tc>
+                  <a:txBody>
+                    <a:bodyPr/>
+                    <a:lstStyle/>
+                    <a:p>
+                      <a:r>
+                        <a:rPr lang="en-IN" dirty="0"/>
+                        <a:t>m x latest completion time </a:t>
+                      </a:r>
+                    </a:p>
+                  </a:txBody>
+                  <a:tcPr/>
+                </a:tc>
+                <a:extLst>
+                  <a:ext uri="{0D108BD9-81ED-4DB2-BD59-A6C34878D82A}">
+                    <a16:rowId xmlns:a16="http://schemas.microsoft.com/office/drawing/2014/main" val="227202323"/>
+                  </a:ext>
+                </a:extLst>
+              </a:tr>
+              <a:tr h="370840">
+                <a:tc>
+                  <a:txBody>
+                    <a:bodyPr/>
+                    <a:lstStyle/>
+                    <a:p>
+                      <a:r>
+                        <a:rPr lang="en-IN" dirty="0"/>
+                        <a:t>Available Resources (</a:t>
+                      </a:r>
+                      <a:r>
+                        <a:rPr lang="en-IN" dirty="0" err="1"/>
+                        <a:t>Ar</a:t>
+                      </a:r>
+                      <a:r>
+                        <a:rPr lang="en-IN" dirty="0"/>
+                        <a:t>)</a:t>
+                      </a:r>
+                    </a:p>
+                  </a:txBody>
+                  <a:tcPr/>
+                </a:tc>
+                <a:tc>
+                  <a:txBody>
+                    <a:bodyPr/>
+                    <a:lstStyle/>
+                    <a:p>
+                      <a:r>
+                        <a:rPr lang="en-IN" dirty="0"/>
+                        <a:t>min(</a:t>
+                      </a:r>
+                      <a:r>
+                        <a:rPr lang="en-IN" dirty="0" err="1"/>
+                        <a:t>C_max</a:t>
+                      </a:r>
+                      <a:r>
+                        <a:rPr lang="en-IN" dirty="0"/>
+                        <a:t>, </a:t>
+                      </a:r>
+                      <a:r>
+                        <a:rPr lang="en-IN" dirty="0" err="1"/>
+                        <a:t>L_t</a:t>
+                      </a:r>
+                      <a:r>
+                        <a:rPr lang="en-IN" dirty="0"/>
+                        <a:t>)</a:t>
+                      </a:r>
+                    </a:p>
+                  </a:txBody>
+                  <a:tcPr/>
+                </a:tc>
+                <a:extLst>
+                  <a:ext uri="{0D108BD9-81ED-4DB2-BD59-A6C34878D82A}">
+                    <a16:rowId xmlns:a16="http://schemas.microsoft.com/office/drawing/2014/main" val="1417915351"/>
+                  </a:ext>
+                </a:extLst>
+              </a:tr>
+              <a:tr h="370840">
+                <a:tc>
+                  <a:txBody>
+                    <a:bodyPr/>
+                    <a:lstStyle/>
+                    <a:p>
+                      <a:r>
+                        <a:rPr lang="en-IN" dirty="0"/>
+                        <a:t>Optimal load processed (</a:t>
+                      </a:r>
+                      <a:r>
+                        <a:rPr lang="en-IN" dirty="0" err="1"/>
+                        <a:t>L_t_opt</a:t>
+                      </a:r>
+                      <a:r>
+                        <a:rPr lang="en-IN" dirty="0"/>
+                        <a:t>)</a:t>
+                      </a:r>
+                    </a:p>
+                  </a:txBody>
+                  <a:tcPr/>
+                </a:tc>
+                <a:tc>
+                  <a:txBody>
+                    <a:bodyPr/>
+                    <a:lstStyle/>
+                    <a:p>
+                      <a:r>
+                        <a:rPr lang="en-IN" dirty="0"/>
+                        <a:t>max(</a:t>
+                      </a:r>
+                      <a:r>
+                        <a:rPr lang="en-IN" dirty="0" err="1"/>
+                        <a:t>Ar</a:t>
+                      </a:r>
+                      <a:r>
+                        <a:rPr lang="en-IN" dirty="0"/>
+                        <a:t> greedy best fit, </a:t>
+                      </a:r>
+                      <a:r>
+                        <a:rPr lang="en-IN" dirty="0" err="1"/>
+                        <a:t>Ar</a:t>
+                      </a:r>
+                      <a:r>
+                        <a:rPr lang="en-IN" dirty="0"/>
+                        <a:t> </a:t>
+                      </a:r>
+                      <a:r>
+                        <a:rPr lang="en-IN" dirty="0" err="1"/>
+                        <a:t>Ml</a:t>
+                      </a:r>
+                      <a:r>
+                        <a:rPr lang="en-IN" dirty="0"/>
+                        <a:t> </a:t>
+                      </a:r>
+                      <a:r>
+                        <a:rPr lang="en-IN" dirty="0" err="1"/>
+                        <a:t>alg</a:t>
+                      </a:r>
+                      <a:r>
+                        <a:rPr lang="en-IN" dirty="0"/>
+                        <a:t>)</a:t>
+                      </a:r>
+                    </a:p>
+                  </a:txBody>
+                  <a:tcPr/>
+                </a:tc>
+                <a:extLst>
+                  <a:ext uri="{0D108BD9-81ED-4DB2-BD59-A6C34878D82A}">
+                    <a16:rowId xmlns:a16="http://schemas.microsoft.com/office/drawing/2014/main" val="889793446"/>
+                  </a:ext>
+                </a:extLst>
+              </a:tr>
+              <a:tr h="370840">
+                <a:tc>
+                  <a:txBody>
+                    <a:bodyPr/>
+                    <a:lstStyle/>
+                    <a:p>
+                      <a:r>
+                        <a:rPr lang="en-IN" dirty="0"/>
+                        <a:t>Performance Ratio</a:t>
+                      </a:r>
+                    </a:p>
+                  </a:txBody>
+                  <a:tcPr/>
+                </a:tc>
+                <a:tc>
+                  <a:txBody>
+                    <a:bodyPr/>
+                    <a:lstStyle/>
+                    <a:p>
+                      <a:r>
+                        <a:rPr lang="en-IN" dirty="0" err="1"/>
+                        <a:t>L_t_opt</a:t>
+                      </a:r>
+                      <a:r>
+                        <a:rPr lang="en-IN" dirty="0"/>
+                        <a:t> / </a:t>
+                      </a:r>
+                      <a:r>
+                        <a:rPr lang="en-IN" dirty="0" err="1"/>
+                        <a:t>L_a</a:t>
+                      </a:r>
+                      <a:endParaRPr lang="en-IN" dirty="0"/>
+                    </a:p>
+                  </a:txBody>
+                  <a:tcPr/>
+                </a:tc>
+                <a:extLst>
+                  <a:ext uri="{0D108BD9-81ED-4DB2-BD59-A6C34878D82A}">
+                    <a16:rowId xmlns:a16="http://schemas.microsoft.com/office/drawing/2014/main" val="4079572675"/>
+                  </a:ext>
+                </a:extLst>
+              </a:tr>
+            </a:tbl>
+          </a:graphicData>
+        </a:graphic>
+      </p:graphicFrame>
     </p:spTree>
     <p:extLst>
       <p:ext uri="{BB962C8B-B14F-4D97-AF65-F5344CB8AC3E}">
-        <p14:creationId xmlns:p14="http://schemas.microsoft.com/office/powerpoint/2010/main" val="4034474725"/>
+        <p14:creationId xmlns:p14="http://schemas.microsoft.com/office/powerpoint/2010/main" val="3070576049"/>
       </p:ext>
     </p:extLst>
   </p:cSld>
@@ -11183,19 +11965,17 @@
       </p:grpSpPr>
       <p:pic>
         <p:nvPicPr>
-          <p:cNvPr id="5" name="Content Placeholder 4">
+          <p:cNvPr id="4" name="Picture 3">
             <a:extLst>
               <a:ext uri="{FF2B5EF4-FFF2-40B4-BE49-F238E27FC236}">
-                <a16:creationId xmlns:a16="http://schemas.microsoft.com/office/drawing/2014/main" id="{E928A5BD-ECAE-31CF-BDD6-29D7A62ACD71}"/>
+                <a16:creationId xmlns:a16="http://schemas.microsoft.com/office/drawing/2014/main" id="{0B499540-7F1A-75E4-4476-BBEAA121659C}"/>
               </a:ext>
             </a:extLst>
           </p:cNvPr>
           <p:cNvPicPr>
-            <a:picLocks noGrp="1" noChangeAspect="1"/>
+            <a:picLocks noChangeAspect="1"/>
           </p:cNvPicPr>
-          <p:nvPr>
-            <p:ph idx="1"/>
-          </p:nvPr>
+          <p:nvPr/>
         </p:nvPicPr>
         <p:blipFill>
           <a:blip r:embed="rId2">
@@ -11211,41 +11991,8 @@
         </p:blipFill>
         <p:spPr>
           <a:xfrm>
-            <a:off x="2179751" y="1196752"/>
-            <a:ext cx="4784498" cy="2375520"/>
-          </a:xfrm>
-        </p:spPr>
-      </p:pic>
-      <p:pic>
-        <p:nvPicPr>
-          <p:cNvPr id="7" name="Picture 6">
-            <a:extLst>
-              <a:ext uri="{FF2B5EF4-FFF2-40B4-BE49-F238E27FC236}">
-                <a16:creationId xmlns:a16="http://schemas.microsoft.com/office/drawing/2014/main" id="{BA41CCB6-5E8E-E913-9456-1B1954DB02D3}"/>
-              </a:ext>
-            </a:extLst>
-          </p:cNvPr>
-          <p:cNvPicPr>
-            <a:picLocks noChangeAspect="1"/>
-          </p:cNvPicPr>
-          <p:nvPr/>
-        </p:nvPicPr>
-        <p:blipFill>
-          <a:blip r:embed="rId3">
-            <a:extLst>
-              <a:ext uri="{28A0092B-C50C-407E-A947-70E740481C1C}">
-                <a14:useLocalDpi xmlns:a14="http://schemas.microsoft.com/office/drawing/2010/main" val="0"/>
-              </a:ext>
-            </a:extLst>
-          </a:blip>
-          <a:stretch>
-            <a:fillRect/>
-          </a:stretch>
-        </p:blipFill>
-        <p:spPr>
-          <a:xfrm>
-            <a:off x="2179751" y="3789040"/>
-            <a:ext cx="4784498" cy="2271100"/>
+            <a:off x="134340" y="1424089"/>
+            <a:ext cx="8875320" cy="4009821"/>
           </a:xfrm>
           <a:prstGeom prst="rect">
             <a:avLst/>
@@ -11284,19 +12031,17 @@
       </p:grpSpPr>
       <p:pic>
         <p:nvPicPr>
-          <p:cNvPr id="5" name="Content Placeholder 4">
+          <p:cNvPr id="5" name="Picture 4">
             <a:extLst>
               <a:ext uri="{FF2B5EF4-FFF2-40B4-BE49-F238E27FC236}">
-                <a16:creationId xmlns:a16="http://schemas.microsoft.com/office/drawing/2014/main" id="{05DEA078-31B2-24CE-1EFB-5360CC91DA44}"/>
+                <a16:creationId xmlns:a16="http://schemas.microsoft.com/office/drawing/2014/main" id="{0AB8B781-AF4D-57E5-BEBC-A5A3377E3B51}"/>
               </a:ext>
             </a:extLst>
           </p:cNvPr>
           <p:cNvPicPr>
-            <a:picLocks noGrp="1" noChangeAspect="1"/>
+            <a:picLocks noChangeAspect="1"/>
           </p:cNvPicPr>
-          <p:nvPr>
-            <p:ph idx="1"/>
-          </p:nvPr>
+          <p:nvPr/>
         </p:nvPicPr>
         <p:blipFill>
           <a:blip r:embed="rId2">
@@ -11312,41 +12057,8 @@
         </p:blipFill>
         <p:spPr>
           <a:xfrm>
-            <a:off x="2276873" y="1270148"/>
-            <a:ext cx="4590254" cy="2193199"/>
-          </a:xfrm>
-        </p:spPr>
-      </p:pic>
-      <p:pic>
-        <p:nvPicPr>
-          <p:cNvPr id="7" name="Picture 6">
-            <a:extLst>
-              <a:ext uri="{FF2B5EF4-FFF2-40B4-BE49-F238E27FC236}">
-                <a16:creationId xmlns:a16="http://schemas.microsoft.com/office/drawing/2014/main" id="{FDB7EAE2-BF22-F439-EE1E-7439282C18C4}"/>
-              </a:ext>
-            </a:extLst>
-          </p:cNvPr>
-          <p:cNvPicPr>
-            <a:picLocks noChangeAspect="1"/>
-          </p:cNvPicPr>
-          <p:nvPr/>
-        </p:nvPicPr>
-        <p:blipFill>
-          <a:blip r:embed="rId3">
-            <a:extLst>
-              <a:ext uri="{28A0092B-C50C-407E-A947-70E740481C1C}">
-                <a14:useLocalDpi xmlns:a14="http://schemas.microsoft.com/office/drawing/2010/main" val="0"/>
-              </a:ext>
-            </a:extLst>
-          </a:blip>
-          <a:stretch>
-            <a:fillRect/>
-          </a:stretch>
-        </p:blipFill>
-        <p:spPr>
-          <a:xfrm>
-            <a:off x="2276873" y="3667400"/>
-            <a:ext cx="4590254" cy="2163183"/>
+            <a:off x="133366" y="1424557"/>
+            <a:ext cx="8877267" cy="4008886"/>
           </a:xfrm>
           <a:prstGeom prst="rect">
             <a:avLst/>
@@ -11356,7 +12068,7 @@
     </p:spTree>
     <p:extLst>
       <p:ext uri="{BB962C8B-B14F-4D97-AF65-F5344CB8AC3E}">
-        <p14:creationId xmlns:p14="http://schemas.microsoft.com/office/powerpoint/2010/main" val="2115921338"/>
+        <p14:creationId xmlns:p14="http://schemas.microsoft.com/office/powerpoint/2010/main" val="21814992"/>
       </p:ext>
     </p:extLst>
   </p:cSld>
@@ -11367,6 +12079,138 @@
 </file>
 
 <file path=ppt/slides/slide27.xml><?xml version="1.0" encoding="utf-8"?>
+<p:sld xmlns:a="http://schemas.openxmlformats.org/drawingml/2006/main" xmlns:r="http://schemas.openxmlformats.org/officeDocument/2006/relationships" xmlns:p="http://schemas.openxmlformats.org/presentationml/2006/main">
+  <p:cSld>
+    <p:spTree>
+      <p:nvGrpSpPr>
+        <p:cNvPr id="1" name=""/>
+        <p:cNvGrpSpPr/>
+        <p:nvPr/>
+      </p:nvGrpSpPr>
+      <p:grpSpPr>
+        <a:xfrm>
+          <a:off x="0" y="0"/>
+          <a:ext cx="0" cy="0"/>
+          <a:chOff x="0" y="0"/>
+          <a:chExt cx="0" cy="0"/>
+        </a:xfrm>
+      </p:grpSpPr>
+      <p:pic>
+        <p:nvPicPr>
+          <p:cNvPr id="5" name="Picture 4">
+            <a:extLst>
+              <a:ext uri="{FF2B5EF4-FFF2-40B4-BE49-F238E27FC236}">
+                <a16:creationId xmlns:a16="http://schemas.microsoft.com/office/drawing/2014/main" id="{C49A2450-6CDD-6548-3E09-75181DCFDB15}"/>
+              </a:ext>
+            </a:extLst>
+          </p:cNvPr>
+          <p:cNvPicPr>
+            <a:picLocks noChangeAspect="1"/>
+          </p:cNvPicPr>
+          <p:nvPr/>
+        </p:nvPicPr>
+        <p:blipFill>
+          <a:blip r:embed="rId2">
+            <a:extLst>
+              <a:ext uri="{28A0092B-C50C-407E-A947-70E740481C1C}">
+                <a14:useLocalDpi xmlns:a14="http://schemas.microsoft.com/office/drawing/2010/main" val="0"/>
+              </a:ext>
+            </a:extLst>
+          </a:blip>
+          <a:stretch>
+            <a:fillRect/>
+          </a:stretch>
+        </p:blipFill>
+        <p:spPr>
+          <a:xfrm>
+            <a:off x="130983" y="1425698"/>
+            <a:ext cx="8882033" cy="4006603"/>
+          </a:xfrm>
+          <a:prstGeom prst="rect">
+            <a:avLst/>
+          </a:prstGeom>
+        </p:spPr>
+      </p:pic>
+    </p:spTree>
+    <p:extLst>
+      <p:ext uri="{BB962C8B-B14F-4D97-AF65-F5344CB8AC3E}">
+        <p14:creationId xmlns:p14="http://schemas.microsoft.com/office/powerpoint/2010/main" val="2824965155"/>
+      </p:ext>
+    </p:extLst>
+  </p:cSld>
+  <p:clrMapOvr>
+    <a:masterClrMapping/>
+  </p:clrMapOvr>
+</p:sld>
+</file>
+
+<file path=ppt/slides/slide28.xml><?xml version="1.0" encoding="utf-8"?>
+<p:sld xmlns:a="http://schemas.openxmlformats.org/drawingml/2006/main" xmlns:r="http://schemas.openxmlformats.org/officeDocument/2006/relationships" xmlns:p="http://schemas.openxmlformats.org/presentationml/2006/main">
+  <p:cSld>
+    <p:spTree>
+      <p:nvGrpSpPr>
+        <p:cNvPr id="1" name=""/>
+        <p:cNvGrpSpPr/>
+        <p:nvPr/>
+      </p:nvGrpSpPr>
+      <p:grpSpPr>
+        <a:xfrm>
+          <a:off x="0" y="0"/>
+          <a:ext cx="0" cy="0"/>
+          <a:chOff x="0" y="0"/>
+          <a:chExt cx="0" cy="0"/>
+        </a:xfrm>
+      </p:grpSpPr>
+      <p:pic>
+        <p:nvPicPr>
+          <p:cNvPr id="5" name="Picture 4">
+            <a:extLst>
+              <a:ext uri="{FF2B5EF4-FFF2-40B4-BE49-F238E27FC236}">
+                <a16:creationId xmlns:a16="http://schemas.microsoft.com/office/drawing/2014/main" id="{19AEA9F3-255A-34A1-C81B-8CFDCA7823EB}"/>
+              </a:ext>
+            </a:extLst>
+          </p:cNvPr>
+          <p:cNvPicPr>
+            <a:picLocks noChangeAspect="1"/>
+          </p:cNvPicPr>
+          <p:nvPr/>
+        </p:nvPicPr>
+        <p:blipFill>
+          <a:blip r:embed="rId2">
+            <a:extLst>
+              <a:ext uri="{28A0092B-C50C-407E-A947-70E740481C1C}">
+                <a14:useLocalDpi xmlns:a14="http://schemas.microsoft.com/office/drawing/2010/main" val="0"/>
+              </a:ext>
+            </a:extLst>
+          </a:blip>
+          <a:stretch>
+            <a:fillRect/>
+          </a:stretch>
+        </p:blipFill>
+        <p:spPr>
+          <a:xfrm>
+            <a:off x="125760" y="1421929"/>
+            <a:ext cx="8892480" cy="4014141"/>
+          </a:xfrm>
+          <a:prstGeom prst="rect">
+            <a:avLst/>
+          </a:prstGeom>
+        </p:spPr>
+      </p:pic>
+    </p:spTree>
+    <p:extLst>
+      <p:ext uri="{BB962C8B-B14F-4D97-AF65-F5344CB8AC3E}">
+        <p14:creationId xmlns:p14="http://schemas.microsoft.com/office/powerpoint/2010/main" val="3173118621"/>
+      </p:ext>
+    </p:extLst>
+  </p:cSld>
+  <p:clrMapOvr>
+    <a:masterClrMapping/>
+  </p:clrMapOvr>
+</p:sld>
+</file>
+
+<file path=ppt/slides/slide29.xml><?xml version="1.0" encoding="utf-8"?>
 <p:sld xmlns:a="http://schemas.openxmlformats.org/drawingml/2006/main" xmlns:r="http://schemas.openxmlformats.org/officeDocument/2006/relationships" xmlns:p="http://schemas.openxmlformats.org/presentationml/2006/main">
   <p:cSld>
     <p:spTree>
@@ -11511,77 +12355,7 @@
 </p:sld>
 </file>
 
-<file path=ppt/slides/slide28.xml><?xml version="1.0" encoding="utf-8"?>
-<p:sld xmlns:a="http://schemas.openxmlformats.org/drawingml/2006/main" xmlns:r="http://schemas.openxmlformats.org/officeDocument/2006/relationships" xmlns:p="http://schemas.openxmlformats.org/presentationml/2006/main">
-  <p:cSld>
-    <p:spTree>
-      <p:nvGrpSpPr>
-        <p:cNvPr id="1" name=""/>
-        <p:cNvGrpSpPr/>
-        <p:nvPr/>
-      </p:nvGrpSpPr>
-      <p:grpSpPr>
-        <a:xfrm>
-          <a:off x="0" y="0"/>
-          <a:ext cx="0" cy="0"/>
-          <a:chOff x="0" y="0"/>
-          <a:chExt cx="0" cy="0"/>
-        </a:xfrm>
-      </p:grpSpPr>
-      <p:sp>
-        <p:nvSpPr>
-          <p:cNvPr id="3" name="Content Placeholder 2">
-            <a:extLst>
-              <a:ext uri="{FF2B5EF4-FFF2-40B4-BE49-F238E27FC236}">
-                <a16:creationId xmlns:a16="http://schemas.microsoft.com/office/drawing/2014/main" id="{35D0FAE9-67A4-8996-73E9-8EB3D15A211D}"/>
-              </a:ext>
-            </a:extLst>
-          </p:cNvPr>
-          <p:cNvSpPr>
-            <a:spLocks noGrp="1"/>
-          </p:cNvSpPr>
-          <p:nvPr>
-            <p:ph idx="1"/>
-          </p:nvPr>
-        </p:nvSpPr>
-        <p:spPr>
-          <a:xfrm>
-            <a:off x="505618" y="1447800"/>
-            <a:ext cx="8132763" cy="3853408"/>
-          </a:xfrm>
-        </p:spPr>
-        <p:txBody>
-          <a:bodyPr/>
-          <a:lstStyle/>
-          <a:p>
-            <a:r>
-              <a:rPr lang="en-US" dirty="0"/>
-              <a:t>However, for less resources the ML approach is comparable to the greedy best fit algorithm.</a:t>
-            </a:r>
-          </a:p>
-          <a:p>
-            <a:r>
-              <a:rPr lang="en-US" dirty="0"/>
-              <a:t>We can make the observation that the performance ratio of the ML approach for number of machines 30-140 is quite bad. Whereas, the performance ratio of the ML approach is in the satisfactory range for number of machines 10,150,160,170,180.</a:t>
-            </a:r>
-            <a:endParaRPr lang="en-IN" dirty="0"/>
-          </a:p>
-        </p:txBody>
-      </p:sp>
-    </p:spTree>
-    <p:extLst>
-      <p:ext uri="{BB962C8B-B14F-4D97-AF65-F5344CB8AC3E}">
-        <p14:creationId xmlns:p14="http://schemas.microsoft.com/office/powerpoint/2010/main" val="2959713377"/>
-      </p:ext>
-    </p:extLst>
-  </p:cSld>
-  <p:clrMapOvr>
-    <a:masterClrMapping/>
-  </p:clrMapOvr>
-</p:sld>
-</file>
-
-<file path=ppt/slides/slide29.xml><?xml version="1.0" encoding="utf-8"?>
+<file path=ppt/slides/slide3.xml><?xml version="1.0" encoding="utf-8"?>
 <p:sld xmlns:a="http://schemas.openxmlformats.org/drawingml/2006/main" xmlns:r="http://schemas.openxmlformats.org/officeDocument/2006/relationships" xmlns:p="http://schemas.openxmlformats.org/presentationml/2006/main">
   <p:cSld>
     <p:spTree>
@@ -11600,174 +12374,6 @@
       </p:grpSpPr>
       <p:pic>
         <p:nvPicPr>
-          <p:cNvPr id="5" name="Content Placeholder 4">
-            <a:extLst>
-              <a:ext uri="{FF2B5EF4-FFF2-40B4-BE49-F238E27FC236}">
-                <a16:creationId xmlns:a16="http://schemas.microsoft.com/office/drawing/2014/main" id="{EB45FC2F-248A-1BA7-3FA4-692BFD0F8DC8}"/>
-              </a:ext>
-            </a:extLst>
-          </p:cNvPr>
-          <p:cNvPicPr>
-            <a:picLocks noGrp="1" noChangeAspect="1"/>
-          </p:cNvPicPr>
-          <p:nvPr>
-            <p:ph idx="1"/>
-          </p:nvPr>
-        </p:nvPicPr>
-        <p:blipFill>
-          <a:blip r:embed="rId2">
-            <a:extLst>
-              <a:ext uri="{28A0092B-C50C-407E-A947-70E740481C1C}">
-                <a14:useLocalDpi xmlns:a14="http://schemas.microsoft.com/office/drawing/2010/main" val="0"/>
-              </a:ext>
-            </a:extLst>
-          </a:blip>
-          <a:stretch>
-            <a:fillRect/>
-          </a:stretch>
-        </p:blipFill>
-        <p:spPr>
-          <a:xfrm>
-            <a:off x="4773415" y="1912582"/>
-            <a:ext cx="4248473" cy="3186355"/>
-          </a:xfrm>
-        </p:spPr>
-      </p:pic>
-      <p:pic>
-        <p:nvPicPr>
-          <p:cNvPr id="6" name="Picture 5">
-            <a:extLst>
-              <a:ext uri="{FF2B5EF4-FFF2-40B4-BE49-F238E27FC236}">
-                <a16:creationId xmlns:a16="http://schemas.microsoft.com/office/drawing/2014/main" id="{5A994104-ECE2-4B37-9706-CDFE33F921B4}"/>
-              </a:ext>
-            </a:extLst>
-          </p:cNvPr>
-          <p:cNvPicPr>
-            <a:picLocks noChangeAspect="1"/>
-          </p:cNvPicPr>
-          <p:nvPr/>
-        </p:nvPicPr>
-        <p:blipFill>
-          <a:blip r:embed="rId3"/>
-          <a:stretch>
-            <a:fillRect/>
-          </a:stretch>
-        </p:blipFill>
-        <p:spPr>
-          <a:xfrm>
-            <a:off x="323528" y="1912582"/>
-            <a:ext cx="4248472" cy="3186355"/>
-          </a:xfrm>
-          <a:prstGeom prst="rect">
-            <a:avLst/>
-          </a:prstGeom>
-        </p:spPr>
-      </p:pic>
-      <p:sp>
-        <p:nvSpPr>
-          <p:cNvPr id="9" name="TextBox 8">
-            <a:extLst>
-              <a:ext uri="{FF2B5EF4-FFF2-40B4-BE49-F238E27FC236}">
-                <a16:creationId xmlns:a16="http://schemas.microsoft.com/office/drawing/2014/main" id="{3D91EC9A-9253-0770-F6A7-350224CBC8E0}"/>
-              </a:ext>
-            </a:extLst>
-          </p:cNvPr>
-          <p:cNvSpPr txBox="1"/>
-          <p:nvPr/>
-        </p:nvSpPr>
-        <p:spPr>
-          <a:xfrm>
-            <a:off x="1115616" y="5449996"/>
-            <a:ext cx="7200800" cy="523220"/>
-          </a:xfrm>
-          <a:prstGeom prst="rect">
-            <a:avLst/>
-          </a:prstGeom>
-          <a:noFill/>
-        </p:spPr>
-        <p:txBody>
-          <a:bodyPr wrap="square" rtlCol="0">
-            <a:spAutoFit/>
-          </a:bodyPr>
-          <a:lstStyle/>
-          <a:p>
-            <a:r>
-              <a:rPr lang="en-US" b="0" i="0" dirty="0"/>
-              <a:t>Heat Map Difference In Performance Ratio between ML algorithm and Greedy best fit : Day 11, Slack:0.1, 0.3</a:t>
-            </a:r>
-          </a:p>
-        </p:txBody>
-      </p:sp>
-    </p:spTree>
-    <p:extLst>
-      <p:ext uri="{BB962C8B-B14F-4D97-AF65-F5344CB8AC3E}">
-        <p14:creationId xmlns:p14="http://schemas.microsoft.com/office/powerpoint/2010/main" val="445345110"/>
-      </p:ext>
-    </p:extLst>
-  </p:cSld>
-  <p:clrMapOvr>
-    <a:masterClrMapping/>
-  </p:clrMapOvr>
-</p:sld>
-</file>
-
-<file path=ppt/slides/slide3.xml><?xml version="1.0" encoding="utf-8"?>
-<p:sld xmlns:a="http://schemas.openxmlformats.org/drawingml/2006/main" xmlns:r="http://schemas.openxmlformats.org/officeDocument/2006/relationships" xmlns:p="http://schemas.openxmlformats.org/presentationml/2006/main">
-  <p:cSld>
-    <p:spTree>
-      <p:nvGrpSpPr>
-        <p:cNvPr id="1" name=""/>
-        <p:cNvGrpSpPr/>
-        <p:nvPr/>
-      </p:nvGrpSpPr>
-      <p:grpSpPr>
-        <a:xfrm>
-          <a:off x="0" y="0"/>
-          <a:ext cx="0" cy="0"/>
-          <a:chOff x="0" y="0"/>
-          <a:chExt cx="0" cy="0"/>
-        </a:xfrm>
-      </p:grpSpPr>
-      <p:sp>
-        <p:nvSpPr>
-          <p:cNvPr id="3" name="Content Placeholder 2">
-            <a:extLst>
-              <a:ext uri="{FF2B5EF4-FFF2-40B4-BE49-F238E27FC236}">
-                <a16:creationId xmlns:a16="http://schemas.microsoft.com/office/drawing/2014/main" id="{98AE9988-4437-0587-108D-B7B293ACDE70}"/>
-              </a:ext>
-            </a:extLst>
-          </p:cNvPr>
-          <p:cNvSpPr>
-            <a:spLocks noGrp="1"/>
-          </p:cNvSpPr>
-          <p:nvPr>
-            <p:ph idx="1"/>
-          </p:nvPr>
-        </p:nvSpPr>
-        <p:spPr>
-          <a:xfrm>
-            <a:off x="505618" y="1340768"/>
-            <a:ext cx="8132763" cy="1224136"/>
-          </a:xfrm>
-        </p:spPr>
-        <p:txBody>
-          <a:bodyPr/>
-          <a:lstStyle/>
-          <a:p>
-            <a:pPr algn="just"/>
-            <a:r>
-              <a:rPr lang="en-US" dirty="0"/>
-              <a:t>System providers rent out infrastructure (usually but not exclusively computing power) to clients in the Infrastructure-as-a-Service business model of cloud computing.</a:t>
-            </a:r>
-          </a:p>
-          <a:p>
-            <a:pPr algn="just"/>
-            <a:endParaRPr lang="en-IN" dirty="0"/>
-          </a:p>
-        </p:txBody>
-      </p:sp>
-      <p:pic>
-        <p:nvPicPr>
           <p:cNvPr id="7" name="Picture 6">
             <a:extLst>
               <a:ext uri="{FF2B5EF4-FFF2-40B4-BE49-F238E27FC236}">
@@ -11794,7 +12400,7 @@
         </p:blipFill>
         <p:spPr>
           <a:xfrm>
-            <a:off x="2446888" y="2559901"/>
+            <a:off x="2446889" y="1901576"/>
             <a:ext cx="4250222" cy="3054847"/>
           </a:xfrm>
           <a:prstGeom prst="rect">
@@ -11837,7 +12443,7 @@
           <p:cNvPr id="3" name="Content Placeholder 2">
             <a:extLst>
               <a:ext uri="{FF2B5EF4-FFF2-40B4-BE49-F238E27FC236}">
-                <a16:creationId xmlns:a16="http://schemas.microsoft.com/office/drawing/2014/main" id="{F7BBE6E9-315C-3448-FD03-8218F461DD97}"/>
+                <a16:creationId xmlns:a16="http://schemas.microsoft.com/office/drawing/2014/main" id="{35D0FAE9-67A4-8996-73E9-8EB3D15A211D}"/>
               </a:ext>
             </a:extLst>
           </p:cNvPr>
@@ -11851,7 +12457,7 @@
         <p:spPr>
           <a:xfrm>
             <a:off x="505618" y="1447800"/>
-            <a:ext cx="8132763" cy="1477144"/>
+            <a:ext cx="8132763" cy="3853408"/>
           </a:xfrm>
         </p:spPr>
         <p:txBody>
@@ -11860,52 +12466,22 @@
           <a:p>
             <a:r>
               <a:rPr lang="en-US" dirty="0"/>
-              <a:t>We observe that the exploration rate while training was constant. We have trained for more than 130 million timesteps and we understand that the reward mean converges to an almost constant range.</a:t>
+              <a:t>However, for less resources the ML approach is comparable to the greedy best fit algorithm.</a:t>
+            </a:r>
+          </a:p>
+          <a:p>
+            <a:r>
+              <a:rPr lang="en-US" dirty="0"/>
+              <a:t>We can make the observation that the performance ratio of the ML approach for number of machines 30-140 is quite bad. Whereas, the performance ratio of the ML approach is in the satisfactory range for number of machines 10,150,160,170,180.</a:t>
             </a:r>
             <a:endParaRPr lang="en-IN" dirty="0"/>
           </a:p>
         </p:txBody>
       </p:sp>
-      <p:pic>
-        <p:nvPicPr>
-          <p:cNvPr id="5" name="Picture 4">
-            <a:extLst>
-              <a:ext uri="{FF2B5EF4-FFF2-40B4-BE49-F238E27FC236}">
-                <a16:creationId xmlns:a16="http://schemas.microsoft.com/office/drawing/2014/main" id="{26E7C10F-A5D9-9182-92ED-CDB59BBD843F}"/>
-              </a:ext>
-            </a:extLst>
-          </p:cNvPr>
-          <p:cNvPicPr>
-            <a:picLocks noChangeAspect="1"/>
-          </p:cNvPicPr>
-          <p:nvPr/>
-        </p:nvPicPr>
-        <p:blipFill>
-          <a:blip r:embed="rId2">
-            <a:extLst>
-              <a:ext uri="{28A0092B-C50C-407E-A947-70E740481C1C}">
-                <a14:useLocalDpi xmlns:a14="http://schemas.microsoft.com/office/drawing/2010/main" val="0"/>
-              </a:ext>
-            </a:extLst>
-          </a:blip>
-          <a:stretch>
-            <a:fillRect/>
-          </a:stretch>
-        </p:blipFill>
-        <p:spPr>
-          <a:xfrm>
-            <a:off x="445213" y="2982991"/>
-            <a:ext cx="8253572" cy="2421480"/>
-          </a:xfrm>
-          <a:prstGeom prst="rect">
-            <a:avLst/>
-          </a:prstGeom>
-        </p:spPr>
-      </p:pic>
     </p:spTree>
     <p:extLst>
       <p:ext uri="{BB962C8B-B14F-4D97-AF65-F5344CB8AC3E}">
-        <p14:creationId xmlns:p14="http://schemas.microsoft.com/office/powerpoint/2010/main" val="131011538"/>
+        <p14:creationId xmlns:p14="http://schemas.microsoft.com/office/powerpoint/2010/main" val="2959713377"/>
       </p:ext>
     </p:extLst>
   </p:cSld>
@@ -11932,81 +12508,110 @@
           <a:chExt cx="0" cy="0"/>
         </a:xfrm>
       </p:grpSpPr>
-      <p:sp>
-        <p:nvSpPr>
-          <p:cNvPr id="2" name="Title 1">
+      <p:pic>
+        <p:nvPicPr>
+          <p:cNvPr id="5" name="Content Placeholder 4">
             <a:extLst>
               <a:ext uri="{FF2B5EF4-FFF2-40B4-BE49-F238E27FC236}">
-                <a16:creationId xmlns:a16="http://schemas.microsoft.com/office/drawing/2014/main" id="{41FCC2DB-070E-C309-C83E-F9AF92050AF3}"/>
+                <a16:creationId xmlns:a16="http://schemas.microsoft.com/office/drawing/2014/main" id="{EB45FC2F-248A-1BA7-3FA4-692BFD0F8DC8}"/>
               </a:ext>
             </a:extLst>
           </p:cNvPr>
-          <p:cNvSpPr>
-            <a:spLocks noGrp="1"/>
-          </p:cNvSpPr>
-          <p:nvPr>
-            <p:ph type="title"/>
-          </p:nvPr>
-        </p:nvSpPr>
-        <p:spPr/>
-        <p:txBody>
-          <a:bodyPr/>
-          <a:lstStyle/>
-          <a:p>
-            <a:r>
-              <a:rPr lang="en-IN" dirty="0"/>
-              <a:t>Conclusion And Future Scope</a:t>
-            </a:r>
-          </a:p>
-        </p:txBody>
-      </p:sp>
-      <p:sp>
-        <p:nvSpPr>
-          <p:cNvPr id="3" name="Content Placeholder 2">
-            <a:extLst>
-              <a:ext uri="{FF2B5EF4-FFF2-40B4-BE49-F238E27FC236}">
-                <a16:creationId xmlns:a16="http://schemas.microsoft.com/office/drawing/2014/main" id="{2BC773BE-8273-6D99-CA8B-980C44097215}"/>
-              </a:ext>
-            </a:extLst>
-          </p:cNvPr>
-          <p:cNvSpPr>
-            <a:spLocks noGrp="1"/>
-          </p:cNvSpPr>
+          <p:cNvPicPr>
+            <a:picLocks noGrp="1" noChangeAspect="1"/>
+          </p:cNvPicPr>
           <p:nvPr>
             <p:ph idx="1"/>
           </p:nvPr>
+        </p:nvPicPr>
+        <p:blipFill>
+          <a:blip r:embed="rId2">
+            <a:extLst>
+              <a:ext uri="{28A0092B-C50C-407E-A947-70E740481C1C}">
+                <a14:useLocalDpi xmlns:a14="http://schemas.microsoft.com/office/drawing/2010/main" val="0"/>
+              </a:ext>
+            </a:extLst>
+          </a:blip>
+          <a:stretch>
+            <a:fillRect/>
+          </a:stretch>
+        </p:blipFill>
+        <p:spPr>
+          <a:xfrm>
+            <a:off x="4773415" y="1912582"/>
+            <a:ext cx="4248473" cy="3186355"/>
+          </a:xfrm>
+        </p:spPr>
+      </p:pic>
+      <p:pic>
+        <p:nvPicPr>
+          <p:cNvPr id="6" name="Picture 5">
+            <a:extLst>
+              <a:ext uri="{FF2B5EF4-FFF2-40B4-BE49-F238E27FC236}">
+                <a16:creationId xmlns:a16="http://schemas.microsoft.com/office/drawing/2014/main" id="{5A994104-ECE2-4B37-9706-CDFE33F921B4}"/>
+              </a:ext>
+            </a:extLst>
+          </p:cNvPr>
+          <p:cNvPicPr>
+            <a:picLocks noChangeAspect="1"/>
+          </p:cNvPicPr>
+          <p:nvPr/>
+        </p:nvPicPr>
+        <p:blipFill>
+          <a:blip r:embed="rId3"/>
+          <a:stretch>
+            <a:fillRect/>
+          </a:stretch>
+        </p:blipFill>
+        <p:spPr>
+          <a:xfrm>
+            <a:off x="323528" y="1912582"/>
+            <a:ext cx="4248472" cy="3186355"/>
+          </a:xfrm>
+          <a:prstGeom prst="rect">
+            <a:avLst/>
+          </a:prstGeom>
+        </p:spPr>
+      </p:pic>
+      <p:sp>
+        <p:nvSpPr>
+          <p:cNvPr id="9" name="TextBox 8">
+            <a:extLst>
+              <a:ext uri="{FF2B5EF4-FFF2-40B4-BE49-F238E27FC236}">
+                <a16:creationId xmlns:a16="http://schemas.microsoft.com/office/drawing/2014/main" id="{3D91EC9A-9253-0770-F6A7-350224CBC8E0}"/>
+              </a:ext>
+            </a:extLst>
+          </p:cNvPr>
+          <p:cNvSpPr txBox="1"/>
+          <p:nvPr/>
         </p:nvSpPr>
-        <p:spPr/>
+        <p:spPr>
+          <a:xfrm>
+            <a:off x="1115616" y="5449996"/>
+            <a:ext cx="7200800" cy="523220"/>
+          </a:xfrm>
+          <a:prstGeom prst="rect">
+            <a:avLst/>
+          </a:prstGeom>
+          <a:noFill/>
+        </p:spPr>
         <p:txBody>
-          <a:bodyPr/>
+          <a:bodyPr wrap="square" rtlCol="0">
+            <a:spAutoFit/>
+          </a:bodyPr>
           <a:lstStyle/>
           <a:p>
             <a:r>
-              <a:rPr lang="en-US" dirty="0"/>
-              <a:t>The results show that our ML approach is not effectively competitive against an offline optimal algorithm in the average case in terms of maximizing machine utilization.</a:t>
-            </a:r>
-          </a:p>
-          <a:p>
-            <a:r>
-              <a:rPr lang="en-US" dirty="0"/>
-              <a:t>The results of the lower number of machines (resources) gives a slight hope that the algorithm may work better in worst case scenarios. Further testing in tailor made worst case scenarios required.</a:t>
-            </a:r>
-          </a:p>
-          <a:p>
-            <a:r>
-              <a:rPr lang="en-US" dirty="0"/>
-              <a:t>Whenever a new job is provided, the scheduling decision will be heavily influenced by the current state of the schedule/machine as well as the nature of the new job (which may not follow a historical pattern). </a:t>
-            </a:r>
-          </a:p>
-          <a:p>
-            <a:endParaRPr lang="en-IN" dirty="0"/>
+              <a:rPr lang="en-US" b="0" i="0" dirty="0"/>
+              <a:t>Heat Map Difference In Performance Ratio between ML algorithm and Greedy best fit : Day 11, Slack:0.1, 0.3</a:t>
+            </a:r>
           </a:p>
         </p:txBody>
       </p:sp>
     </p:spTree>
     <p:extLst>
       <p:ext uri="{BB962C8B-B14F-4D97-AF65-F5344CB8AC3E}">
-        <p14:creationId xmlns:p14="http://schemas.microsoft.com/office/powerpoint/2010/main" val="911862220"/>
+        <p14:creationId xmlns:p14="http://schemas.microsoft.com/office/powerpoint/2010/main" val="445345110"/>
       </p:ext>
     </p:extLst>
   </p:cSld>
@@ -12038,7 +12643,7 @@
           <p:cNvPr id="3" name="Content Placeholder 2">
             <a:extLst>
               <a:ext uri="{FF2B5EF4-FFF2-40B4-BE49-F238E27FC236}">
-                <a16:creationId xmlns:a16="http://schemas.microsoft.com/office/drawing/2014/main" id="{BF52712D-E458-F72A-7BA9-1F72222D7819}"/>
+                <a16:creationId xmlns:a16="http://schemas.microsoft.com/office/drawing/2014/main" id="{F7BBE6E9-315C-3448-FD03-8218F461DD97}"/>
               </a:ext>
             </a:extLst>
           </p:cNvPr>
@@ -12052,7 +12657,7 @@
         <p:spPr>
           <a:xfrm>
             <a:off x="505618" y="1447800"/>
-            <a:ext cx="8132763" cy="3962400"/>
+            <a:ext cx="8132763" cy="1477144"/>
           </a:xfrm>
         </p:spPr>
         <p:txBody>
@@ -12061,13 +12666,7 @@
           <a:p>
             <a:r>
               <a:rPr lang="en-US" dirty="0"/>
-              <a:t>The proposed method employs a dense reward strategy, it attempts to map the current machine state and job locally, make a decision, and issue a reward at each step, without considering the larger picture. </a:t>
-            </a:r>
-          </a:p>
-          <a:p>
-            <a:r>
-              <a:rPr lang="en-US" dirty="0"/>
-              <a:t>A sparse reward strategy, in which the full timeline is examined as a whole and incentives awarded proportionally at the end, is an alternative for the future.</a:t>
+              <a:t>We observe that the exploration rate while training was constant. We have trained for more than 130 million timesteps and we understand that the reward mean converges to an almost constant range.</a:t>
             </a:r>
             <a:endParaRPr lang="en-IN" dirty="0"/>
           </a:p>
@@ -12078,7 +12677,7 @@
           <p:cNvPr id="5" name="Picture 4">
             <a:extLst>
               <a:ext uri="{FF2B5EF4-FFF2-40B4-BE49-F238E27FC236}">
-                <a16:creationId xmlns:a16="http://schemas.microsoft.com/office/drawing/2014/main" id="{8AAC4EFC-8A94-2D54-A52C-09B1C70CBE87}"/>
+                <a16:creationId xmlns:a16="http://schemas.microsoft.com/office/drawing/2014/main" id="{26E7C10F-A5D9-9182-92ED-CDB59BBD843F}"/>
               </a:ext>
             </a:extLst>
           </p:cNvPr>
@@ -12101,8 +12700,8 @@
         </p:blipFill>
         <p:spPr>
           <a:xfrm>
-            <a:off x="1475656" y="3861048"/>
-            <a:ext cx="6192688" cy="2109712"/>
+            <a:off x="445213" y="2982991"/>
+            <a:ext cx="8253572" cy="2421480"/>
           </a:xfrm>
           <a:prstGeom prst="rect">
             <a:avLst/>
@@ -12112,7 +12711,7 @@
     </p:spTree>
     <p:extLst>
       <p:ext uri="{BB962C8B-B14F-4D97-AF65-F5344CB8AC3E}">
-        <p14:creationId xmlns:p14="http://schemas.microsoft.com/office/powerpoint/2010/main" val="3511995746"/>
+        <p14:creationId xmlns:p14="http://schemas.microsoft.com/office/powerpoint/2010/main" val="131011538"/>
       </p:ext>
     </p:extLst>
   </p:cSld>
@@ -12144,7 +12743,7 @@
           <p:cNvPr id="2" name="Title 1">
             <a:extLst>
               <a:ext uri="{FF2B5EF4-FFF2-40B4-BE49-F238E27FC236}">
-                <a16:creationId xmlns:a16="http://schemas.microsoft.com/office/drawing/2014/main" id="{98E3DFE2-BCC5-18C1-5D1D-2D4286B2101E}"/>
+                <a16:creationId xmlns:a16="http://schemas.microsoft.com/office/drawing/2014/main" id="{41FCC2DB-070E-C309-C83E-F9AF92050AF3}"/>
               </a:ext>
             </a:extLst>
           </p:cNvPr>
@@ -12162,7 +12761,7 @@
           <a:p>
             <a:r>
               <a:rPr lang="en-IN" dirty="0"/>
-              <a:t>Contributions</a:t>
+              <a:t>Conclusion And Future Scope</a:t>
             </a:r>
           </a:p>
         </p:txBody>
@@ -12172,7 +12771,80 @@
           <p:cNvPr id="3" name="Content Placeholder 2">
             <a:extLst>
               <a:ext uri="{FF2B5EF4-FFF2-40B4-BE49-F238E27FC236}">
-                <a16:creationId xmlns:a16="http://schemas.microsoft.com/office/drawing/2014/main" id="{165024E7-6F64-F36F-4483-2FEF2947C192}"/>
+                <a16:creationId xmlns:a16="http://schemas.microsoft.com/office/drawing/2014/main" id="{2BC773BE-8273-6D99-CA8B-980C44097215}"/>
+              </a:ext>
+            </a:extLst>
+          </p:cNvPr>
+          <p:cNvSpPr>
+            <a:spLocks noGrp="1"/>
+          </p:cNvSpPr>
+          <p:nvPr>
+            <p:ph idx="1"/>
+          </p:nvPr>
+        </p:nvSpPr>
+        <p:spPr/>
+        <p:txBody>
+          <a:bodyPr/>
+          <a:lstStyle/>
+          <a:p>
+            <a:r>
+              <a:rPr lang="en-US" dirty="0"/>
+              <a:t>The results show that our ML approach is not effectively competitive against an offline optimal algorithm in the average case in terms of maximizing machine utilization.</a:t>
+            </a:r>
+          </a:p>
+          <a:p>
+            <a:r>
+              <a:rPr lang="en-US" dirty="0"/>
+              <a:t>The results of the lower number of machines (resources) gives a slight hope that the algorithm may work better in worst case scenarios. Further testing in tailor made worst case scenarios required.</a:t>
+            </a:r>
+          </a:p>
+          <a:p>
+            <a:r>
+              <a:rPr lang="en-US" dirty="0"/>
+              <a:t>Whenever a new job is provided, the scheduling decision will be heavily influenced by the current state of the schedule/machine as well as the nature of the new job (which may not follow a historical pattern). </a:t>
+            </a:r>
+          </a:p>
+          <a:p>
+            <a:endParaRPr lang="en-IN" dirty="0"/>
+          </a:p>
+        </p:txBody>
+      </p:sp>
+    </p:spTree>
+    <p:extLst>
+      <p:ext uri="{BB962C8B-B14F-4D97-AF65-F5344CB8AC3E}">
+        <p14:creationId xmlns:p14="http://schemas.microsoft.com/office/powerpoint/2010/main" val="911862220"/>
+      </p:ext>
+    </p:extLst>
+  </p:cSld>
+  <p:clrMapOvr>
+    <a:masterClrMapping/>
+  </p:clrMapOvr>
+</p:sld>
+</file>
+
+<file path=ppt/slides/slide34.xml><?xml version="1.0" encoding="utf-8"?>
+<p:sld xmlns:a="http://schemas.openxmlformats.org/drawingml/2006/main" xmlns:r="http://schemas.openxmlformats.org/officeDocument/2006/relationships" xmlns:p="http://schemas.openxmlformats.org/presentationml/2006/main">
+  <p:cSld>
+    <p:spTree>
+      <p:nvGrpSpPr>
+        <p:cNvPr id="1" name=""/>
+        <p:cNvGrpSpPr/>
+        <p:nvPr/>
+      </p:nvGrpSpPr>
+      <p:grpSpPr>
+        <a:xfrm>
+          <a:off x="0" y="0"/>
+          <a:ext cx="0" cy="0"/>
+          <a:chOff x="0" y="0"/>
+          <a:chExt cx="0" cy="0"/>
+        </a:xfrm>
+      </p:grpSpPr>
+      <p:sp>
+        <p:nvSpPr>
+          <p:cNvPr id="3" name="Content Placeholder 2">
+            <a:extLst>
+              <a:ext uri="{FF2B5EF4-FFF2-40B4-BE49-F238E27FC236}">
+                <a16:creationId xmlns:a16="http://schemas.microsoft.com/office/drawing/2014/main" id="{BF52712D-E458-F72A-7BA9-1F72222D7819}"/>
               </a:ext>
             </a:extLst>
           </p:cNvPr>
@@ -12185,7 +12857,7 @@
         </p:nvSpPr>
         <p:spPr>
           <a:xfrm>
-            <a:off x="466725" y="2057400"/>
+            <a:off x="505618" y="1447800"/>
             <a:ext cx="8132763" cy="3962400"/>
           </a:xfrm>
         </p:spPr>
@@ -12194,149 +12866,492 @@
           <a:lstStyle/>
           <a:p>
             <a:r>
-              <a:rPr lang="en-IN" dirty="0"/>
-              <a:t>Implementation of required python functions by: </a:t>
-            </a:r>
-            <a:r>
-              <a:rPr lang="en-IN" i="1" dirty="0"/>
-              <a:t>Philip Varghese Modayil and </a:t>
-            </a:r>
-            <a:r>
-              <a:rPr lang="en-IN" i="1" dirty="0" err="1"/>
-              <a:t>Abdulkader</a:t>
-            </a:r>
-            <a:r>
-              <a:rPr lang="en-IN" i="1" dirty="0"/>
-              <a:t> </a:t>
-            </a:r>
-            <a:r>
-              <a:rPr lang="en-IN" i="1" dirty="0" err="1"/>
-              <a:t>Motorwala</a:t>
-            </a:r>
-            <a:r>
-              <a:rPr lang="en-IN" i="1" dirty="0"/>
-              <a:t>.</a:t>
-            </a:r>
-          </a:p>
-          <a:p>
-            <a:r>
-              <a:rPr lang="en-IN" dirty="0"/>
-              <a:t>Adaption of CartPole-v1 environment by: </a:t>
-            </a:r>
-            <a:r>
-              <a:rPr lang="en-IN" i="1" dirty="0"/>
-              <a:t>Philip Varghese Modayil and </a:t>
-            </a:r>
-            <a:r>
-              <a:rPr lang="en-IN" i="1" dirty="0" err="1"/>
-              <a:t>Abdulkader</a:t>
-            </a:r>
-            <a:r>
-              <a:rPr lang="en-IN" i="1" dirty="0"/>
-              <a:t> </a:t>
-            </a:r>
-            <a:r>
-              <a:rPr lang="en-IN" i="1" dirty="0" err="1"/>
-              <a:t>Motorwala</a:t>
-            </a:r>
-            <a:r>
-              <a:rPr lang="en-IN" i="1" dirty="0"/>
-              <a:t>.</a:t>
-            </a:r>
-          </a:p>
-          <a:p>
-            <a:r>
-              <a:rPr lang="en-IN" dirty="0"/>
-              <a:t>Conception and implementation of observation space with machine states: </a:t>
-            </a:r>
-            <a:r>
-              <a:rPr lang="en-IN" i="1" dirty="0"/>
-              <a:t>Philip Varghese Modayil and </a:t>
-            </a:r>
-            <a:r>
-              <a:rPr lang="en-IN" i="1" dirty="0" err="1"/>
-              <a:t>Abdulkader</a:t>
-            </a:r>
-            <a:r>
-              <a:rPr lang="en-IN" i="1" dirty="0"/>
-              <a:t> </a:t>
-            </a:r>
-            <a:r>
-              <a:rPr lang="en-IN" i="1" dirty="0" err="1"/>
-              <a:t>Motorwala</a:t>
-            </a:r>
-            <a:r>
-              <a:rPr lang="en-IN" dirty="0"/>
-              <a:t>.</a:t>
-            </a:r>
-          </a:p>
-          <a:p>
-            <a:r>
-              <a:rPr lang="en-IN" dirty="0"/>
-              <a:t>Conception and implementation of five number summary / box plot for observation space by: </a:t>
-            </a:r>
-            <a:r>
-              <a:rPr lang="en-IN" i="1" dirty="0"/>
-              <a:t>Philip Varghese Modayil</a:t>
-            </a:r>
-            <a:r>
-              <a:rPr lang="en-IN" dirty="0"/>
-              <a:t>.</a:t>
-            </a:r>
-          </a:p>
-          <a:p>
-            <a:r>
-              <a:rPr lang="en-IN" dirty="0"/>
-              <a:t>Conception and implementation of profitability criterion for reward scheme by: </a:t>
-            </a:r>
-            <a:r>
-              <a:rPr lang="en-IN" i="1" dirty="0"/>
-              <a:t>Philip Varghese Modayil</a:t>
-            </a:r>
-            <a:r>
-              <a:rPr lang="en-IN" dirty="0"/>
-              <a:t>.</a:t>
-            </a:r>
-          </a:p>
-          <a:p>
-            <a:r>
-              <a:rPr lang="en-IN" dirty="0"/>
-              <a:t>Running training and testing cycles by: </a:t>
-            </a:r>
-            <a:r>
-              <a:rPr lang="en-IN" i="1" dirty="0"/>
-              <a:t>Philip Varghese Modayil</a:t>
-            </a:r>
-            <a:r>
-              <a:rPr lang="en-IN" dirty="0"/>
-              <a:t>.</a:t>
-            </a:r>
-          </a:p>
-          <a:p>
-            <a:r>
-              <a:rPr lang="en-IN" dirty="0"/>
-              <a:t>Result and report by: </a:t>
-            </a:r>
-            <a:r>
-              <a:rPr lang="en-IN" i="1" dirty="0"/>
-              <a:t>Philip Varghese Modayil</a:t>
-            </a:r>
-            <a:r>
-              <a:rPr lang="en-IN" dirty="0"/>
-              <a:t>.</a:t>
-            </a:r>
-          </a:p>
-          <a:p>
-            <a:endParaRPr lang="en-IN" dirty="0"/>
-          </a:p>
-          <a:p>
-            <a:pPr marL="0" indent="0">
-              <a:buNone/>
-            </a:pPr>
+              <a:rPr lang="en-US" dirty="0"/>
+              <a:t>The proposed method employs a dense reward strategy, it attempts to map the current machine state and job locally, make a decision, and issue a reward at each step, without considering the larger picture. </a:t>
+            </a:r>
+          </a:p>
+          <a:p>
+            <a:r>
+              <a:rPr lang="en-US" dirty="0"/>
+              <a:t>A sparse reward strategy, in which the full timeline is examined as a whole and incentives awarded proportionally at the end, is an alternative for the future.</a:t>
+            </a:r>
             <a:endParaRPr lang="en-IN" dirty="0"/>
           </a:p>
         </p:txBody>
       </p:sp>
+      <p:pic>
+        <p:nvPicPr>
+          <p:cNvPr id="5" name="Picture 4">
+            <a:extLst>
+              <a:ext uri="{FF2B5EF4-FFF2-40B4-BE49-F238E27FC236}">
+                <a16:creationId xmlns:a16="http://schemas.microsoft.com/office/drawing/2014/main" id="{8AAC4EFC-8A94-2D54-A52C-09B1C70CBE87}"/>
+              </a:ext>
+            </a:extLst>
+          </p:cNvPr>
+          <p:cNvPicPr>
+            <a:picLocks noChangeAspect="1"/>
+          </p:cNvPicPr>
+          <p:nvPr/>
+        </p:nvPicPr>
+        <p:blipFill>
+          <a:blip r:embed="rId2">
+            <a:extLst>
+              <a:ext uri="{28A0092B-C50C-407E-A947-70E740481C1C}">
+                <a14:useLocalDpi xmlns:a14="http://schemas.microsoft.com/office/drawing/2010/main" val="0"/>
+              </a:ext>
+            </a:extLst>
+          </a:blip>
+          <a:stretch>
+            <a:fillRect/>
+          </a:stretch>
+        </p:blipFill>
+        <p:spPr>
+          <a:xfrm>
+            <a:off x="1475656" y="3861048"/>
+            <a:ext cx="6192688" cy="2109712"/>
+          </a:xfrm>
+          <a:prstGeom prst="rect">
+            <a:avLst/>
+          </a:prstGeom>
+        </p:spPr>
+      </p:pic>
+    </p:spTree>
+    <p:extLst>
+      <p:ext uri="{BB962C8B-B14F-4D97-AF65-F5344CB8AC3E}">
+        <p14:creationId xmlns:p14="http://schemas.microsoft.com/office/powerpoint/2010/main" val="3511995746"/>
+      </p:ext>
+    </p:extLst>
+  </p:cSld>
+  <p:clrMapOvr>
+    <a:masterClrMapping/>
+  </p:clrMapOvr>
+</p:sld>
+</file>
+
+<file path=ppt/slides/slide35.xml><?xml version="1.0" encoding="utf-8"?>
+<p:sld xmlns:a="http://schemas.openxmlformats.org/drawingml/2006/main" xmlns:r="http://schemas.openxmlformats.org/officeDocument/2006/relationships" xmlns:p="http://schemas.openxmlformats.org/presentationml/2006/main">
+  <p:cSld>
+    <p:spTree>
+      <p:nvGrpSpPr>
+        <p:cNvPr id="1" name=""/>
+        <p:cNvGrpSpPr/>
+        <p:nvPr/>
+      </p:nvGrpSpPr>
+      <p:grpSpPr>
+        <a:xfrm>
+          <a:off x="0" y="0"/>
+          <a:ext cx="0" cy="0"/>
+          <a:chOff x="0" y="0"/>
+          <a:chExt cx="0" cy="0"/>
+        </a:xfrm>
+      </p:grpSpPr>
+      <p:sp>
+        <p:nvSpPr>
+          <p:cNvPr id="2" name="Title 1">
+            <a:extLst>
+              <a:ext uri="{FF2B5EF4-FFF2-40B4-BE49-F238E27FC236}">
+                <a16:creationId xmlns:a16="http://schemas.microsoft.com/office/drawing/2014/main" id="{98E3DFE2-BCC5-18C1-5D1D-2D4286B2101E}"/>
+              </a:ext>
+            </a:extLst>
+          </p:cNvPr>
+          <p:cNvSpPr>
+            <a:spLocks noGrp="1"/>
+          </p:cNvSpPr>
+          <p:nvPr>
+            <p:ph type="title"/>
+          </p:nvPr>
+        </p:nvSpPr>
+        <p:spPr/>
+        <p:txBody>
+          <a:bodyPr/>
+          <a:lstStyle/>
+          <a:p>
+            <a:r>
+              <a:rPr lang="en-IN" dirty="0"/>
+              <a:t>Contributions</a:t>
+            </a:r>
+          </a:p>
+        </p:txBody>
+      </p:sp>
+      <p:graphicFrame>
+        <p:nvGraphicFramePr>
+          <p:cNvPr id="4" name="Table 4">
+            <a:extLst>
+              <a:ext uri="{FF2B5EF4-FFF2-40B4-BE49-F238E27FC236}">
+                <a16:creationId xmlns:a16="http://schemas.microsoft.com/office/drawing/2014/main" id="{FA9537F0-DB7D-049D-3993-AE0FA3C5A017}"/>
+              </a:ext>
+            </a:extLst>
+          </p:cNvPr>
+          <p:cNvGraphicFramePr>
+            <a:graphicFrameLocks noGrp="1"/>
+          </p:cNvGraphicFramePr>
+          <p:nvPr>
+            <p:extLst>
+              <p:ext uri="{D42A27DB-BD31-4B8C-83A1-F6EECF244321}">
+                <p14:modId xmlns:p14="http://schemas.microsoft.com/office/powerpoint/2010/main" val="2737450360"/>
+              </p:ext>
+            </p:extLst>
+          </p:nvPr>
+        </p:nvGraphicFramePr>
+        <p:xfrm>
+          <a:off x="899592" y="2492896"/>
+          <a:ext cx="4608512" cy="2621280"/>
+        </p:xfrm>
+        <a:graphic>
+          <a:graphicData uri="http://schemas.openxmlformats.org/drawingml/2006/table">
+            <a:tbl>
+              <a:tblPr firstRow="1" bandRow="1">
+                <a:tableStyleId>{5940675A-B579-460E-94D1-54222C63F5DA}</a:tableStyleId>
+              </a:tblPr>
+              <a:tblGrid>
+                <a:gridCol w="4608512">
+                  <a:extLst>
+                    <a:ext uri="{9D8B030D-6E8A-4147-A177-3AD203B41FA5}">
+                      <a16:colId xmlns:a16="http://schemas.microsoft.com/office/drawing/2014/main" val="4290375876"/>
+                    </a:ext>
+                  </a:extLst>
+                </a:gridCol>
+              </a:tblGrid>
+              <a:tr h="370840">
+                <a:tc>
+                  <a:txBody>
+                    <a:bodyPr/>
+                    <a:lstStyle/>
+                    <a:p>
+                      <a:r>
+                        <a:rPr lang="en-IN" sz="2000" dirty="0"/>
+                        <a:t>Implementation of common framework</a:t>
+                      </a:r>
+                    </a:p>
+                  </a:txBody>
+                  <a:tcPr/>
+                </a:tc>
+                <a:extLst>
+                  <a:ext uri="{0D108BD9-81ED-4DB2-BD59-A6C34878D82A}">
+                    <a16:rowId xmlns:a16="http://schemas.microsoft.com/office/drawing/2014/main" val="2891195400"/>
+                  </a:ext>
+                </a:extLst>
+              </a:tr>
+              <a:tr h="370840">
+                <a:tc>
+                  <a:txBody>
+                    <a:bodyPr/>
+                    <a:lstStyle/>
+                    <a:p>
+                      <a:r>
+                        <a:rPr lang="en-IN" dirty="0"/>
+                        <a:t>Adaptation of CartPole-v1 environment</a:t>
+                      </a:r>
+                    </a:p>
+                  </a:txBody>
+                  <a:tcPr/>
+                </a:tc>
+                <a:extLst>
+                  <a:ext uri="{0D108BD9-81ED-4DB2-BD59-A6C34878D82A}">
+                    <a16:rowId xmlns:a16="http://schemas.microsoft.com/office/drawing/2014/main" val="1965066924"/>
+                  </a:ext>
+                </a:extLst>
+              </a:tr>
+              <a:tr h="370840">
+                <a:tc>
+                  <a:txBody>
+                    <a:bodyPr/>
+                    <a:lstStyle/>
+                    <a:p>
+                      <a:r>
+                        <a:rPr lang="en-US" dirty="0"/>
+                        <a:t>Observation space with machine states</a:t>
+                      </a:r>
+                    </a:p>
+                  </a:txBody>
+                  <a:tcPr/>
+                </a:tc>
+                <a:extLst>
+                  <a:ext uri="{0D108BD9-81ED-4DB2-BD59-A6C34878D82A}">
+                    <a16:rowId xmlns:a16="http://schemas.microsoft.com/office/drawing/2014/main" val="3974611983"/>
+                  </a:ext>
+                </a:extLst>
+              </a:tr>
+              <a:tr h="370840">
+                <a:tc>
+                  <a:txBody>
+                    <a:bodyPr/>
+                    <a:lstStyle/>
+                    <a:p>
+                      <a:r>
+                        <a:rPr lang="en-IN" dirty="0"/>
+                        <a:t>Box-plot for Observation Space</a:t>
+                      </a:r>
+                    </a:p>
+                  </a:txBody>
+                  <a:tcPr/>
+                </a:tc>
+                <a:extLst>
+                  <a:ext uri="{0D108BD9-81ED-4DB2-BD59-A6C34878D82A}">
+                    <a16:rowId xmlns:a16="http://schemas.microsoft.com/office/drawing/2014/main" val="623561333"/>
+                  </a:ext>
+                </a:extLst>
+              </a:tr>
+              <a:tr h="370840">
+                <a:tc>
+                  <a:txBody>
+                    <a:bodyPr/>
+                    <a:lstStyle/>
+                    <a:p>
+                      <a:r>
+                        <a:rPr lang="en-IN" dirty="0"/>
+                        <a:t>Profitability Criterion for reward</a:t>
+                      </a:r>
+                    </a:p>
+                  </a:txBody>
+                  <a:tcPr/>
+                </a:tc>
+                <a:extLst>
+                  <a:ext uri="{0D108BD9-81ED-4DB2-BD59-A6C34878D82A}">
+                    <a16:rowId xmlns:a16="http://schemas.microsoft.com/office/drawing/2014/main" val="4056907887"/>
+                  </a:ext>
+                </a:extLst>
+              </a:tr>
+              <a:tr h="370840">
+                <a:tc>
+                  <a:txBody>
+                    <a:bodyPr/>
+                    <a:lstStyle/>
+                    <a:p>
+                      <a:r>
+                        <a:rPr lang="en-IN" dirty="0"/>
+                        <a:t>Extensive Training and Testing</a:t>
+                      </a:r>
+                    </a:p>
+                  </a:txBody>
+                  <a:tcPr/>
+                </a:tc>
+                <a:extLst>
+                  <a:ext uri="{0D108BD9-81ED-4DB2-BD59-A6C34878D82A}">
+                    <a16:rowId xmlns:a16="http://schemas.microsoft.com/office/drawing/2014/main" val="336048122"/>
+                  </a:ext>
+                </a:extLst>
+              </a:tr>
+              <a:tr h="370840">
+                <a:tc>
+                  <a:txBody>
+                    <a:bodyPr/>
+                    <a:lstStyle/>
+                    <a:p>
+                      <a:r>
+                        <a:rPr lang="en-IN" dirty="0"/>
+                        <a:t>Generating Results and Report</a:t>
+                      </a:r>
+                    </a:p>
+                  </a:txBody>
+                  <a:tcPr/>
+                </a:tc>
+                <a:extLst>
+                  <a:ext uri="{0D108BD9-81ED-4DB2-BD59-A6C34878D82A}">
+                    <a16:rowId xmlns:a16="http://schemas.microsoft.com/office/drawing/2014/main" val="2951241734"/>
+                  </a:ext>
+                </a:extLst>
+              </a:tr>
+            </a:tbl>
+          </a:graphicData>
+        </a:graphic>
+      </p:graphicFrame>
+      <p:graphicFrame>
+        <p:nvGraphicFramePr>
+          <p:cNvPr id="5" name="Table 4">
+            <a:extLst>
+              <a:ext uri="{FF2B5EF4-FFF2-40B4-BE49-F238E27FC236}">
+                <a16:creationId xmlns:a16="http://schemas.microsoft.com/office/drawing/2014/main" id="{D0104308-182B-3EE6-990C-3FFC499AA79E}"/>
+              </a:ext>
+            </a:extLst>
+          </p:cNvPr>
+          <p:cNvGraphicFramePr>
+            <a:graphicFrameLocks noGrp="1"/>
+          </p:cNvGraphicFramePr>
+          <p:nvPr>
+            <p:extLst>
+              <p:ext uri="{D42A27DB-BD31-4B8C-83A1-F6EECF244321}">
+                <p14:modId xmlns:p14="http://schemas.microsoft.com/office/powerpoint/2010/main" val="3823281126"/>
+              </p:ext>
+            </p:extLst>
+          </p:nvPr>
+        </p:nvGraphicFramePr>
+        <p:xfrm>
+          <a:off x="5508104" y="2487919"/>
+          <a:ext cx="2664296" cy="1157105"/>
+        </p:xfrm>
+        <a:graphic>
+          <a:graphicData uri="http://schemas.openxmlformats.org/drawingml/2006/table">
+            <a:tbl>
+              <a:tblPr/>
+              <a:tblGrid>
+                <a:gridCol w="2664296">
+                  <a:extLst>
+                    <a:ext uri="{9D8B030D-6E8A-4147-A177-3AD203B41FA5}">
+                      <a16:colId xmlns:a16="http://schemas.microsoft.com/office/drawing/2014/main" val="458027778"/>
+                    </a:ext>
+                  </a:extLst>
+                </a:gridCol>
+              </a:tblGrid>
+              <a:tr h="1157105">
+                <a:tc>
+                  <a:txBody>
+                    <a:bodyPr/>
+                    <a:lstStyle/>
+                    <a:p>
+                      <a:endParaRPr lang="en-IN" dirty="0"/>
+                    </a:p>
+                    <a:p>
+                      <a:r>
+                        <a:rPr lang="en-IN" dirty="0"/>
+                        <a:t>Philip Varghese Modayil</a:t>
+                      </a:r>
+                    </a:p>
+                    <a:p>
+                      <a:r>
+                        <a:rPr lang="en-IN" dirty="0" err="1"/>
+                        <a:t>Abdulkader</a:t>
+                      </a:r>
+                      <a:r>
+                        <a:rPr lang="en-IN" dirty="0"/>
+                        <a:t> </a:t>
+                      </a:r>
+                      <a:r>
+                        <a:rPr lang="en-IN" dirty="0" err="1"/>
+                        <a:t>Motorwala</a:t>
+                      </a:r>
+                      <a:endParaRPr lang="en-IN" dirty="0"/>
+                    </a:p>
+                  </a:txBody>
+                  <a:tcPr>
+                    <a:lnL w="12700" cmpd="sng">
+                      <a:solidFill>
+                        <a:schemeClr val="tx1"/>
+                      </a:solidFill>
+                      <a:prstDash val="solid"/>
+                    </a:lnL>
+                    <a:lnR w="12700" cmpd="sng">
+                      <a:solidFill>
+                        <a:schemeClr val="tx1"/>
+                      </a:solidFill>
+                      <a:prstDash val="solid"/>
+                    </a:lnR>
+                    <a:lnT w="12700" cmpd="sng">
+                      <a:solidFill>
+                        <a:schemeClr val="tx1"/>
+                      </a:solidFill>
+                      <a:prstDash val="solid"/>
+                    </a:lnT>
+                    <a:lnB w="12700" cmpd="sng">
+                      <a:solidFill>
+                        <a:schemeClr val="tx1"/>
+                      </a:solidFill>
+                      <a:prstDash val="solid"/>
+                    </a:lnB>
+                  </a:tcPr>
+                </a:tc>
+                <a:extLst>
+                  <a:ext uri="{0D108BD9-81ED-4DB2-BD59-A6C34878D82A}">
+                    <a16:rowId xmlns:a16="http://schemas.microsoft.com/office/drawing/2014/main" val="1155678097"/>
+                  </a:ext>
+                </a:extLst>
+              </a:tr>
+            </a:tbl>
+          </a:graphicData>
+        </a:graphic>
+      </p:graphicFrame>
+      <p:graphicFrame>
+        <p:nvGraphicFramePr>
+          <p:cNvPr id="6" name="Table 5">
+            <a:extLst>
+              <a:ext uri="{FF2B5EF4-FFF2-40B4-BE49-F238E27FC236}">
+                <a16:creationId xmlns:a16="http://schemas.microsoft.com/office/drawing/2014/main" id="{E04B040F-F2EF-62E1-D192-DCF9A03BDD7F}"/>
+              </a:ext>
+            </a:extLst>
+          </p:cNvPr>
+          <p:cNvGraphicFramePr>
+            <a:graphicFrameLocks noGrp="1"/>
+          </p:cNvGraphicFramePr>
+          <p:nvPr>
+            <p:extLst>
+              <p:ext uri="{D42A27DB-BD31-4B8C-83A1-F6EECF244321}">
+                <p14:modId xmlns:p14="http://schemas.microsoft.com/office/powerpoint/2010/main" val="1478093635"/>
+              </p:ext>
+            </p:extLst>
+          </p:nvPr>
+        </p:nvGraphicFramePr>
+        <p:xfrm>
+          <a:off x="5508104" y="3645024"/>
+          <a:ext cx="2664296" cy="1469152"/>
+        </p:xfrm>
+        <a:graphic>
+          <a:graphicData uri="http://schemas.openxmlformats.org/drawingml/2006/table">
+            <a:tbl>
+              <a:tblPr/>
+              <a:tblGrid>
+                <a:gridCol w="2664296">
+                  <a:extLst>
+                    <a:ext uri="{9D8B030D-6E8A-4147-A177-3AD203B41FA5}">
+                      <a16:colId xmlns:a16="http://schemas.microsoft.com/office/drawing/2014/main" val="458027778"/>
+                    </a:ext>
+                  </a:extLst>
+                </a:gridCol>
+              </a:tblGrid>
+              <a:tr h="1469152">
+                <a:tc>
+                  <a:txBody>
+                    <a:bodyPr/>
+                    <a:lstStyle/>
+                    <a:p>
+                      <a:endParaRPr lang="en-IN" dirty="0"/>
+                    </a:p>
+                    <a:p>
+                      <a:endParaRPr lang="en-IN" dirty="0"/>
+                    </a:p>
+                    <a:p>
+                      <a:r>
+                        <a:rPr lang="en-IN" dirty="0"/>
+                        <a:t>Philip Varghese Modayil</a:t>
+                      </a:r>
+                    </a:p>
+                  </a:txBody>
+                  <a:tcPr>
+                    <a:lnL w="12700" cmpd="sng">
+                      <a:solidFill>
+                        <a:schemeClr val="tx1"/>
+                      </a:solidFill>
+                      <a:prstDash val="solid"/>
+                    </a:lnL>
+                    <a:lnR w="12700" cmpd="sng">
+                      <a:solidFill>
+                        <a:schemeClr val="tx1"/>
+                      </a:solidFill>
+                      <a:prstDash val="solid"/>
+                    </a:lnR>
+                    <a:lnT w="12700" cmpd="sng">
+                      <a:solidFill>
+                        <a:schemeClr val="tx1"/>
+                      </a:solidFill>
+                      <a:prstDash val="solid"/>
+                    </a:lnT>
+                    <a:lnB w="12700" cmpd="sng">
+                      <a:solidFill>
+                        <a:schemeClr val="tx1"/>
+                      </a:solidFill>
+                      <a:prstDash val="solid"/>
+                    </a:lnB>
+                  </a:tcPr>
+                </a:tc>
+                <a:extLst>
+                  <a:ext uri="{0D108BD9-81ED-4DB2-BD59-A6C34878D82A}">
+                    <a16:rowId xmlns:a16="http://schemas.microsoft.com/office/drawing/2014/main" val="1155678097"/>
+                  </a:ext>
+                </a:extLst>
+              </a:tr>
+            </a:tbl>
+          </a:graphicData>
+        </a:graphic>
+      </p:graphicFrame>
     </p:spTree>
     <p:extLst>
       <p:ext uri="{BB962C8B-B14F-4D97-AF65-F5344CB8AC3E}">
@@ -12386,7 +13401,7 @@
         <p:spPr>
           <a:xfrm>
             <a:off x="466725" y="1340768"/>
-            <a:ext cx="8132763" cy="1909856"/>
+            <a:ext cx="8132763" cy="1224136"/>
           </a:xfrm>
         </p:spPr>
         <p:txBody>
@@ -12396,17 +13411,15 @@
             <a:pPr algn="just"/>
             <a:r>
               <a:rPr lang="en-US" dirty="0"/>
-              <a:t>In order to achieve a range of scheduling goals, cloud computing requires a scheduler (broker) to work out how to best assign a limited number of resources to incoming activities and applications (e.g., monetary cost, computational cost, </a:t>
-            </a:r>
-            <a:r>
-              <a:rPr lang="en-US" dirty="0" err="1"/>
-              <a:t>makespan</a:t>
-            </a:r>
+              <a:t>Problem: Limited number of resources to incoming activities and applications </a:t>
+            </a:r>
+          </a:p>
+          <a:p>
+            <a:pPr algn="just"/>
             <a:r>
               <a:rPr lang="en-US" dirty="0"/>
-              <a:t>, availability, reliability, response time, resource utilization, energy consumption, etc.).</a:t>
-            </a:r>
-            <a:endParaRPr lang="en-IN" dirty="0"/>
+              <a:t>Solution: A scheduler </a:t>
+            </a:r>
           </a:p>
         </p:txBody>
       </p:sp>
@@ -12438,8 +13451,8 @@
         </p:blipFill>
         <p:spPr>
           <a:xfrm>
-            <a:off x="1871700" y="3717032"/>
-            <a:ext cx="5400600" cy="1909856"/>
+            <a:off x="1421650" y="3289067"/>
+            <a:ext cx="6300700" cy="2228165"/>
           </a:xfrm>
           <a:prstGeom prst="rect">
             <a:avLst/>
@@ -12576,38 +13589,514 @@
               <a:rPr lang="en-IN" dirty="0"/>
               <a:t>: </a:t>
             </a:r>
+          </a:p>
+          <a:p>
+            <a:pPr lvl="1" algn="just"/>
             <a:r>
               <a:rPr lang="en-US" dirty="0"/>
-              <a:t>also known as commitment on arrival, is the most powerful and ideal type of commitment: we must determine whether or not to execute a job soon after it is submitted.</a:t>
+              <a:t>Commitment on arrival.</a:t>
             </a:r>
           </a:p>
           <a:p>
             <a:pPr lvl="1" algn="just"/>
             <a:r>
               <a:rPr lang="en-US" dirty="0"/>
-              <a:t>The agreement is binding once a customer has rented infrastructure from the service provider.</a:t>
+              <a:t>Agreement is binding.</a:t>
+            </a:r>
+          </a:p>
+          <a:p>
+            <a:pPr lvl="1" algn="just"/>
+            <a:r>
+              <a:rPr lang="en-US" dirty="0"/>
+              <a:t>Penalty on breach. </a:t>
             </a:r>
           </a:p>
           <a:p>
             <a:pPr algn="just"/>
             <a:r>
               <a:rPr lang="en-IN" b="1" dirty="0"/>
-              <a:t>Legality</a:t>
+              <a:t>Legality and Slack </a:t>
             </a:r>
             <a:r>
               <a:rPr lang="en-IN" dirty="0"/>
-              <a:t>: a job scheduling is legal if completion time of job ≤ deadline of job.</a:t>
+              <a:t>: </a:t>
             </a:r>
           </a:p>
           <a:p>
             <a:pPr algn="just"/>
-            <a:r>
-              <a:rPr lang="en-IN" b="1" dirty="0"/>
-              <a:t>Slack</a:t>
-            </a:r>
-            <a:r>
-              <a:rPr lang="en-IN" dirty="0"/>
-              <a:t>: is the difference between completion time of the job if it is started on arrival and its deadline.</a:t>
+            <a:endParaRPr lang="en-IN" b="1" dirty="0"/>
+          </a:p>
+          <a:p>
+            <a:pPr algn="just"/>
+            <a:endParaRPr lang="en-IN" b="1" dirty="0"/>
+          </a:p>
+          <a:p>
+            <a:pPr marL="0" indent="0" algn="just">
+              <a:buNone/>
+            </a:pPr>
+            <a:endParaRPr lang="en-IN" b="1" dirty="0"/>
+          </a:p>
+        </p:txBody>
+      </p:sp>
+      <p:sp>
+        <p:nvSpPr>
+          <p:cNvPr id="6" name="Rectangle 5">
+            <a:extLst>
+              <a:ext uri="{FF2B5EF4-FFF2-40B4-BE49-F238E27FC236}">
+                <a16:creationId xmlns:a16="http://schemas.microsoft.com/office/drawing/2014/main" id="{01C11828-4C10-AB46-F91D-6E8B89CC70E7}"/>
+              </a:ext>
+            </a:extLst>
+          </p:cNvPr>
+          <p:cNvSpPr/>
+          <p:nvPr/>
+        </p:nvSpPr>
+        <p:spPr bwMode="auto">
+          <a:xfrm>
+            <a:off x="3275856" y="4604710"/>
+            <a:ext cx="1368152" cy="307777"/>
+          </a:xfrm>
+          <a:prstGeom prst="rect">
+            <a:avLst/>
+          </a:prstGeom>
+          <a:ln/>
+        </p:spPr>
+        <p:style>
+          <a:lnRef idx="1">
+            <a:schemeClr val="dk1"/>
+          </a:lnRef>
+          <a:fillRef idx="2">
+            <a:schemeClr val="dk1"/>
+          </a:fillRef>
+          <a:effectRef idx="1">
+            <a:schemeClr val="dk1"/>
+          </a:effectRef>
+          <a:fontRef idx="minor">
+            <a:schemeClr val="dk1"/>
+          </a:fontRef>
+        </p:style>
+        <p:txBody>
+          <a:bodyPr vert="horz" wrap="square" lIns="91440" tIns="45720" rIns="91440" bIns="45720" numCol="1" rtlCol="0" anchor="t" anchorCtr="0" compatLnSpc="1">
+            <a:prstTxWarp prst="textNoShape">
+              <a:avLst/>
+            </a:prstTxWarp>
+            <a:spAutoFit/>
+          </a:bodyPr>
+          <a:lstStyle/>
+          <a:p>
+            <a:pPr marL="0" marR="0" indent="0" algn="ctr" defTabSz="914400" rtl="0" eaLnBrk="0" fontAlgn="base" latinLnBrk="0" hangingPunct="0">
+              <a:lnSpc>
+                <a:spcPct val="100000"/>
+              </a:lnSpc>
+              <a:spcBef>
+                <a:spcPct val="50000"/>
+              </a:spcBef>
+              <a:spcAft>
+                <a:spcPct val="0"/>
+              </a:spcAft>
+              <a:buClrTx/>
+              <a:buSzTx/>
+              <a:buFontTx/>
+              <a:buNone/>
+              <a:tabLst/>
+            </a:pPr>
+            <a:r>
+              <a:rPr lang="en-IN" b="0" i="0" dirty="0" err="1">
+                <a:solidFill>
+                  <a:schemeClr val="tx1"/>
+                </a:solidFill>
+                <a:latin typeface="Arial" panose="020B0604020202020204" pitchFamily="34" charset="0"/>
+                <a:ea typeface="ヒラギノ角ゴ Pro W3" pitchFamily="96" charset="-128"/>
+              </a:rPr>
+              <a:t>Pj</a:t>
+            </a:r>
+            <a:r>
+              <a:rPr lang="en-IN" b="0" i="0" dirty="0">
+                <a:solidFill>
+                  <a:schemeClr val="tx1"/>
+                </a:solidFill>
+                <a:latin typeface="Arial" panose="020B0604020202020204" pitchFamily="34" charset="0"/>
+                <a:ea typeface="ヒラギノ角ゴ Pro W3" pitchFamily="96" charset="-128"/>
+              </a:rPr>
+              <a:t> = 10</a:t>
+            </a:r>
+            <a:endParaRPr kumimoji="0" lang="en-IN" sz="1400" b="0" i="0" u="none" strike="noStrike" cap="none" normalizeH="0" baseline="0" dirty="0">
+              <a:ln>
+                <a:noFill/>
+              </a:ln>
+              <a:solidFill>
+                <a:schemeClr val="tx1"/>
+              </a:solidFill>
+              <a:effectLst/>
+              <a:latin typeface="Arial" panose="020B0604020202020204" pitchFamily="34" charset="0"/>
+              <a:ea typeface="ヒラギノ角ゴ Pro W3" pitchFamily="96" charset="-128"/>
+            </a:endParaRPr>
+          </a:p>
+        </p:txBody>
+      </p:sp>
+      <p:cxnSp>
+        <p:nvCxnSpPr>
+          <p:cNvPr id="8" name="Straight Connector 7">
+            <a:extLst>
+              <a:ext uri="{FF2B5EF4-FFF2-40B4-BE49-F238E27FC236}">
+                <a16:creationId xmlns:a16="http://schemas.microsoft.com/office/drawing/2014/main" id="{6009B89D-C67B-855C-94FA-22F7EE134986}"/>
+              </a:ext>
+            </a:extLst>
+          </p:cNvPr>
+          <p:cNvCxnSpPr>
+            <a:cxnSpLocks/>
+          </p:cNvCxnSpPr>
+          <p:nvPr/>
+        </p:nvCxnSpPr>
+        <p:spPr bwMode="auto">
+          <a:xfrm>
+            <a:off x="3274802" y="4604710"/>
+            <a:ext cx="1054" cy="764233"/>
+          </a:xfrm>
+          <a:prstGeom prst="line">
+            <a:avLst/>
+          </a:prstGeom>
+          <a:ln w="9525" cap="flat" cmpd="sng" algn="ctr">
+            <a:solidFill>
+              <a:schemeClr val="accent4"/>
+            </a:solidFill>
+            <a:prstDash val="dash"/>
+            <a:round/>
+            <a:headEnd type="none" w="med" len="med"/>
+            <a:tailEnd type="none" w="med" len="med"/>
+          </a:ln>
+        </p:spPr>
+        <p:style>
+          <a:lnRef idx="0">
+            <a:scrgbClr r="0" g="0" b="0"/>
+          </a:lnRef>
+          <a:fillRef idx="0">
+            <a:scrgbClr r="0" g="0" b="0"/>
+          </a:fillRef>
+          <a:effectRef idx="0">
+            <a:scrgbClr r="0" g="0" b="0"/>
+          </a:effectRef>
+          <a:fontRef idx="minor">
+            <a:schemeClr val="tx1"/>
+          </a:fontRef>
+        </p:style>
+      </p:cxnSp>
+      <p:cxnSp>
+        <p:nvCxnSpPr>
+          <p:cNvPr id="11" name="Straight Connector 10">
+            <a:extLst>
+              <a:ext uri="{FF2B5EF4-FFF2-40B4-BE49-F238E27FC236}">
+                <a16:creationId xmlns:a16="http://schemas.microsoft.com/office/drawing/2014/main" id="{101C77CA-1B18-8DA2-5E23-125CF5BAF54D}"/>
+              </a:ext>
+            </a:extLst>
+          </p:cNvPr>
+          <p:cNvCxnSpPr>
+            <a:cxnSpLocks/>
+          </p:cNvCxnSpPr>
+          <p:nvPr/>
+        </p:nvCxnSpPr>
+        <p:spPr bwMode="auto">
+          <a:xfrm>
+            <a:off x="5364088" y="4148254"/>
+            <a:ext cx="1054" cy="764233"/>
+          </a:xfrm>
+          <a:prstGeom prst="line">
+            <a:avLst/>
+          </a:prstGeom>
+          <a:ln w="9525" cap="flat" cmpd="sng" algn="ctr">
+            <a:solidFill>
+              <a:schemeClr val="accent4"/>
+            </a:solidFill>
+            <a:prstDash val="dash"/>
+            <a:round/>
+            <a:headEnd type="none" w="med" len="med"/>
+            <a:tailEnd type="none" w="med" len="med"/>
+          </a:ln>
+        </p:spPr>
+        <p:style>
+          <a:lnRef idx="0">
+            <a:scrgbClr r="0" g="0" b="0"/>
+          </a:lnRef>
+          <a:fillRef idx="0">
+            <a:scrgbClr r="0" g="0" b="0"/>
+          </a:fillRef>
+          <a:effectRef idx="0">
+            <a:scrgbClr r="0" g="0" b="0"/>
+          </a:effectRef>
+          <a:fontRef idx="minor">
+            <a:schemeClr val="tx1"/>
+          </a:fontRef>
+        </p:style>
+      </p:cxnSp>
+      <p:sp>
+        <p:nvSpPr>
+          <p:cNvPr id="12" name="TextBox 11">
+            <a:extLst>
+              <a:ext uri="{FF2B5EF4-FFF2-40B4-BE49-F238E27FC236}">
+                <a16:creationId xmlns:a16="http://schemas.microsoft.com/office/drawing/2014/main" id="{56CA1CF0-D8DC-921C-5977-F254A5B2A2D6}"/>
+              </a:ext>
+            </a:extLst>
+          </p:cNvPr>
+          <p:cNvSpPr txBox="1"/>
+          <p:nvPr/>
+        </p:nvSpPr>
+        <p:spPr>
+          <a:xfrm>
+            <a:off x="3309332" y="4986826"/>
+            <a:ext cx="1368152" cy="523220"/>
+          </a:xfrm>
+          <a:prstGeom prst="rect">
+            <a:avLst/>
+          </a:prstGeom>
+          <a:noFill/>
+        </p:spPr>
+        <p:txBody>
+          <a:bodyPr wrap="square" rtlCol="0">
+            <a:spAutoFit/>
+          </a:bodyPr>
+          <a:lstStyle/>
+          <a:p>
+            <a:r>
+              <a:rPr lang="en-IN" b="0" i="0" dirty="0"/>
+              <a:t>Completion at t = 10</a:t>
+            </a:r>
+          </a:p>
+        </p:txBody>
+      </p:sp>
+      <p:sp>
+        <p:nvSpPr>
+          <p:cNvPr id="13" name="TextBox 12">
+            <a:extLst>
+              <a:ext uri="{FF2B5EF4-FFF2-40B4-BE49-F238E27FC236}">
+                <a16:creationId xmlns:a16="http://schemas.microsoft.com/office/drawing/2014/main" id="{E70E1343-EDAA-6954-C829-FD0A192B7B7C}"/>
+              </a:ext>
+            </a:extLst>
+          </p:cNvPr>
+          <p:cNvSpPr txBox="1"/>
+          <p:nvPr/>
+        </p:nvSpPr>
+        <p:spPr>
+          <a:xfrm>
+            <a:off x="5518097" y="4389267"/>
+            <a:ext cx="1353942" cy="630942"/>
+          </a:xfrm>
+          <a:prstGeom prst="rect">
+            <a:avLst/>
+          </a:prstGeom>
+          <a:noFill/>
+        </p:spPr>
+        <p:txBody>
+          <a:bodyPr wrap="square" rtlCol="0">
+            <a:spAutoFit/>
+          </a:bodyPr>
+          <a:lstStyle/>
+          <a:p>
+            <a:r>
+              <a:rPr lang="en-IN" b="0" i="0" dirty="0"/>
+              <a:t>Deadline at</a:t>
+            </a:r>
+          </a:p>
+          <a:p>
+            <a:r>
+              <a:rPr lang="en-IN" b="0" i="0" dirty="0"/>
+              <a:t>t = 15</a:t>
+            </a:r>
+          </a:p>
+        </p:txBody>
+      </p:sp>
+      <p:sp>
+        <p:nvSpPr>
+          <p:cNvPr id="14" name="TextBox 13">
+            <a:extLst>
+              <a:ext uri="{FF2B5EF4-FFF2-40B4-BE49-F238E27FC236}">
+                <a16:creationId xmlns:a16="http://schemas.microsoft.com/office/drawing/2014/main" id="{4A811A24-38BB-385C-2BCC-548FEB2B59F4}"/>
+              </a:ext>
+            </a:extLst>
+          </p:cNvPr>
+          <p:cNvSpPr txBox="1"/>
+          <p:nvPr/>
+        </p:nvSpPr>
+        <p:spPr>
+          <a:xfrm>
+            <a:off x="2059050" y="5207312"/>
+            <a:ext cx="1214650" cy="523220"/>
+          </a:xfrm>
+          <a:prstGeom prst="rect">
+            <a:avLst/>
+          </a:prstGeom>
+          <a:noFill/>
+        </p:spPr>
+        <p:txBody>
+          <a:bodyPr wrap="square" rtlCol="0">
+            <a:spAutoFit/>
+          </a:bodyPr>
+          <a:lstStyle/>
+          <a:p>
+            <a:r>
+              <a:rPr lang="en-IN" b="0" i="0" dirty="0"/>
+              <a:t>Scheduled at t = 0</a:t>
+            </a:r>
+          </a:p>
+        </p:txBody>
+      </p:sp>
+      <p:cxnSp>
+        <p:nvCxnSpPr>
+          <p:cNvPr id="15" name="Straight Connector 14">
+            <a:extLst>
+              <a:ext uri="{FF2B5EF4-FFF2-40B4-BE49-F238E27FC236}">
+                <a16:creationId xmlns:a16="http://schemas.microsoft.com/office/drawing/2014/main" id="{E89DCC5E-5CBE-B39C-6846-00CDD8D3EBFD}"/>
+              </a:ext>
+            </a:extLst>
+          </p:cNvPr>
+          <p:cNvCxnSpPr>
+            <a:cxnSpLocks/>
+          </p:cNvCxnSpPr>
+          <p:nvPr/>
+        </p:nvCxnSpPr>
+        <p:spPr bwMode="auto">
+          <a:xfrm>
+            <a:off x="4642954" y="4607374"/>
+            <a:ext cx="1054" cy="764233"/>
+          </a:xfrm>
+          <a:prstGeom prst="line">
+            <a:avLst/>
+          </a:prstGeom>
+          <a:ln w="9525" cap="flat" cmpd="sng" algn="ctr">
+            <a:solidFill>
+              <a:schemeClr val="accent4"/>
+            </a:solidFill>
+            <a:prstDash val="dash"/>
+            <a:round/>
+            <a:headEnd type="none" w="med" len="med"/>
+            <a:tailEnd type="none" w="med" len="med"/>
+          </a:ln>
+        </p:spPr>
+        <p:style>
+          <a:lnRef idx="0">
+            <a:scrgbClr r="0" g="0" b="0"/>
+          </a:lnRef>
+          <a:fillRef idx="0">
+            <a:scrgbClr r="0" g="0" b="0"/>
+          </a:fillRef>
+          <a:effectRef idx="0">
+            <a:scrgbClr r="0" g="0" b="0"/>
+          </a:effectRef>
+          <a:fontRef idx="minor">
+            <a:schemeClr val="tx1"/>
+          </a:fontRef>
+        </p:style>
+      </p:cxnSp>
+      <p:sp>
+        <p:nvSpPr>
+          <p:cNvPr id="16" name="TextBox 15">
+            <a:extLst>
+              <a:ext uri="{FF2B5EF4-FFF2-40B4-BE49-F238E27FC236}">
+                <a16:creationId xmlns:a16="http://schemas.microsoft.com/office/drawing/2014/main" id="{00A607AE-4693-F704-DFED-A6805EAA29DA}"/>
+              </a:ext>
+            </a:extLst>
+          </p:cNvPr>
+          <p:cNvSpPr txBox="1"/>
+          <p:nvPr/>
+        </p:nvSpPr>
+        <p:spPr>
+          <a:xfrm>
+            <a:off x="1981927" y="4466726"/>
+            <a:ext cx="1214650" cy="630942"/>
+          </a:xfrm>
+          <a:prstGeom prst="rect">
+            <a:avLst/>
+          </a:prstGeom>
+          <a:noFill/>
+        </p:spPr>
+        <p:txBody>
+          <a:bodyPr wrap="square" rtlCol="0">
+            <a:spAutoFit/>
+          </a:bodyPr>
+          <a:lstStyle/>
+          <a:p>
+            <a:r>
+              <a:rPr lang="en-IN" b="0" i="0" dirty="0"/>
+              <a:t>Arrival</a:t>
+            </a:r>
+          </a:p>
+          <a:p>
+            <a:r>
+              <a:rPr lang="en-IN" b="0" i="0" dirty="0"/>
+              <a:t> at t = 0</a:t>
+            </a:r>
+          </a:p>
+        </p:txBody>
+      </p:sp>
+      <p:cxnSp>
+        <p:nvCxnSpPr>
+          <p:cNvPr id="18" name="Straight Arrow Connector 17">
+            <a:extLst>
+              <a:ext uri="{FF2B5EF4-FFF2-40B4-BE49-F238E27FC236}">
+                <a16:creationId xmlns:a16="http://schemas.microsoft.com/office/drawing/2014/main" id="{77B9D1F2-0481-7769-8D02-83D9E7B591CD}"/>
+              </a:ext>
+            </a:extLst>
+          </p:cNvPr>
+          <p:cNvCxnSpPr/>
+          <p:nvPr/>
+        </p:nvCxnSpPr>
+        <p:spPr bwMode="auto">
+          <a:xfrm>
+            <a:off x="4677484" y="4912487"/>
+            <a:ext cx="614596" cy="0"/>
+          </a:xfrm>
+          <a:prstGeom prst="straightConnector1">
+            <a:avLst/>
+          </a:prstGeom>
+          <a:ln>
+            <a:headEnd type="triangle"/>
+            <a:tailEnd type="triangle"/>
+          </a:ln>
+        </p:spPr>
+        <p:style>
+          <a:lnRef idx="3">
+            <a:schemeClr val="accent4"/>
+          </a:lnRef>
+          <a:fillRef idx="0">
+            <a:schemeClr val="accent4"/>
+          </a:fillRef>
+          <a:effectRef idx="2">
+            <a:schemeClr val="accent4"/>
+          </a:effectRef>
+          <a:fontRef idx="minor">
+            <a:schemeClr val="tx1"/>
+          </a:fontRef>
+        </p:style>
+      </p:cxnSp>
+      <p:sp>
+        <p:nvSpPr>
+          <p:cNvPr id="19" name="TextBox 18">
+            <a:extLst>
+              <a:ext uri="{FF2B5EF4-FFF2-40B4-BE49-F238E27FC236}">
+                <a16:creationId xmlns:a16="http://schemas.microsoft.com/office/drawing/2014/main" id="{59E383AF-0B6A-5D28-CB75-4ADE1077B239}"/>
+              </a:ext>
+            </a:extLst>
+          </p:cNvPr>
+          <p:cNvSpPr txBox="1"/>
+          <p:nvPr/>
+        </p:nvSpPr>
+        <p:spPr>
+          <a:xfrm>
+            <a:off x="4490466" y="5147166"/>
+            <a:ext cx="1214650" cy="307777"/>
+          </a:xfrm>
+          <a:prstGeom prst="rect">
+            <a:avLst/>
+          </a:prstGeom>
+          <a:noFill/>
+        </p:spPr>
+        <p:txBody>
+          <a:bodyPr wrap="square" rtlCol="0">
+            <a:spAutoFit/>
+          </a:bodyPr>
+          <a:lstStyle/>
+          <a:p>
+            <a:r>
+              <a:rPr lang="en-IN" b="0" i="0" dirty="0"/>
+              <a:t>Slack </a:t>
             </a:r>
           </a:p>
         </p:txBody>
@@ -12642,126 +14131,454 @@
           <a:chExt cx="0" cy="0"/>
         </a:xfrm>
       </p:grpSpPr>
-      <p:sp>
-        <p:nvSpPr>
-          <p:cNvPr id="2" name="Title 1">
-            <a:extLst>
-              <a:ext uri="{FF2B5EF4-FFF2-40B4-BE49-F238E27FC236}">
-                <a16:creationId xmlns:a16="http://schemas.microsoft.com/office/drawing/2014/main" id="{244D3917-F217-D7F4-E048-2BF3C6F45F40}"/>
-              </a:ext>
-            </a:extLst>
-          </p:cNvPr>
-          <p:cNvSpPr>
-            <a:spLocks noGrp="1"/>
-          </p:cNvSpPr>
-          <p:nvPr>
-            <p:ph type="title"/>
-          </p:nvPr>
-        </p:nvSpPr>
-        <p:spPr/>
-        <p:txBody>
-          <a:bodyPr/>
-          <a:lstStyle/>
-          <a:p>
-            <a:r>
-              <a:rPr lang="en-IN" dirty="0"/>
-              <a:t>Problem Scenario</a:t>
-            </a:r>
-          </a:p>
-        </p:txBody>
-      </p:sp>
-      <p:sp>
-        <p:nvSpPr>
-          <p:cNvPr id="3" name="Content Placeholder 2">
-            <a:extLst>
-              <a:ext uri="{FF2B5EF4-FFF2-40B4-BE49-F238E27FC236}">
-                <a16:creationId xmlns:a16="http://schemas.microsoft.com/office/drawing/2014/main" id="{E2C756CD-5D88-8551-E9A1-774C94F24CF3}"/>
-              </a:ext>
-            </a:extLst>
-          </p:cNvPr>
-          <p:cNvSpPr>
-            <a:spLocks noGrp="1"/>
-          </p:cNvSpPr>
-          <p:nvPr>
-            <p:ph idx="1"/>
-          </p:nvPr>
-        </p:nvSpPr>
-        <p:spPr>
-          <a:xfrm>
-            <a:off x="466725" y="2133600"/>
-            <a:ext cx="4105275" cy="3962400"/>
-          </a:xfrm>
-        </p:spPr>
-        <p:txBody>
-          <a:bodyPr/>
-          <a:lstStyle/>
-          <a:p>
-            <a:pPr algn="just"/>
-            <a:r>
-              <a:rPr lang="en-US" dirty="0"/>
-              <a:t>This project aims at:</a:t>
-            </a:r>
-          </a:p>
-          <a:p>
-            <a:pPr lvl="1" algn="just"/>
-            <a:r>
-              <a:rPr lang="en-US" dirty="0"/>
-              <a:t> studying the possibilities for the machine to learn something from the job scheduling environment to maximize machine utilization.</a:t>
-            </a:r>
-          </a:p>
-          <a:p>
-            <a:pPr lvl="1" algn="just"/>
-            <a:r>
-              <a:rPr lang="en-US" dirty="0"/>
-              <a:t>The machine should then be able to accept or reject the incoming job with immediate commitment, based on its judgement of the current states of the machines and the properties of the incoming job.</a:t>
-            </a:r>
-          </a:p>
-          <a:p>
-            <a:pPr algn="just"/>
-            <a:endParaRPr lang="en-IN" dirty="0"/>
-          </a:p>
-        </p:txBody>
-      </p:sp>
-      <p:pic>
-        <p:nvPicPr>
-          <p:cNvPr id="5" name="Picture 4">
-            <a:extLst>
-              <a:ext uri="{FF2B5EF4-FFF2-40B4-BE49-F238E27FC236}">
-                <a16:creationId xmlns:a16="http://schemas.microsoft.com/office/drawing/2014/main" id="{94983502-F26E-AA89-70A4-4EF6366CA2A5}"/>
-              </a:ext>
-            </a:extLst>
-          </p:cNvPr>
-          <p:cNvPicPr>
-            <a:picLocks noChangeAspect="1"/>
-          </p:cNvPicPr>
-          <p:nvPr/>
-        </p:nvPicPr>
-        <p:blipFill>
-          <a:blip r:embed="rId2">
-            <a:extLst>
-              <a:ext uri="{28A0092B-C50C-407E-A947-70E740481C1C}">
-                <a14:useLocalDpi xmlns:a14="http://schemas.microsoft.com/office/drawing/2010/main" val="0"/>
-              </a:ext>
-            </a:extLst>
-          </a:blip>
-          <a:stretch>
-            <a:fillRect/>
-          </a:stretch>
-        </p:blipFill>
-        <p:spPr>
-          <a:xfrm>
-            <a:off x="4860032" y="1616894"/>
-            <a:ext cx="3615343" cy="3624211"/>
-          </a:xfrm>
-          <a:prstGeom prst="rect">
-            <a:avLst/>
-          </a:prstGeom>
-        </p:spPr>
-      </p:pic>
+      <mc:AlternateContent xmlns:mc="http://schemas.openxmlformats.org/markup-compatibility/2006">
+        <mc:Choice xmlns:a14="http://schemas.microsoft.com/office/drawing/2010/main" Requires="a14">
+          <p:sp>
+            <p:nvSpPr>
+              <p:cNvPr id="3" name="Content Placeholder 2">
+                <a:extLst>
+                  <a:ext uri="{FF2B5EF4-FFF2-40B4-BE49-F238E27FC236}">
+                    <a16:creationId xmlns:a16="http://schemas.microsoft.com/office/drawing/2014/main" id="{8E287853-BB0E-5727-EA73-B6E7B685FDFF}"/>
+                  </a:ext>
+                </a:extLst>
+              </p:cNvPr>
+              <p:cNvSpPr>
+                <a:spLocks noGrp="1"/>
+              </p:cNvSpPr>
+              <p:nvPr>
+                <p:ph idx="1"/>
+              </p:nvPr>
+            </p:nvSpPr>
+            <p:spPr>
+              <a:xfrm>
+                <a:off x="505618" y="1447800"/>
+                <a:ext cx="8132763" cy="3962400"/>
+              </a:xfrm>
+            </p:spPr>
+            <p:txBody>
+              <a:bodyPr/>
+              <a:lstStyle/>
+              <a:p>
+                <a:r>
+                  <a:rPr lang="en-IN" b="1" dirty="0"/>
+                  <a:t>Tight slack </a:t>
+                </a:r>
+                <a:r>
+                  <a:rPr lang="en-IN" dirty="0"/>
+                  <a:t>if:</a:t>
+                </a:r>
+              </a:p>
+              <a:p>
+                <a:endParaRPr lang="en-IN" dirty="0"/>
+              </a:p>
+              <a:p>
+                <a:endParaRPr lang="en-IN" dirty="0"/>
+              </a:p>
+              <a:p>
+                <a:endParaRPr lang="en-IN" dirty="0"/>
+              </a:p>
+              <a:p>
+                <a:endParaRPr lang="en-IN" dirty="0"/>
+              </a:p>
+              <a:p>
+                <a14:m>
+                  <m:oMath xmlns:m="http://schemas.openxmlformats.org/officeDocument/2006/math">
+                    <m:sSub>
+                      <m:sSubPr>
+                        <m:ctrlPr>
+                          <a:rPr lang="en-IN" b="1" smtClean="0">
+                            <a:latin typeface="+mj-lt"/>
+                            <a:ea typeface="Cambria Math" panose="02040503050406030204" pitchFamily="18" charset="0"/>
+                          </a:rPr>
+                        </m:ctrlPr>
+                      </m:sSubPr>
+                      <m:e>
+                        <m:r>
+                          <a:rPr lang="en-IN" b="1" i="0" smtClean="0">
+                            <a:latin typeface="+mj-lt"/>
+                            <a:ea typeface="Cambria Math" panose="02040503050406030204" pitchFamily="18" charset="0"/>
+                          </a:rPr>
+                          <m:t>𝐩</m:t>
+                        </m:r>
+                      </m:e>
+                      <m:sub>
+                        <m:r>
+                          <a:rPr lang="en-IN" b="1" i="0" smtClean="0">
+                            <a:latin typeface="+mj-lt"/>
+                            <a:ea typeface="Cambria Math" panose="02040503050406030204" pitchFamily="18" charset="0"/>
+                          </a:rPr>
+                          <m:t>𝐣</m:t>
+                        </m:r>
+                      </m:sub>
+                    </m:sSub>
+                    <m:r>
+                      <a:rPr lang="en-IN" b="1" i="0" smtClean="0">
+                        <a:latin typeface="+mj-lt"/>
+                        <a:ea typeface="Cambria Math" panose="02040503050406030204" pitchFamily="18" charset="0"/>
+                      </a:rPr>
+                      <m:t> </m:t>
+                    </m:r>
+                  </m:oMath>
+                </a14:m>
+                <a:r>
+                  <a:rPr lang="en-IN" dirty="0"/>
+                  <a:t>: processing time of the job.</a:t>
+                </a:r>
+              </a:p>
+              <a:p>
+                <a14:m>
+                  <m:oMath xmlns:m="http://schemas.openxmlformats.org/officeDocument/2006/math">
+                    <m:sSub>
+                      <m:sSubPr>
+                        <m:ctrlPr>
+                          <a:rPr lang="en-IN" b="1" i="1" smtClean="0">
+                            <a:latin typeface="Cambria Math" panose="02040503050406030204" pitchFamily="18" charset="0"/>
+                            <a:ea typeface="Cambria Math" panose="02040503050406030204" pitchFamily="18" charset="0"/>
+                          </a:rPr>
+                        </m:ctrlPr>
+                      </m:sSubPr>
+                      <m:e>
+                        <m:r>
+                          <a:rPr lang="en-IN" b="1" i="1" smtClean="0">
+                            <a:latin typeface="Cambria Math" panose="02040503050406030204" pitchFamily="18" charset="0"/>
+                            <a:ea typeface="Cambria Math" panose="02040503050406030204" pitchFamily="18" charset="0"/>
+                          </a:rPr>
+                          <m:t>𝒓</m:t>
+                        </m:r>
+                      </m:e>
+                      <m:sub>
+                        <m:r>
+                          <a:rPr lang="en-IN" b="1" i="1" smtClean="0">
+                            <a:latin typeface="Cambria Math" panose="02040503050406030204" pitchFamily="18" charset="0"/>
+                            <a:ea typeface="Cambria Math" panose="02040503050406030204" pitchFamily="18" charset="0"/>
+                          </a:rPr>
+                          <m:t>𝒋</m:t>
+                        </m:r>
+                      </m:sub>
+                    </m:sSub>
+                  </m:oMath>
+                </a14:m>
+                <a:r>
+                  <a:rPr lang="en-IN" b="0" dirty="0">
+                    <a:ea typeface="Cambria Math" panose="02040503050406030204" pitchFamily="18" charset="0"/>
+                  </a:rPr>
+                  <a:t> : release date of the job.</a:t>
+                </a:r>
+              </a:p>
+              <a:p>
+                <a14:m>
+                  <m:oMath xmlns:m="http://schemas.openxmlformats.org/officeDocument/2006/math">
+                    <m:sSub>
+                      <m:sSubPr>
+                        <m:ctrlPr>
+                          <a:rPr lang="en-IN" b="1" smtClean="0"/>
+                        </m:ctrlPr>
+                      </m:sSubPr>
+                      <m:e>
+                        <m:r>
+                          <a:rPr lang="en-IN" b="1" i="0" smtClean="0"/>
+                          <m:t>𝐝</m:t>
+                        </m:r>
+                      </m:e>
+                      <m:sub>
+                        <m:r>
+                          <a:rPr lang="en-IN" b="1" i="0" smtClean="0"/>
+                          <m:t>𝐣</m:t>
+                        </m:r>
+                      </m:sub>
+                    </m:sSub>
+                    <m:r>
+                      <a:rPr lang="en-IN" b="1" i="0" smtClean="0"/>
+                      <m:t> </m:t>
+                    </m:r>
+                  </m:oMath>
+                </a14:m>
+                <a:r>
+                  <a:rPr lang="en-IN" dirty="0"/>
+                  <a:t>: deadline of the job.</a:t>
+                </a:r>
+              </a:p>
+              <a:p>
+                <a:r>
+                  <a:rPr lang="en-IN" b="1" dirty="0"/>
+                  <a:t>m</a:t>
+                </a:r>
+                <a:r>
+                  <a:rPr lang="en-IN" dirty="0"/>
+                  <a:t> : number of machines</a:t>
+                </a:r>
+              </a:p>
+            </p:txBody>
+          </p:sp>
+        </mc:Choice>
+        <mc:Fallback>
+          <p:sp>
+            <p:nvSpPr>
+              <p:cNvPr id="3" name="Content Placeholder 2">
+                <a:extLst>
+                  <a:ext uri="{FF2B5EF4-FFF2-40B4-BE49-F238E27FC236}">
+                    <a16:creationId xmlns:a16="http://schemas.microsoft.com/office/drawing/2014/main" id="{8E287853-BB0E-5727-EA73-B6E7B685FDFF}"/>
+                  </a:ext>
+                </a:extLst>
+              </p:cNvPr>
+              <p:cNvSpPr>
+                <a:spLocks noGrp="1" noRot="1" noChangeAspect="1" noMove="1" noResize="1" noEditPoints="1" noAdjustHandles="1" noChangeArrowheads="1" noChangeShapeType="1" noTextEdit="1"/>
+              </p:cNvSpPr>
+              <p:nvPr>
+                <p:ph idx="1"/>
+              </p:nvPr>
+            </p:nvSpPr>
+            <p:spPr>
+              <a:xfrm>
+                <a:off x="505618" y="1447800"/>
+                <a:ext cx="8132763" cy="3962400"/>
+              </a:xfrm>
+              <a:blipFill>
+                <a:blip r:embed="rId2"/>
+                <a:stretch>
+                  <a:fillRect l="-675" t="-769"/>
+                </a:stretch>
+              </a:blipFill>
+            </p:spPr>
+            <p:txBody>
+              <a:bodyPr/>
+              <a:lstStyle/>
+              <a:p>
+                <a:r>
+                  <a:rPr lang="en-IN">
+                    <a:noFill/>
+                  </a:rPr>
+                  <a:t> </a:t>
+                </a:r>
+              </a:p>
+            </p:txBody>
+          </p:sp>
+        </mc:Fallback>
+      </mc:AlternateContent>
+      <mc:AlternateContent xmlns:mc="http://schemas.openxmlformats.org/markup-compatibility/2006">
+        <mc:Choice xmlns:a14="http://schemas.microsoft.com/office/drawing/2010/main" Requires="a14">
+          <p:sp>
+            <p:nvSpPr>
+              <p:cNvPr id="4" name="TextBox 3">
+                <a:extLst>
+                  <a:ext uri="{FF2B5EF4-FFF2-40B4-BE49-F238E27FC236}">
+                    <a16:creationId xmlns:a16="http://schemas.microsoft.com/office/drawing/2014/main" id="{3C400FCA-751E-423D-5FD1-3684E6BC1614}"/>
+                  </a:ext>
+                </a:extLst>
+              </p:cNvPr>
+              <p:cNvSpPr txBox="1"/>
+              <p:nvPr/>
+            </p:nvSpPr>
+            <p:spPr>
+              <a:xfrm>
+                <a:off x="3312411" y="2204864"/>
+                <a:ext cx="2519175" cy="336887"/>
+              </a:xfrm>
+              <a:prstGeom prst="rect">
+                <a:avLst/>
+              </a:prstGeom>
+              <a:noFill/>
+            </p:spPr>
+            <p:txBody>
+              <a:bodyPr wrap="square" lIns="0" tIns="0" rIns="0" bIns="0" rtlCol="0">
+                <a:spAutoFit/>
+              </a:bodyPr>
+              <a:lstStyle/>
+              <a:p>
+                <a14:m>
+                  <m:oMathPara xmlns:m="http://schemas.openxmlformats.org/officeDocument/2006/math">
+                    <m:oMathParaPr>
+                      <m:jc m:val="centerGroup"/>
+                    </m:oMathParaPr>
+                    <m:oMath xmlns:m="http://schemas.openxmlformats.org/officeDocument/2006/math">
+                      <m:sSub>
+                        <m:sSubPr>
+                          <m:ctrlPr>
+                            <a:rPr lang="en-IN" sz="2000" b="1" i="1" smtClean="0">
+                              <a:latin typeface="Cambria Math" panose="02040503050406030204" pitchFamily="18" charset="0"/>
+                              <a:ea typeface="Cambria Math" panose="02040503050406030204" pitchFamily="18" charset="0"/>
+                            </a:rPr>
+                          </m:ctrlPr>
+                        </m:sSubPr>
+                        <m:e>
+                          <m:r>
+                            <a:rPr lang="en-IN" sz="2000" b="1" i="1" smtClean="0">
+                              <a:latin typeface="Cambria Math" panose="02040503050406030204" pitchFamily="18" charset="0"/>
+                              <a:ea typeface="Cambria Math" panose="02040503050406030204" pitchFamily="18" charset="0"/>
+                            </a:rPr>
+                            <m:t>𝒅</m:t>
+                          </m:r>
+                        </m:e>
+                        <m:sub>
+                          <m:r>
+                            <a:rPr lang="en-IN" sz="2000" b="1" i="1" smtClean="0">
+                              <a:latin typeface="Cambria Math" panose="02040503050406030204" pitchFamily="18" charset="0"/>
+                              <a:ea typeface="Cambria Math" panose="02040503050406030204" pitchFamily="18" charset="0"/>
+                            </a:rPr>
+                            <m:t>𝒋</m:t>
+                          </m:r>
+                        </m:sub>
+                      </m:sSub>
+                      <m:r>
+                        <a:rPr lang="en-IN" sz="2000" b="1" i="1" smtClean="0">
+                          <a:latin typeface="Cambria Math" panose="02040503050406030204" pitchFamily="18" charset="0"/>
+                          <a:ea typeface="Cambria Math" panose="02040503050406030204" pitchFamily="18" charset="0"/>
+                        </a:rPr>
+                        <m:t>≥ </m:t>
+                      </m:r>
+                      <m:d>
+                        <m:dPr>
+                          <m:ctrlPr>
+                            <a:rPr lang="en-IN" sz="2000" b="1" i="1" smtClean="0">
+                              <a:latin typeface="Cambria Math" panose="02040503050406030204" pitchFamily="18" charset="0"/>
+                              <a:ea typeface="Cambria Math" panose="02040503050406030204" pitchFamily="18" charset="0"/>
+                            </a:rPr>
+                          </m:ctrlPr>
+                        </m:dPr>
+                        <m:e>
+                          <m:r>
+                            <a:rPr lang="en-IN" sz="2000" b="1" i="1" smtClean="0">
+                              <a:latin typeface="Cambria Math" panose="02040503050406030204" pitchFamily="18" charset="0"/>
+                              <a:ea typeface="Cambria Math" panose="02040503050406030204" pitchFamily="18" charset="0"/>
+                            </a:rPr>
+                            <m:t>𝟏</m:t>
+                          </m:r>
+                          <m:r>
+                            <a:rPr lang="en-IN" sz="2000" b="1" i="1" smtClean="0">
+                              <a:latin typeface="Cambria Math" panose="02040503050406030204" pitchFamily="18" charset="0"/>
+                              <a:ea typeface="Cambria Math" panose="02040503050406030204" pitchFamily="18" charset="0"/>
+                            </a:rPr>
+                            <m:t>+ </m:t>
+                          </m:r>
+                          <m:r>
+                            <a:rPr lang="en-IN" sz="2000" i="1" smtClean="0">
+                              <a:latin typeface="Cambria Math" panose="02040503050406030204" pitchFamily="18" charset="0"/>
+                              <a:ea typeface="Cambria Math" panose="02040503050406030204" pitchFamily="18" charset="0"/>
+                            </a:rPr>
+                            <m:t>∈</m:t>
+                          </m:r>
+                        </m:e>
+                      </m:d>
+                      <m:sSub>
+                        <m:sSubPr>
+                          <m:ctrlPr>
+                            <a:rPr lang="en-IN" sz="2000" b="1" i="1" smtClean="0">
+                              <a:latin typeface="Cambria Math" panose="02040503050406030204" pitchFamily="18" charset="0"/>
+                              <a:ea typeface="Cambria Math" panose="02040503050406030204" pitchFamily="18" charset="0"/>
+                            </a:rPr>
+                          </m:ctrlPr>
+                        </m:sSubPr>
+                        <m:e>
+                          <m:r>
+                            <a:rPr lang="en-IN" sz="2000" b="1" i="1" smtClean="0">
+                              <a:latin typeface="Cambria Math" panose="02040503050406030204" pitchFamily="18" charset="0"/>
+                              <a:ea typeface="Cambria Math" panose="02040503050406030204" pitchFamily="18" charset="0"/>
+                            </a:rPr>
+                            <m:t>𝒑</m:t>
+                          </m:r>
+                        </m:e>
+                        <m:sub>
+                          <m:r>
+                            <a:rPr lang="en-IN" sz="2000" b="1" i="1" smtClean="0">
+                              <a:latin typeface="Cambria Math" panose="02040503050406030204" pitchFamily="18" charset="0"/>
+                              <a:ea typeface="Cambria Math" panose="02040503050406030204" pitchFamily="18" charset="0"/>
+                            </a:rPr>
+                            <m:t>𝒋</m:t>
+                          </m:r>
+                        </m:sub>
+                      </m:sSub>
+                      <m:r>
+                        <a:rPr lang="en-IN" sz="2000" b="1" i="1" smtClean="0">
+                          <a:latin typeface="Cambria Math" panose="02040503050406030204" pitchFamily="18" charset="0"/>
+                          <a:ea typeface="Cambria Math" panose="02040503050406030204" pitchFamily="18" charset="0"/>
+                        </a:rPr>
+                        <m:t>+</m:t>
+                      </m:r>
+                      <m:sSub>
+                        <m:sSubPr>
+                          <m:ctrlPr>
+                            <a:rPr lang="en-IN" sz="2000" b="1" i="1" smtClean="0">
+                              <a:latin typeface="Cambria Math" panose="02040503050406030204" pitchFamily="18" charset="0"/>
+                              <a:ea typeface="Cambria Math" panose="02040503050406030204" pitchFamily="18" charset="0"/>
+                            </a:rPr>
+                          </m:ctrlPr>
+                        </m:sSubPr>
+                        <m:e>
+                          <m:r>
+                            <a:rPr lang="en-IN" sz="2000" b="1" i="1" smtClean="0">
+                              <a:latin typeface="Cambria Math" panose="02040503050406030204" pitchFamily="18" charset="0"/>
+                              <a:ea typeface="Cambria Math" panose="02040503050406030204" pitchFamily="18" charset="0"/>
+                            </a:rPr>
+                            <m:t>𝒓</m:t>
+                          </m:r>
+                        </m:e>
+                        <m:sub>
+                          <m:r>
+                            <a:rPr lang="en-IN" sz="2000" b="1" i="1" smtClean="0">
+                              <a:latin typeface="Cambria Math" panose="02040503050406030204" pitchFamily="18" charset="0"/>
+                              <a:ea typeface="Cambria Math" panose="02040503050406030204" pitchFamily="18" charset="0"/>
+                            </a:rPr>
+                            <m:t>𝒋</m:t>
+                          </m:r>
+                        </m:sub>
+                      </m:sSub>
+                    </m:oMath>
+                  </m:oMathPara>
+                </a14:m>
+                <a:endParaRPr lang="en-IN" sz="2000" dirty="0"/>
+              </a:p>
+            </p:txBody>
+          </p:sp>
+        </mc:Choice>
+        <mc:Fallback>
+          <p:sp>
+            <p:nvSpPr>
+              <p:cNvPr id="4" name="TextBox 3">
+                <a:extLst>
+                  <a:ext uri="{FF2B5EF4-FFF2-40B4-BE49-F238E27FC236}">
+                    <a16:creationId xmlns:a16="http://schemas.microsoft.com/office/drawing/2014/main" id="{3C400FCA-751E-423D-5FD1-3684E6BC1614}"/>
+                  </a:ext>
+                </a:extLst>
+              </p:cNvPr>
+              <p:cNvSpPr txBox="1">
+                <a:spLocks noRot="1" noChangeAspect="1" noMove="1" noResize="1" noEditPoints="1" noAdjustHandles="1" noChangeArrowheads="1" noChangeShapeType="1" noTextEdit="1"/>
+              </p:cNvSpPr>
+              <p:nvPr/>
+            </p:nvSpPr>
+            <p:spPr>
+              <a:xfrm>
+                <a:off x="3312411" y="2204864"/>
+                <a:ext cx="2519175" cy="336887"/>
+              </a:xfrm>
+              <a:prstGeom prst="rect">
+                <a:avLst/>
+              </a:prstGeom>
+              <a:blipFill>
+                <a:blip r:embed="rId3"/>
+                <a:stretch>
+                  <a:fillRect b="-27273"/>
+                </a:stretch>
+              </a:blipFill>
+            </p:spPr>
+            <p:txBody>
+              <a:bodyPr/>
+              <a:lstStyle/>
+              <a:p>
+                <a:r>
+                  <a:rPr lang="en-IN">
+                    <a:noFill/>
+                  </a:rPr>
+                  <a:t> </a:t>
+                </a:r>
+              </a:p>
+            </p:txBody>
+          </p:sp>
+        </mc:Fallback>
+      </mc:AlternateContent>
     </p:spTree>
     <p:extLst>
       <p:ext uri="{BB962C8B-B14F-4D97-AF65-F5344CB8AC3E}">
-        <p14:creationId xmlns:p14="http://schemas.microsoft.com/office/powerpoint/2010/main" val="2001021846"/>
+        <p14:creationId xmlns:p14="http://schemas.microsoft.com/office/powerpoint/2010/main" val="2287849573"/>
       </p:ext>
     </p:extLst>
   </p:cSld>
@@ -12790,10 +14607,10 @@
       </p:grpSpPr>
       <p:sp>
         <p:nvSpPr>
-          <p:cNvPr id="3" name="Content Placeholder 2">
+          <p:cNvPr id="2" name="Title 1">
             <a:extLst>
               <a:ext uri="{FF2B5EF4-FFF2-40B4-BE49-F238E27FC236}">
-                <a16:creationId xmlns:a16="http://schemas.microsoft.com/office/drawing/2014/main" id="{788ABE2B-744B-911C-4BD2-5AE0033DEE0B}"/>
+                <a16:creationId xmlns:a16="http://schemas.microsoft.com/office/drawing/2014/main" id="{244D3917-F217-D7F4-E048-2BF3C6F45F40}"/>
               </a:ext>
             </a:extLst>
           </p:cNvPr>
@@ -12801,36 +14618,61 @@
             <a:spLocks noGrp="1"/>
           </p:cNvSpPr>
           <p:nvPr>
-            <p:ph idx="1"/>
+            <p:ph type="title"/>
           </p:nvPr>
         </p:nvSpPr>
-        <p:spPr>
-          <a:xfrm>
-            <a:off x="505618" y="1340768"/>
-            <a:ext cx="8132763" cy="3962400"/>
-          </a:xfrm>
-        </p:spPr>
+        <p:spPr/>
         <p:txBody>
           <a:bodyPr/>
           <a:lstStyle/>
           <a:p>
-            <a:pPr algn="just"/>
-            <a:r>
-              <a:rPr lang="en-US" b="0" i="0" u="none" strike="noStrike" baseline="0" dirty="0"/>
-              <a:t>Since the Immediate commitment job scheduling problem is an extremely random process it is not feasible to identify any pattern from it. Hence, conventional machine learning approaches cannot be deployed. Since the job scheduling problem can be considered as a game between an adversary and online player, it makes sense for the machine to consider multiple scenarios of the game and learn a strategy to predict the next action based on the current states. </a:t>
-            </a:r>
-            <a:r>
-              <a:rPr lang="en-US" b="1" i="0" u="none" strike="noStrike" baseline="0" dirty="0"/>
-              <a:t>Hence, reinforcement learning is the best fit for this approach.</a:t>
-            </a:r>
-            <a:endParaRPr lang="en-IN" b="1" dirty="0"/>
+            <a:r>
+              <a:rPr lang="en-IN" dirty="0"/>
+              <a:t>Problem Scenario</a:t>
+            </a:r>
           </a:p>
         </p:txBody>
       </p:sp>
+      <p:pic>
+        <p:nvPicPr>
+          <p:cNvPr id="5" name="Picture 4">
+            <a:extLst>
+              <a:ext uri="{FF2B5EF4-FFF2-40B4-BE49-F238E27FC236}">
+                <a16:creationId xmlns:a16="http://schemas.microsoft.com/office/drawing/2014/main" id="{94983502-F26E-AA89-70A4-4EF6366CA2A5}"/>
+              </a:ext>
+            </a:extLst>
+          </p:cNvPr>
+          <p:cNvPicPr>
+            <a:picLocks noChangeAspect="1"/>
+          </p:cNvPicPr>
+          <p:nvPr/>
+        </p:nvPicPr>
+        <p:blipFill>
+          <a:blip r:embed="rId2">
+            <a:extLst>
+              <a:ext uri="{28A0092B-C50C-407E-A947-70E740481C1C}">
+                <a14:useLocalDpi xmlns:a14="http://schemas.microsoft.com/office/drawing/2010/main" val="0"/>
+              </a:ext>
+            </a:extLst>
+          </a:blip>
+          <a:stretch>
+            <a:fillRect/>
+          </a:stretch>
+        </p:blipFill>
+        <p:spPr>
+          <a:xfrm>
+            <a:off x="2519772" y="1772816"/>
+            <a:ext cx="4104456" cy="4114523"/>
+          </a:xfrm>
+          <a:prstGeom prst="rect">
+            <a:avLst/>
+          </a:prstGeom>
+        </p:spPr>
+      </p:pic>
     </p:spTree>
     <p:extLst>
       <p:ext uri="{BB962C8B-B14F-4D97-AF65-F5344CB8AC3E}">
-        <p14:creationId xmlns:p14="http://schemas.microsoft.com/office/powerpoint/2010/main" val="1791037889"/>
+        <p14:creationId xmlns:p14="http://schemas.microsoft.com/office/powerpoint/2010/main" val="2001021846"/>
       </p:ext>
     </p:extLst>
   </p:cSld>
@@ -12859,38 +14701,10 @@
       </p:grpSpPr>
       <p:sp>
         <p:nvSpPr>
-          <p:cNvPr id="2" name="Title 1">
+          <p:cNvPr id="3" name="Content Placeholder 2">
             <a:extLst>
               <a:ext uri="{FF2B5EF4-FFF2-40B4-BE49-F238E27FC236}">
-                <a16:creationId xmlns:a16="http://schemas.microsoft.com/office/drawing/2014/main" id="{E9658D6A-150C-9563-8349-340742CB436F}"/>
-              </a:ext>
-            </a:extLst>
-          </p:cNvPr>
-          <p:cNvSpPr>
-            <a:spLocks noGrp="1"/>
-          </p:cNvSpPr>
-          <p:nvPr>
-            <p:ph type="title"/>
-          </p:nvPr>
-        </p:nvSpPr>
-        <p:spPr/>
-        <p:txBody>
-          <a:bodyPr/>
-          <a:lstStyle/>
-          <a:p>
-            <a:r>
-              <a:rPr lang="en-IN" dirty="0"/>
-              <a:t>Prior Knowledge</a:t>
-            </a:r>
-          </a:p>
-        </p:txBody>
-      </p:sp>
-      <p:sp>
-        <p:nvSpPr>
-          <p:cNvPr id="3" name="Content Placeholder 2">
-            <a:extLst>
-              <a:ext uri="{FF2B5EF4-FFF2-40B4-BE49-F238E27FC236}">
-                <a16:creationId xmlns:a16="http://schemas.microsoft.com/office/drawing/2014/main" id="{E85EB35E-E2A7-94C8-59C9-D6491A6F31FA}"/>
+                <a16:creationId xmlns:a16="http://schemas.microsoft.com/office/drawing/2014/main" id="{D927BB4C-7A9A-E2F6-3476-EFF9DC2DED08}"/>
               </a:ext>
             </a:extLst>
           </p:cNvPr>
@@ -12901,7 +14715,12 @@
             <p:ph idx="1"/>
           </p:nvPr>
         </p:nvSpPr>
-        <p:spPr/>
+        <p:spPr>
+          <a:xfrm>
+            <a:off x="505618" y="1447800"/>
+            <a:ext cx="8132763" cy="4357464"/>
+          </a:xfrm>
+        </p:spPr>
         <p:txBody>
           <a:bodyPr/>
           <a:lstStyle/>
@@ -12909,55 +14728,78 @@
             <a:pPr algn="just"/>
             <a:r>
               <a:rPr lang="en-US" dirty="0"/>
-              <a:t>This paper teaches us that the jobs need to be judged based on a rejection criterion even if it is legal to accept it. </a:t>
-            </a:r>
-            <a:r>
-              <a:rPr lang="en-IN" sz="1400" i="1" dirty="0"/>
-              <a:t>S. </a:t>
-            </a:r>
-            <a:r>
-              <a:rPr lang="en-IN" sz="1400" i="1" dirty="0" err="1"/>
-              <a:t>Jamalabadi</a:t>
-            </a:r>
-            <a:r>
-              <a:rPr lang="en-IN" sz="1400" i="1" dirty="0"/>
-              <a:t>, C. </a:t>
-            </a:r>
-            <a:r>
-              <a:rPr lang="en-IN" sz="1400" i="1" dirty="0" err="1"/>
-              <a:t>Schwiegelshohn</a:t>
-            </a:r>
-            <a:r>
-              <a:rPr lang="en-IN" sz="1400" i="1" dirty="0"/>
-              <a:t>, and U. </a:t>
-            </a:r>
-            <a:r>
-              <a:rPr lang="en-IN" sz="1400" i="1" dirty="0" err="1"/>
-              <a:t>Schwiegelshohn</a:t>
-            </a:r>
-            <a:r>
-              <a:rPr lang="en-IN" sz="1400" i="1" dirty="0"/>
-              <a:t>, “Commitment and slack for online load maximization,” in Proceedings of the 32nd ACM Symposium on Parallelism in Algorithms and Architectures, 2020, pp. 339–348.</a:t>
+              <a:t>This project aims at:</a:t>
+            </a:r>
+          </a:p>
+          <a:p>
+            <a:pPr lvl="1" algn="just"/>
+            <a:r>
+              <a:rPr lang="en-US" dirty="0"/>
+              <a:t>Maximize machine utilization.</a:t>
+            </a:r>
+          </a:p>
+          <a:p>
+            <a:pPr lvl="1" algn="just"/>
+            <a:r>
+              <a:rPr lang="en-US" dirty="0"/>
+              <a:t>Implement job scheduling with machine learning approach.</a:t>
+            </a:r>
+          </a:p>
+          <a:p>
+            <a:pPr lvl="1" algn="just"/>
+            <a:r>
+              <a:rPr lang="en-US" dirty="0"/>
+              <a:t>Schedule jobs with immediate commitment.</a:t>
             </a:r>
           </a:p>
           <a:p>
             <a:pPr algn="just"/>
             <a:r>
               <a:rPr lang="en-US" dirty="0"/>
-              <a:t>The majority of methods in  Reinforcement Learning rely on well-known benchmarks from the </a:t>
-            </a:r>
-            <a:r>
-              <a:rPr lang="en-US" dirty="0" err="1"/>
-              <a:t>OpenAI</a:t>
-            </a:r>
+              <a:t>What are our limitations?</a:t>
+            </a:r>
+          </a:p>
+          <a:p>
+            <a:pPr lvl="1" algn="just"/>
             <a:r>
               <a:rPr lang="en-US" dirty="0"/>
-              <a:t> gym library.</a:t>
-            </a:r>
-            <a:endParaRPr lang="en-IN" dirty="0"/>
+              <a:t>E</a:t>
+            </a:r>
+            <a:r>
+              <a:rPr lang="en-US" b="0" i="0" u="none" strike="noStrike" baseline="0" dirty="0"/>
+              <a:t>xtremely random process.</a:t>
+            </a:r>
+          </a:p>
+          <a:p>
+            <a:pPr lvl="1" algn="just"/>
+            <a:r>
+              <a:rPr lang="en-US" b="0" i="0" u="none" strike="noStrike" baseline="0" dirty="0"/>
+              <a:t>not feasible to identify any pattern.</a:t>
+            </a:r>
           </a:p>
           <a:p>
             <a:pPr algn="just"/>
+            <a:r>
+              <a:rPr lang="en-IN" dirty="0"/>
+              <a:t>What do we consider?</a:t>
+            </a:r>
+          </a:p>
+          <a:p>
+            <a:pPr lvl="1" algn="just"/>
+            <a:r>
+              <a:rPr lang="en-IN" dirty="0"/>
+              <a:t>Conventional ML approaches not feasible.</a:t>
+            </a:r>
+          </a:p>
+          <a:p>
+            <a:pPr lvl="1" algn="just"/>
+            <a:r>
+              <a:rPr lang="en-IN" dirty="0"/>
+              <a:t>Reinforcement Learning.</a:t>
+            </a:r>
+          </a:p>
+          <a:p>
+            <a:pPr lvl="1" algn="just"/>
             <a:endParaRPr lang="en-IN" dirty="0"/>
           </a:p>
         </p:txBody>
@@ -12965,7 +14807,7 @@
     </p:spTree>
     <p:extLst>
       <p:ext uri="{BB962C8B-B14F-4D97-AF65-F5344CB8AC3E}">
-        <p14:creationId xmlns:p14="http://schemas.microsoft.com/office/powerpoint/2010/main" val="2459933310"/>
+        <p14:creationId xmlns:p14="http://schemas.microsoft.com/office/powerpoint/2010/main" val="3876633122"/>
       </p:ext>
     </p:extLst>
   </p:cSld>
@@ -12994,38 +14836,10 @@
       </p:grpSpPr>
       <p:sp>
         <p:nvSpPr>
-          <p:cNvPr id="2" name="Title 1">
+          <p:cNvPr id="3" name="Content Placeholder 2">
             <a:extLst>
               <a:ext uri="{FF2B5EF4-FFF2-40B4-BE49-F238E27FC236}">
-                <a16:creationId xmlns:a16="http://schemas.microsoft.com/office/drawing/2014/main" id="{1EB7AC9A-430D-9179-DC2B-2BD8B6694CA1}"/>
-              </a:ext>
-            </a:extLst>
-          </p:cNvPr>
-          <p:cNvSpPr>
-            <a:spLocks noGrp="1"/>
-          </p:cNvSpPr>
-          <p:nvPr>
-            <p:ph type="title"/>
-          </p:nvPr>
-        </p:nvSpPr>
-        <p:spPr/>
-        <p:txBody>
-          <a:bodyPr/>
-          <a:lstStyle/>
-          <a:p>
-            <a:r>
-              <a:rPr lang="en-IN" dirty="0"/>
-              <a:t>Reinforcement Learning Approach</a:t>
-            </a:r>
-          </a:p>
-        </p:txBody>
-      </p:sp>
-      <p:sp>
-        <p:nvSpPr>
-          <p:cNvPr id="3" name="Content Placeholder 2">
-            <a:extLst>
-              <a:ext uri="{FF2B5EF4-FFF2-40B4-BE49-F238E27FC236}">
-                <a16:creationId xmlns:a16="http://schemas.microsoft.com/office/drawing/2014/main" id="{A941A5B5-9FEE-6922-FCDE-5A433F2212D4}"/>
+                <a16:creationId xmlns:a16="http://schemas.microsoft.com/office/drawing/2014/main" id="{788ABE2B-744B-911C-4BD2-5AE0033DEE0B}"/>
               </a:ext>
             </a:extLst>
           </p:cNvPr>
@@ -13038,8 +14852,8 @@
         </p:nvSpPr>
         <p:spPr>
           <a:xfrm>
-            <a:off x="466725" y="2133600"/>
-            <a:ext cx="8132763" cy="1511424"/>
+            <a:off x="505618" y="1340768"/>
+            <a:ext cx="8132763" cy="3962400"/>
           </a:xfrm>
         </p:spPr>
         <p:txBody>
@@ -13048,26 +14862,75 @@
           <a:p>
             <a:pPr algn="just"/>
             <a:r>
-              <a:rPr lang="en-US" dirty="0"/>
-              <a:t>As we are expecting the machine to decide on the action taken, there is no hard rejection rule given.</a:t>
+              <a:rPr lang="en-IN" dirty="0"/>
+              <a:t>Why Reinforcement Learning?</a:t>
+            </a:r>
+          </a:p>
+          <a:p>
+            <a:pPr lvl="1" algn="just"/>
+            <a:r>
+              <a:rPr lang="en-IN" dirty="0"/>
+              <a:t>It is adversary v/s scheduler.</a:t>
+            </a:r>
+          </a:p>
+          <a:p>
+            <a:pPr lvl="1" algn="just"/>
+            <a:r>
+              <a:rPr lang="en-IN" dirty="0"/>
+              <a:t>Strategize from multiple scenarios.</a:t>
+            </a:r>
+          </a:p>
+          <a:p>
+            <a:pPr lvl="1" algn="just"/>
+            <a:r>
+              <a:rPr lang="en-IN" dirty="0"/>
+              <a:t>Generate map from current states to actions.</a:t>
             </a:r>
           </a:p>
           <a:p>
             <a:pPr algn="just"/>
             <a:r>
-              <a:rPr lang="en-US" dirty="0"/>
-              <a:t>The reward choice in this project was a dense reward approach where we give reward for the action taken at each step.</a:t>
-            </a:r>
+              <a:rPr lang="en-IN" dirty="0"/>
+              <a:t>Our RL approach</a:t>
+            </a:r>
+          </a:p>
+          <a:p>
+            <a:pPr lvl="1" algn="just"/>
+            <a:r>
+              <a:rPr lang="en-IN" dirty="0"/>
+              <a:t>Learn from random actions.</a:t>
+            </a:r>
+          </a:p>
+          <a:p>
+            <a:pPr lvl="1" algn="just"/>
+            <a:r>
+              <a:rPr lang="en-IN" dirty="0"/>
+              <a:t>No hard rejection rule.</a:t>
+            </a:r>
+          </a:p>
+          <a:p>
+            <a:pPr lvl="1" algn="just"/>
+            <a:r>
+              <a:rPr lang="en-IN" dirty="0"/>
+              <a:t>Dense rewards.</a:t>
+            </a:r>
+          </a:p>
+          <a:p>
+            <a:pPr lvl="1" algn="just"/>
             <a:endParaRPr lang="en-IN" dirty="0"/>
+          </a:p>
+          <a:p>
+            <a:pPr algn="just"/>
+            <a:endParaRPr lang="en-US" b="0" i="0" u="none" strike="noStrike" baseline="0" dirty="0"/>
           </a:p>
         </p:txBody>
       </p:sp>
       <p:pic>
         <p:nvPicPr>
-          <p:cNvPr id="5" name="Picture 4">
+          <p:cNvPr id="4" name="Picture 3">
             <a:extLst>
               <a:ext uri="{FF2B5EF4-FFF2-40B4-BE49-F238E27FC236}">
-                <a16:creationId xmlns:a16="http://schemas.microsoft.com/office/drawing/2014/main" id="{3A13BA7F-69E4-3781-6E0E-E992624B209E}"/>
+                <a16:creationId xmlns:a16="http://schemas.microsoft.com/office/drawing/2014/main" id="{9193A851-105F-A153-9525-0053F1F22EBD}"/>
               </a:ext>
             </a:extLst>
           </p:cNvPr>
@@ -13090,8 +14953,8 @@
         </p:blipFill>
         <p:spPr>
           <a:xfrm>
-            <a:off x="3275856" y="3645024"/>
-            <a:ext cx="2592288" cy="2509335"/>
+            <a:off x="4571155" y="3068960"/>
+            <a:ext cx="2975536" cy="2880320"/>
           </a:xfrm>
           <a:prstGeom prst="rect">
             <a:avLst/>
@@ -13101,7 +14964,7 @@
     </p:spTree>
     <p:extLst>
       <p:ext uri="{BB962C8B-B14F-4D97-AF65-F5344CB8AC3E}">
-        <p14:creationId xmlns:p14="http://schemas.microsoft.com/office/powerpoint/2010/main" val="3584579957"/>
+        <p14:creationId xmlns:p14="http://schemas.microsoft.com/office/powerpoint/2010/main" val="1791037889"/>
       </p:ext>
     </p:extLst>
   </p:cSld>

--- a/Online Immediate Commitment Job Scheduling A Machine Learning Approach.pptx
+++ b/Online Immediate Commitment Job Scheduling A Machine Learning Approach.pptx
@@ -5,10 +5,10 @@
     <p:sldMasterId id="2147483655" r:id="rId1"/>
   </p:sldMasterIdLst>
   <p:notesMasterIdLst>
-    <p:notesMasterId r:id="rId37"/>
+    <p:notesMasterId r:id="rId36"/>
   </p:notesMasterIdLst>
   <p:handoutMasterIdLst>
-    <p:handoutMasterId r:id="rId38"/>
+    <p:handoutMasterId r:id="rId37"/>
   </p:handoutMasterIdLst>
   <p:sldIdLst>
     <p:sldId id="256" r:id="rId2"/>
@@ -41,11 +41,10 @@
     <p:sldId id="293" r:id="rId29"/>
     <p:sldId id="282" r:id="rId30"/>
     <p:sldId id="283" r:id="rId31"/>
-    <p:sldId id="284" r:id="rId32"/>
-    <p:sldId id="285" r:id="rId33"/>
-    <p:sldId id="286" r:id="rId34"/>
-    <p:sldId id="287" r:id="rId35"/>
-    <p:sldId id="288" r:id="rId36"/>
+    <p:sldId id="285" r:id="rId32"/>
+    <p:sldId id="286" r:id="rId33"/>
+    <p:sldId id="287" r:id="rId34"/>
+    <p:sldId id="288" r:id="rId35"/>
   </p:sldIdLst>
   <p:sldSz cx="9144000" cy="6858000" type="screen4x3"/>
   <p:notesSz cx="6858000" cy="9144000"/>
@@ -4886,7 +4885,7 @@
             <a:fld id="{A0BA2BE2-3F90-4D98-B039-66D3C7A83CF0}" type="slidenum">
               <a:rPr lang="de-DE" altLang="en-US" smtClean="0"/>
               <a:pPr/>
-              <a:t>35</a:t>
+              <a:t>34</a:t>
             </a:fld>
             <a:endParaRPr lang="de-DE" altLang="en-US"/>
           </a:p>
@@ -8522,7 +8521,7 @@
                   <a:spcPct val="0"/>
                 </a:spcBef>
               </a:pPr>
-              <a:t>02.05.2022</a:t>
+              <a:t>03.05.2022</a:t>
             </a:fld>
             <a:endParaRPr lang="de-DE" altLang="en-US" sz="1000" b="0" i="0" dirty="0">
               <a:solidFill>
@@ -9517,8 +9516,8 @@
           </a:p>
         </p:txBody>
       </p:sp>
-      <mc:AlternateContent xmlns:mc="http://schemas.openxmlformats.org/markup-compatibility/2006">
-        <mc:Choice xmlns:a14="http://schemas.microsoft.com/office/drawing/2010/main" Requires="a14">
+      <mc:AlternateContent xmlns:mc="http://schemas.openxmlformats.org/markup-compatibility/2006" xmlns:a14="http://schemas.microsoft.com/office/drawing/2010/main">
+        <mc:Choice Requires="a14">
           <p:sp>
             <p:nvSpPr>
               <p:cNvPr id="3" name="Content Placeholder 2">
@@ -9568,31 +9567,43 @@
                     <m:f>
                       <m:fPr>
                         <m:ctrlPr>
-                          <a:rPr lang="en-IN" b="0" i="1" smtClean="0"/>
+                          <a:rPr lang="en-IN" b="0" i="1" smtClean="0">
+                            <a:latin typeface="Cambria Math" panose="02040503050406030204" pitchFamily="18" charset="0"/>
+                          </a:rPr>
                         </m:ctrlPr>
                       </m:fPr>
                       <m:num>
                         <m:r>
-                          <a:rPr lang="en-IN" b="0" i="1" smtClean="0"/>
+                          <a:rPr lang="en-IN" b="0" i="1" smtClean="0">
+                            <a:latin typeface="Cambria Math" panose="02040503050406030204" pitchFamily="18" charset="0"/>
+                          </a:rPr>
                           <m:t>𝑠𝑢𝑚</m:t>
                         </m:r>
                         <m:d>
                           <m:dPr>
                             <m:ctrlPr>
-                              <a:rPr lang="en-IN" b="0" i="1" smtClean="0"/>
+                              <a:rPr lang="en-IN" b="0" i="1" smtClean="0">
+                                <a:latin typeface="Cambria Math" panose="02040503050406030204" pitchFamily="18" charset="0"/>
+                              </a:rPr>
                             </m:ctrlPr>
                           </m:dPr>
                           <m:e>
                             <m:r>
-                              <a:rPr lang="en-IN" b="0" i="1" smtClean="0"/>
+                              <a:rPr lang="en-IN" b="0" i="1" smtClean="0">
+                                <a:latin typeface="Cambria Math" panose="02040503050406030204" pitchFamily="18" charset="0"/>
+                              </a:rPr>
                               <m:t>𝑟𝑒𝑚𝑎𝑖𝑛𝑖𝑛𝑔</m:t>
                             </m:r>
                             <m:r>
-                              <a:rPr lang="en-IN" b="0" i="1" smtClean="0"/>
+                              <a:rPr lang="en-IN" b="0" i="1" smtClean="0">
+                                <a:latin typeface="Cambria Math" panose="02040503050406030204" pitchFamily="18" charset="0"/>
+                              </a:rPr>
                               <m:t> </m:t>
                             </m:r>
                             <m:r>
-                              <a:rPr lang="en-IN" b="0" i="1" smtClean="0"/>
+                              <a:rPr lang="en-IN" b="0" i="1" smtClean="0">
+                                <a:latin typeface="Cambria Math" panose="02040503050406030204" pitchFamily="18" charset="0"/>
+                              </a:rPr>
                               <m:t>𝑙𝑜𝑎𝑑</m:t>
                             </m:r>
                           </m:e>
@@ -9600,35 +9611,51 @@
                       </m:num>
                       <m:den>
                         <m:r>
-                          <a:rPr lang="en-IN" b="0" i="1" smtClean="0"/>
+                          <a:rPr lang="en-IN" b="0" i="1" smtClean="0">
+                            <a:latin typeface="Cambria Math" panose="02040503050406030204" pitchFamily="18" charset="0"/>
+                          </a:rPr>
                           <m:t>𝑙𝑒𝑛𝑔𝑡h</m:t>
                         </m:r>
                         <m:r>
-                          <a:rPr lang="en-IN" b="0" i="1" smtClean="0"/>
+                          <a:rPr lang="en-IN" b="0" i="1" smtClean="0">
+                            <a:latin typeface="Cambria Math" panose="02040503050406030204" pitchFamily="18" charset="0"/>
+                          </a:rPr>
                           <m:t>(</m:t>
                         </m:r>
                         <m:r>
-                          <a:rPr lang="en-IN" b="0" i="1" smtClean="0"/>
+                          <a:rPr lang="en-IN" b="0" i="1" smtClean="0">
+                            <a:latin typeface="Cambria Math" panose="02040503050406030204" pitchFamily="18" charset="0"/>
+                          </a:rPr>
                           <m:t>𝑙𝑖𝑠𝑡</m:t>
                         </m:r>
                         <m:r>
-                          <a:rPr lang="en-IN" b="0" i="1" smtClean="0"/>
+                          <a:rPr lang="en-IN" b="0" i="1" smtClean="0">
+                            <a:latin typeface="Cambria Math" panose="02040503050406030204" pitchFamily="18" charset="0"/>
+                          </a:rPr>
                           <m:t> </m:t>
                         </m:r>
                         <m:r>
-                          <a:rPr lang="en-IN" b="0" i="1" smtClean="0"/>
+                          <a:rPr lang="en-IN" b="0" i="1" smtClean="0">
+                            <a:latin typeface="Cambria Math" panose="02040503050406030204" pitchFamily="18" charset="0"/>
+                          </a:rPr>
                           <m:t>𝑜𝑓</m:t>
                         </m:r>
                         <m:r>
-                          <a:rPr lang="en-IN" b="0" i="1" smtClean="0"/>
+                          <a:rPr lang="en-IN" b="0" i="1" smtClean="0">
+                            <a:latin typeface="Cambria Math" panose="02040503050406030204" pitchFamily="18" charset="0"/>
+                          </a:rPr>
                           <m:t> </m:t>
                         </m:r>
                         <m:r>
-                          <a:rPr lang="en-IN" b="0" i="1" smtClean="0"/>
+                          <a:rPr lang="en-IN" b="0" i="1" smtClean="0">
+                            <a:latin typeface="Cambria Math" panose="02040503050406030204" pitchFamily="18" charset="0"/>
+                          </a:rPr>
                           <m:t>𝑚𝑎𝑐h𝑖𝑛𝑒𝑠</m:t>
                         </m:r>
                         <m:r>
-                          <a:rPr lang="en-IN" b="0" i="1" smtClean="0"/>
+                          <a:rPr lang="en-IN" b="0" i="1" smtClean="0">
+                            <a:latin typeface="Cambria Math" panose="02040503050406030204" pitchFamily="18" charset="0"/>
+                          </a:rPr>
                           <m:t>)</m:t>
                         </m:r>
                       </m:den>
@@ -9793,7 +9820,7 @@
             </p:txBody>
           </p:sp>
         </mc:Choice>
-        <mc:Fallback>
+        <mc:Fallback xmlns="">
           <p:sp>
             <p:nvSpPr>
               <p:cNvPr id="3" name="Content Placeholder 2">
@@ -11516,7 +11543,7 @@
           <p:nvPr>
             <p:extLst>
               <p:ext uri="{D42A27DB-BD31-4B8C-83A1-F6EECF244321}">
-                <p14:modId xmlns:p14="http://schemas.microsoft.com/office/powerpoint/2010/main" val="2143300207"/>
+                <p14:modId xmlns:p14="http://schemas.microsoft.com/office/powerpoint/2010/main" val="3035468592"/>
               </p:ext>
             </p:extLst>
           </p:nvPr>
@@ -11555,15 +11582,7 @@
                     <a:p>
                       <a:r>
                         <a:rPr lang="en-IN" dirty="0"/>
-                        <a:t>Accepted Load (</a:t>
-                      </a:r>
-                      <a:r>
-                        <a:rPr lang="en-IN" dirty="0" err="1"/>
-                        <a:t>L_a</a:t>
-                      </a:r>
-                      <a:r>
-                        <a:rPr lang="en-IN" dirty="0"/>
-                        <a:t>)</a:t>
+                        <a:t>Accepted Load (La)</a:t>
                       </a:r>
                     </a:p>
                   </a:txBody>
@@ -11604,15 +11623,7 @@
                     <a:p>
                       <a:r>
                         <a:rPr lang="en-IN" dirty="0"/>
-                        <a:t>Rejected Load (</a:t>
-                      </a:r>
-                      <a:r>
-                        <a:rPr lang="en-IN" dirty="0" err="1"/>
-                        <a:t>L_r</a:t>
-                      </a:r>
-                      <a:r>
-                        <a:rPr lang="en-IN" dirty="0"/>
-                        <a:t>)</a:t>
+                        <a:t>Rejected Load (Lr)</a:t>
                       </a:r>
                     </a:p>
                   </a:txBody>
@@ -11650,7 +11661,15 @@
                       </a:r>
                       <a:r>
                         <a:rPr lang="en-IN" dirty="0"/>
-                        <a:t> rejected to system</a:t>
+                        <a:t> </a:t>
+                      </a:r>
+                      <a:r>
+                        <a:rPr lang="en-IN"/>
+                        <a:t>rejected by </a:t>
+                      </a:r>
+                      <a:r>
+                        <a:rPr lang="en-IN" dirty="0"/>
+                        <a:t>system</a:t>
                       </a:r>
                     </a:p>
                   </a:txBody>
@@ -11670,15 +11689,7 @@
                     <a:p>
                       <a:r>
                         <a:rPr lang="en-IN" dirty="0"/>
-                        <a:t>Total load (</a:t>
-                      </a:r>
-                      <a:r>
-                        <a:rPr lang="en-IN" dirty="0" err="1"/>
-                        <a:t>L_t</a:t>
-                      </a:r>
-                      <a:r>
-                        <a:rPr lang="en-IN" dirty="0"/>
-                        <a:t>)</a:t>
+                        <a:t>Total load (Lt)</a:t>
                       </a:r>
                     </a:p>
                   </a:txBody>
@@ -11690,18 +11701,9 @@
                     <a:lstStyle/>
                     <a:p>
                       <a:r>
-                        <a:rPr lang="en-IN" dirty="0" err="1"/>
-                        <a:t>L_a</a:t>
+                        <a:rPr lang="en-IN" dirty="0"/>
+                        <a:t>La + Lr</a:t>
                       </a:r>
-                      <a:r>
-                        <a:rPr lang="en-IN" dirty="0"/>
-                        <a:t> + </a:t>
-                      </a:r>
-                      <a:r>
-                        <a:rPr lang="en-IN" dirty="0" err="1"/>
-                        <a:t>L_r</a:t>
-                      </a:r>
-                      <a:endParaRPr lang="en-IN" dirty="0"/>
                     </a:p>
                   </a:txBody>
                   <a:tcPr/>
@@ -11728,7 +11730,7 @@
                       </a:r>
                       <a:r>
                         <a:rPr lang="en-IN" dirty="0" err="1"/>
-                        <a:t>C_max</a:t>
+                        <a:t>Cmax</a:t>
                       </a:r>
                       <a:r>
                         <a:rPr lang="en-IN" dirty="0"/>
@@ -11790,19 +11792,11 @@
                       </a:r>
                       <a:r>
                         <a:rPr lang="en-IN" dirty="0" err="1"/>
-                        <a:t>C_max</a:t>
+                        <a:t>Cmax</a:t>
                       </a:r>
                       <a:r>
                         <a:rPr lang="en-IN" dirty="0"/>
-                        <a:t>, </a:t>
-                      </a:r>
-                      <a:r>
-                        <a:rPr lang="en-IN" dirty="0" err="1"/>
-                        <a:t>L_t</a:t>
-                      </a:r>
-                      <a:r>
-                        <a:rPr lang="en-IN" dirty="0"/>
-                        <a:t>)</a:t>
+                        <a:t>, Lt)</a:t>
                       </a:r>
                     </a:p>
                   </a:txBody>
@@ -11826,7 +11820,7 @@
                       </a:r>
                       <a:r>
                         <a:rPr lang="en-IN" dirty="0" err="1"/>
-                        <a:t>L_t_opt</a:t>
+                        <a:t>Lt_opt</a:t>
                       </a:r>
                       <a:r>
                         <a:rPr lang="en-IN" dirty="0"/>
@@ -11908,17 +11902,12 @@
                     <a:p>
                       <a:r>
                         <a:rPr lang="en-IN" dirty="0" err="1"/>
-                        <a:t>L_t_opt</a:t>
+                        <a:t>Lt_opt</a:t>
                       </a:r>
                       <a:r>
                         <a:rPr lang="en-IN" dirty="0"/>
-                        <a:t> / </a:t>
+                        <a:t> / La</a:t>
                       </a:r>
-                      <a:r>
-                        <a:rPr lang="en-IN" dirty="0" err="1"/>
-                        <a:t>L_a</a:t>
-                      </a:r>
-                      <a:endParaRPr lang="en-IN" dirty="0"/>
                     </a:p>
                   </a:txBody>
                   <a:tcPr/>
@@ -11965,10 +11954,10 @@
       </p:grpSpPr>
       <p:pic>
         <p:nvPicPr>
-          <p:cNvPr id="4" name="Picture 3">
+          <p:cNvPr id="3" name="Picture 2">
             <a:extLst>
               <a:ext uri="{FF2B5EF4-FFF2-40B4-BE49-F238E27FC236}">
-                <a16:creationId xmlns:a16="http://schemas.microsoft.com/office/drawing/2014/main" id="{0B499540-7F1A-75E4-4476-BBEAA121659C}"/>
+                <a16:creationId xmlns:a16="http://schemas.microsoft.com/office/drawing/2014/main" id="{226E43ED-6E11-A33F-0B0F-2DB9910599DF}"/>
               </a:ext>
             </a:extLst>
           </p:cNvPr>
@@ -11991,8 +11980,8 @@
         </p:blipFill>
         <p:spPr>
           <a:xfrm>
-            <a:off x="134340" y="1424089"/>
-            <a:ext cx="8875320" cy="4009821"/>
+            <a:off x="197768" y="1628800"/>
+            <a:ext cx="8748464" cy="3926622"/>
           </a:xfrm>
           <a:prstGeom prst="rect">
             <a:avLst/>
@@ -12031,10 +12020,10 @@
       </p:grpSpPr>
       <p:pic>
         <p:nvPicPr>
-          <p:cNvPr id="5" name="Picture 4">
+          <p:cNvPr id="3" name="Picture 2">
             <a:extLst>
               <a:ext uri="{FF2B5EF4-FFF2-40B4-BE49-F238E27FC236}">
-                <a16:creationId xmlns:a16="http://schemas.microsoft.com/office/drawing/2014/main" id="{0AB8B781-AF4D-57E5-BEBC-A5A3377E3B51}"/>
+                <a16:creationId xmlns:a16="http://schemas.microsoft.com/office/drawing/2014/main" id="{036E63DD-41A2-5C1B-65F4-58649A5422C9}"/>
               </a:ext>
             </a:extLst>
           </p:cNvPr>
@@ -12057,8 +12046,8 @@
         </p:blipFill>
         <p:spPr>
           <a:xfrm>
-            <a:off x="133366" y="1424557"/>
-            <a:ext cx="8877267" cy="4008886"/>
+            <a:off x="150376" y="1416334"/>
+            <a:ext cx="8843247" cy="4025331"/>
           </a:xfrm>
           <a:prstGeom prst="rect">
             <a:avLst/>
@@ -12508,21 +12497,53 @@
           <a:chExt cx="0" cy="0"/>
         </a:xfrm>
       </p:grpSpPr>
-      <p:pic>
-        <p:nvPicPr>
-          <p:cNvPr id="5" name="Content Placeholder 4">
+      <p:sp>
+        <p:nvSpPr>
+          <p:cNvPr id="3" name="Content Placeholder 2">
             <a:extLst>
               <a:ext uri="{FF2B5EF4-FFF2-40B4-BE49-F238E27FC236}">
-                <a16:creationId xmlns:a16="http://schemas.microsoft.com/office/drawing/2014/main" id="{EB45FC2F-248A-1BA7-3FA4-692BFD0F8DC8}"/>
+                <a16:creationId xmlns:a16="http://schemas.microsoft.com/office/drawing/2014/main" id="{F7BBE6E9-315C-3448-FD03-8218F461DD97}"/>
               </a:ext>
             </a:extLst>
           </p:cNvPr>
-          <p:cNvPicPr>
-            <a:picLocks noGrp="1" noChangeAspect="1"/>
-          </p:cNvPicPr>
+          <p:cNvSpPr>
+            <a:spLocks noGrp="1"/>
+          </p:cNvSpPr>
           <p:nvPr>
             <p:ph idx="1"/>
           </p:nvPr>
+        </p:nvSpPr>
+        <p:spPr>
+          <a:xfrm>
+            <a:off x="505618" y="1447800"/>
+            <a:ext cx="8132763" cy="1477144"/>
+          </a:xfrm>
+        </p:spPr>
+        <p:txBody>
+          <a:bodyPr/>
+          <a:lstStyle/>
+          <a:p>
+            <a:r>
+              <a:rPr lang="en-US" dirty="0"/>
+              <a:t>We observe that the exploration rate while training was constant. We have trained for more than 130 million timesteps and we understand that the reward mean converges to an almost constant range.</a:t>
+            </a:r>
+            <a:endParaRPr lang="en-IN" dirty="0"/>
+          </a:p>
+        </p:txBody>
+      </p:sp>
+      <p:pic>
+        <p:nvPicPr>
+          <p:cNvPr id="5" name="Picture 4">
+            <a:extLst>
+              <a:ext uri="{FF2B5EF4-FFF2-40B4-BE49-F238E27FC236}">
+                <a16:creationId xmlns:a16="http://schemas.microsoft.com/office/drawing/2014/main" id="{26E7C10F-A5D9-9182-92ED-CDB59BBD843F}"/>
+              </a:ext>
+            </a:extLst>
+          </p:cNvPr>
+          <p:cNvPicPr>
+            <a:picLocks noChangeAspect="1"/>
+          </p:cNvPicPr>
+          <p:nvPr/>
         </p:nvPicPr>
         <p:blipFill>
           <a:blip r:embed="rId2">
@@ -12538,80 +12559,18 @@
         </p:blipFill>
         <p:spPr>
           <a:xfrm>
-            <a:off x="4773415" y="1912582"/>
-            <a:ext cx="4248473" cy="3186355"/>
-          </a:xfrm>
-        </p:spPr>
-      </p:pic>
-      <p:pic>
-        <p:nvPicPr>
-          <p:cNvPr id="6" name="Picture 5">
-            <a:extLst>
-              <a:ext uri="{FF2B5EF4-FFF2-40B4-BE49-F238E27FC236}">
-                <a16:creationId xmlns:a16="http://schemas.microsoft.com/office/drawing/2014/main" id="{5A994104-ECE2-4B37-9706-CDFE33F921B4}"/>
-              </a:ext>
-            </a:extLst>
-          </p:cNvPr>
-          <p:cNvPicPr>
-            <a:picLocks noChangeAspect="1"/>
-          </p:cNvPicPr>
-          <p:nvPr/>
-        </p:nvPicPr>
-        <p:blipFill>
-          <a:blip r:embed="rId3"/>
-          <a:stretch>
-            <a:fillRect/>
-          </a:stretch>
-        </p:blipFill>
-        <p:spPr>
-          <a:xfrm>
-            <a:off x="323528" y="1912582"/>
-            <a:ext cx="4248472" cy="3186355"/>
+            <a:off x="445213" y="2982991"/>
+            <a:ext cx="8253572" cy="2421480"/>
           </a:xfrm>
           <a:prstGeom prst="rect">
             <a:avLst/>
           </a:prstGeom>
         </p:spPr>
       </p:pic>
-      <p:sp>
-        <p:nvSpPr>
-          <p:cNvPr id="9" name="TextBox 8">
-            <a:extLst>
-              <a:ext uri="{FF2B5EF4-FFF2-40B4-BE49-F238E27FC236}">
-                <a16:creationId xmlns:a16="http://schemas.microsoft.com/office/drawing/2014/main" id="{3D91EC9A-9253-0770-F6A7-350224CBC8E0}"/>
-              </a:ext>
-            </a:extLst>
-          </p:cNvPr>
-          <p:cNvSpPr txBox="1"/>
-          <p:nvPr/>
-        </p:nvSpPr>
-        <p:spPr>
-          <a:xfrm>
-            <a:off x="1115616" y="5449996"/>
-            <a:ext cx="7200800" cy="523220"/>
-          </a:xfrm>
-          <a:prstGeom prst="rect">
-            <a:avLst/>
-          </a:prstGeom>
-          <a:noFill/>
-        </p:spPr>
-        <p:txBody>
-          <a:bodyPr wrap="square" rtlCol="0">
-            <a:spAutoFit/>
-          </a:bodyPr>
-          <a:lstStyle/>
-          <a:p>
-            <a:r>
-              <a:rPr lang="en-US" b="0" i="0" dirty="0"/>
-              <a:t>Heat Map Difference In Performance Ratio between ML algorithm and Greedy best fit : Day 11, Slack:0.1, 0.3</a:t>
-            </a:r>
-          </a:p>
-        </p:txBody>
-      </p:sp>
     </p:spTree>
     <p:extLst>
       <p:ext uri="{BB962C8B-B14F-4D97-AF65-F5344CB8AC3E}">
-        <p14:creationId xmlns:p14="http://schemas.microsoft.com/office/powerpoint/2010/main" val="445345110"/>
+        <p14:creationId xmlns:p14="http://schemas.microsoft.com/office/powerpoint/2010/main" val="131011538"/>
       </p:ext>
     </p:extLst>
   </p:cSld>
@@ -12640,10 +12599,38 @@
       </p:grpSpPr>
       <p:sp>
         <p:nvSpPr>
+          <p:cNvPr id="2" name="Title 1">
+            <a:extLst>
+              <a:ext uri="{FF2B5EF4-FFF2-40B4-BE49-F238E27FC236}">
+                <a16:creationId xmlns:a16="http://schemas.microsoft.com/office/drawing/2014/main" id="{41FCC2DB-070E-C309-C83E-F9AF92050AF3}"/>
+              </a:ext>
+            </a:extLst>
+          </p:cNvPr>
+          <p:cNvSpPr>
+            <a:spLocks noGrp="1"/>
+          </p:cNvSpPr>
+          <p:nvPr>
+            <p:ph type="title"/>
+          </p:nvPr>
+        </p:nvSpPr>
+        <p:spPr/>
+        <p:txBody>
+          <a:bodyPr/>
+          <a:lstStyle/>
+          <a:p>
+            <a:r>
+              <a:rPr lang="en-IN" dirty="0"/>
+              <a:t>Conclusion And Future Scope</a:t>
+            </a:r>
+          </a:p>
+        </p:txBody>
+      </p:sp>
+      <p:sp>
+        <p:nvSpPr>
           <p:cNvPr id="3" name="Content Placeholder 2">
             <a:extLst>
               <a:ext uri="{FF2B5EF4-FFF2-40B4-BE49-F238E27FC236}">
-                <a16:creationId xmlns:a16="http://schemas.microsoft.com/office/drawing/2014/main" id="{F7BBE6E9-315C-3448-FD03-8218F461DD97}"/>
+                <a16:creationId xmlns:a16="http://schemas.microsoft.com/office/drawing/2014/main" id="{2BC773BE-8273-6D99-CA8B-980C44097215}"/>
               </a:ext>
             </a:extLst>
           </p:cNvPr>
@@ -12654,64 +12641,37 @@
             <p:ph idx="1"/>
           </p:nvPr>
         </p:nvSpPr>
-        <p:spPr>
-          <a:xfrm>
-            <a:off x="505618" y="1447800"/>
-            <a:ext cx="8132763" cy="1477144"/>
-          </a:xfrm>
-        </p:spPr>
+        <p:spPr/>
         <p:txBody>
           <a:bodyPr/>
           <a:lstStyle/>
           <a:p>
             <a:r>
               <a:rPr lang="en-US" dirty="0"/>
-              <a:t>We observe that the exploration rate while training was constant. We have trained for more than 130 million timesteps and we understand that the reward mean converges to an almost constant range.</a:t>
-            </a:r>
+              <a:t>The results show that our ML approach is not effectively competitive against an offline optimal algorithm in the average case in terms of maximizing machine utilization.</a:t>
+            </a:r>
+          </a:p>
+          <a:p>
+            <a:r>
+              <a:rPr lang="en-US" dirty="0"/>
+              <a:t>The results of the lower number of machines (resources) gives a slight hope that the algorithm may work better in worst case scenarios. Further testing in tailor made worst case scenarios required.</a:t>
+            </a:r>
+          </a:p>
+          <a:p>
+            <a:r>
+              <a:rPr lang="en-US" dirty="0"/>
+              <a:t>Whenever a new job is provided, the scheduling decision will be heavily influenced by the current state of the schedule/machine as well as the nature of the new job (which may not follow a historical pattern). </a:t>
+            </a:r>
+          </a:p>
+          <a:p>
             <a:endParaRPr lang="en-IN" dirty="0"/>
           </a:p>
         </p:txBody>
       </p:sp>
-      <p:pic>
-        <p:nvPicPr>
-          <p:cNvPr id="5" name="Picture 4">
-            <a:extLst>
-              <a:ext uri="{FF2B5EF4-FFF2-40B4-BE49-F238E27FC236}">
-                <a16:creationId xmlns:a16="http://schemas.microsoft.com/office/drawing/2014/main" id="{26E7C10F-A5D9-9182-92ED-CDB59BBD843F}"/>
-              </a:ext>
-            </a:extLst>
-          </p:cNvPr>
-          <p:cNvPicPr>
-            <a:picLocks noChangeAspect="1"/>
-          </p:cNvPicPr>
-          <p:nvPr/>
-        </p:nvPicPr>
-        <p:blipFill>
-          <a:blip r:embed="rId2">
-            <a:extLst>
-              <a:ext uri="{28A0092B-C50C-407E-A947-70E740481C1C}">
-                <a14:useLocalDpi xmlns:a14="http://schemas.microsoft.com/office/drawing/2010/main" val="0"/>
-              </a:ext>
-            </a:extLst>
-          </a:blip>
-          <a:stretch>
-            <a:fillRect/>
-          </a:stretch>
-        </p:blipFill>
-        <p:spPr>
-          <a:xfrm>
-            <a:off x="445213" y="2982991"/>
-            <a:ext cx="8253572" cy="2421480"/>
-          </a:xfrm>
-          <a:prstGeom prst="rect">
-            <a:avLst/>
-          </a:prstGeom>
-        </p:spPr>
-      </p:pic>
     </p:spTree>
     <p:extLst>
       <p:ext uri="{BB962C8B-B14F-4D97-AF65-F5344CB8AC3E}">
-        <p14:creationId xmlns:p14="http://schemas.microsoft.com/office/powerpoint/2010/main" val="131011538"/>
+        <p14:creationId xmlns:p14="http://schemas.microsoft.com/office/powerpoint/2010/main" val="911862220"/>
       </p:ext>
     </p:extLst>
   </p:cSld>
@@ -12740,107 +12700,6 @@
       </p:grpSpPr>
       <p:sp>
         <p:nvSpPr>
-          <p:cNvPr id="2" name="Title 1">
-            <a:extLst>
-              <a:ext uri="{FF2B5EF4-FFF2-40B4-BE49-F238E27FC236}">
-                <a16:creationId xmlns:a16="http://schemas.microsoft.com/office/drawing/2014/main" id="{41FCC2DB-070E-C309-C83E-F9AF92050AF3}"/>
-              </a:ext>
-            </a:extLst>
-          </p:cNvPr>
-          <p:cNvSpPr>
-            <a:spLocks noGrp="1"/>
-          </p:cNvSpPr>
-          <p:nvPr>
-            <p:ph type="title"/>
-          </p:nvPr>
-        </p:nvSpPr>
-        <p:spPr/>
-        <p:txBody>
-          <a:bodyPr/>
-          <a:lstStyle/>
-          <a:p>
-            <a:r>
-              <a:rPr lang="en-IN" dirty="0"/>
-              <a:t>Conclusion And Future Scope</a:t>
-            </a:r>
-          </a:p>
-        </p:txBody>
-      </p:sp>
-      <p:sp>
-        <p:nvSpPr>
-          <p:cNvPr id="3" name="Content Placeholder 2">
-            <a:extLst>
-              <a:ext uri="{FF2B5EF4-FFF2-40B4-BE49-F238E27FC236}">
-                <a16:creationId xmlns:a16="http://schemas.microsoft.com/office/drawing/2014/main" id="{2BC773BE-8273-6D99-CA8B-980C44097215}"/>
-              </a:ext>
-            </a:extLst>
-          </p:cNvPr>
-          <p:cNvSpPr>
-            <a:spLocks noGrp="1"/>
-          </p:cNvSpPr>
-          <p:nvPr>
-            <p:ph idx="1"/>
-          </p:nvPr>
-        </p:nvSpPr>
-        <p:spPr/>
-        <p:txBody>
-          <a:bodyPr/>
-          <a:lstStyle/>
-          <a:p>
-            <a:r>
-              <a:rPr lang="en-US" dirty="0"/>
-              <a:t>The results show that our ML approach is not effectively competitive against an offline optimal algorithm in the average case in terms of maximizing machine utilization.</a:t>
-            </a:r>
-          </a:p>
-          <a:p>
-            <a:r>
-              <a:rPr lang="en-US" dirty="0"/>
-              <a:t>The results of the lower number of machines (resources) gives a slight hope that the algorithm may work better in worst case scenarios. Further testing in tailor made worst case scenarios required.</a:t>
-            </a:r>
-          </a:p>
-          <a:p>
-            <a:r>
-              <a:rPr lang="en-US" dirty="0"/>
-              <a:t>Whenever a new job is provided, the scheduling decision will be heavily influenced by the current state of the schedule/machine as well as the nature of the new job (which may not follow a historical pattern). </a:t>
-            </a:r>
-          </a:p>
-          <a:p>
-            <a:endParaRPr lang="en-IN" dirty="0"/>
-          </a:p>
-        </p:txBody>
-      </p:sp>
-    </p:spTree>
-    <p:extLst>
-      <p:ext uri="{BB962C8B-B14F-4D97-AF65-F5344CB8AC3E}">
-        <p14:creationId xmlns:p14="http://schemas.microsoft.com/office/powerpoint/2010/main" val="911862220"/>
-      </p:ext>
-    </p:extLst>
-  </p:cSld>
-  <p:clrMapOvr>
-    <a:masterClrMapping/>
-  </p:clrMapOvr>
-</p:sld>
-</file>
-
-<file path=ppt/slides/slide34.xml><?xml version="1.0" encoding="utf-8"?>
-<p:sld xmlns:a="http://schemas.openxmlformats.org/drawingml/2006/main" xmlns:r="http://schemas.openxmlformats.org/officeDocument/2006/relationships" xmlns:p="http://schemas.openxmlformats.org/presentationml/2006/main">
-  <p:cSld>
-    <p:spTree>
-      <p:nvGrpSpPr>
-        <p:cNvPr id="1" name=""/>
-        <p:cNvGrpSpPr/>
-        <p:nvPr/>
-      </p:nvGrpSpPr>
-      <p:grpSpPr>
-        <a:xfrm>
-          <a:off x="0" y="0"/>
-          <a:ext cx="0" cy="0"/>
-          <a:chOff x="0" y="0"/>
-          <a:chExt cx="0" cy="0"/>
-        </a:xfrm>
-      </p:grpSpPr>
-      <p:sp>
-        <p:nvSpPr>
           <p:cNvPr id="3" name="Content Placeholder 2">
             <a:extLst>
               <a:ext uri="{FF2B5EF4-FFF2-40B4-BE49-F238E27FC236}">
@@ -12928,7 +12787,7 @@
 </p:sld>
 </file>
 
-<file path=ppt/slides/slide35.xml><?xml version="1.0" encoding="utf-8"?>
+<file path=ppt/slides/slide34.xml><?xml version="1.0" encoding="utf-8"?>
 <p:sld xmlns:a="http://schemas.openxmlformats.org/drawingml/2006/main" xmlns:r="http://schemas.openxmlformats.org/officeDocument/2006/relationships" xmlns:p="http://schemas.openxmlformats.org/presentationml/2006/main">
   <p:cSld>
     <p:spTree>
@@ -14131,8 +13990,8 @@
           <a:chExt cx="0" cy="0"/>
         </a:xfrm>
       </p:grpSpPr>
-      <mc:AlternateContent xmlns:mc="http://schemas.openxmlformats.org/markup-compatibility/2006">
-        <mc:Choice xmlns:a14="http://schemas.microsoft.com/office/drawing/2010/main" Requires="a14">
+      <mc:AlternateContent xmlns:mc="http://schemas.openxmlformats.org/markup-compatibility/2006" xmlns:a14="http://schemas.microsoft.com/office/drawing/2010/main">
+        <mc:Choice Requires="a14">
           <p:sp>
             <p:nvSpPr>
               <p:cNvPr id="3" name="Content Placeholder 2">
@@ -14186,8 +14045,8 @@
                     <m:sSub>
                       <m:sSubPr>
                         <m:ctrlPr>
-                          <a:rPr lang="en-IN" b="1" smtClean="0">
-                            <a:latin typeface="+mj-lt"/>
+                          <a:rPr lang="en-IN" b="1" i="1" smtClean="0">
+                            <a:latin typeface="Cambria Math" panose="02040503050406030204" pitchFamily="18" charset="0"/>
                             <a:ea typeface="Cambria Math" panose="02040503050406030204" pitchFamily="18" charset="0"/>
                           </a:rPr>
                         </m:ctrlPr>
@@ -14195,7 +14054,7 @@
                       <m:e>
                         <m:r>
                           <a:rPr lang="en-IN" b="1" i="0" smtClean="0">
-                            <a:latin typeface="+mj-lt"/>
+                            <a:latin typeface="Cambria Math" panose="02040503050406030204" pitchFamily="18" charset="0"/>
                             <a:ea typeface="Cambria Math" panose="02040503050406030204" pitchFamily="18" charset="0"/>
                           </a:rPr>
                           <m:t>𝐩</m:t>
@@ -14204,7 +14063,7 @@
                       <m:sub>
                         <m:r>
                           <a:rPr lang="en-IN" b="1" i="0" smtClean="0">
-                            <a:latin typeface="+mj-lt"/>
+                            <a:latin typeface="Cambria Math" panose="02040503050406030204" pitchFamily="18" charset="0"/>
                             <a:ea typeface="Cambria Math" panose="02040503050406030204" pitchFamily="18" charset="0"/>
                           </a:rPr>
                           <m:t>𝐣</m:t>
@@ -14213,7 +14072,7 @@
                     </m:sSub>
                     <m:r>
                       <a:rPr lang="en-IN" b="1" i="0" smtClean="0">
-                        <a:latin typeface="+mj-lt"/>
+                        <a:latin typeface="Cambria Math" panose="02040503050406030204" pitchFamily="18" charset="0"/>
                         <a:ea typeface="Cambria Math" panose="02040503050406030204" pitchFamily="18" charset="0"/>
                       </a:rPr>
                       <m:t> </m:t>
@@ -14271,24 +14130,32 @@
                     <m:sSub>
                       <m:sSubPr>
                         <m:ctrlPr>
-                          <a:rPr lang="en-IN" b="1" smtClean="0"/>
+                          <a:rPr lang="en-IN" b="1" i="1" smtClean="0">
+                            <a:latin typeface="Cambria Math" panose="02040503050406030204" pitchFamily="18" charset="0"/>
+                          </a:rPr>
                         </m:ctrlPr>
                       </m:sSubPr>
                       <m:e>
                         <m:r>
-                          <a:rPr lang="en-IN" b="1" i="0" smtClean="0"/>
+                          <a:rPr lang="en-IN" b="1" i="0" smtClean="0">
+                            <a:latin typeface="Cambria Math" panose="02040503050406030204" pitchFamily="18" charset="0"/>
+                          </a:rPr>
                           <m:t>𝐝</m:t>
                         </m:r>
                       </m:e>
                       <m:sub>
                         <m:r>
-                          <a:rPr lang="en-IN" b="1" i="0" smtClean="0"/>
+                          <a:rPr lang="en-IN" b="1" i="0" smtClean="0">
+                            <a:latin typeface="Cambria Math" panose="02040503050406030204" pitchFamily="18" charset="0"/>
+                          </a:rPr>
                           <m:t>𝐣</m:t>
                         </m:r>
                       </m:sub>
                     </m:sSub>
                     <m:r>
-                      <a:rPr lang="en-IN" b="1" i="0" smtClean="0"/>
+                      <a:rPr lang="en-IN" b="1" i="0" smtClean="0">
+                        <a:latin typeface="Cambria Math" panose="02040503050406030204" pitchFamily="18" charset="0"/>
+                      </a:rPr>
                       <m:t> </m:t>
                     </m:r>
                   </m:oMath>
@@ -14311,7 +14178,7 @@
             </p:txBody>
           </p:sp>
         </mc:Choice>
-        <mc:Fallback>
+        <mc:Fallback xmlns="">
           <p:sp>
             <p:nvSpPr>
               <p:cNvPr id="3" name="Content Placeholder 2">
@@ -14355,8 +14222,8 @@
           </p:sp>
         </mc:Fallback>
       </mc:AlternateContent>
-      <mc:AlternateContent xmlns:mc="http://schemas.openxmlformats.org/markup-compatibility/2006">
-        <mc:Choice xmlns:a14="http://schemas.microsoft.com/office/drawing/2010/main" Requires="a14">
+      <mc:AlternateContent xmlns:mc="http://schemas.openxmlformats.org/markup-compatibility/2006" xmlns:a14="http://schemas.microsoft.com/office/drawing/2010/main">
+        <mc:Choice Requires="a14">
           <p:sp>
             <p:nvSpPr>
               <p:cNvPr id="4" name="TextBox 3">
@@ -14385,6 +14252,7 @@
               </a:bodyPr>
               <a:lstStyle/>
               <a:p>
+                <a:pPr/>
                 <a14:m>
                   <m:oMathPara xmlns:m="http://schemas.openxmlformats.org/officeDocument/2006/math">
                     <m:oMathParaPr>
@@ -14530,7 +14398,7 @@
             </p:txBody>
           </p:sp>
         </mc:Choice>
-        <mc:Fallback>
+        <mc:Fallback xmlns="">
           <p:sp>
             <p:nvSpPr>
               <p:cNvPr id="4" name="TextBox 3">
